--- a/tex/ecrts2021/images/vect_figs.pptx
+++ b/tex/ecrts2021/images/vect_figs.pptx
@@ -7,8 +7,9 @@
   <p:sldIdLst>
     <p:sldId id="256" r:id="rId2"/>
     <p:sldId id="257" r:id="rId3"/>
+    <p:sldId id="258" r:id="rId4"/>
   </p:sldIdLst>
-  <p:sldSz cx="9144000" cy="6858000" type="screen4x3"/>
+  <p:sldSz cx="12192000" cy="6858000"/>
   <p:notesSz cx="6858000" cy="9144000"/>
   <p:defaultTextStyle>
     <a:defPPr>
@@ -105,6 +106,22 @@
       </a:defRPr>
     </a:lvl9pPr>
   </p:defaultTextStyle>
+  <p:extLst>
+    <p:ext uri="{EFAFB233-063F-42B5-8137-9DF3F51BA10A}">
+      <p15:sldGuideLst xmlns:p15="http://schemas.microsoft.com/office/powerpoint/2012/main">
+        <p15:guide id="1" orient="horz" pos="2160" userDrawn="1">
+          <p15:clr>
+            <a:srgbClr val="A4A3A4"/>
+          </p15:clr>
+        </p15:guide>
+        <p15:guide id="2" pos="3840" userDrawn="1">
+          <p15:clr>
+            <a:srgbClr val="A4A3A4"/>
+          </p15:clr>
+        </p15:guide>
+      </p15:sldGuideLst>
+    </p:ext>
+  </p:extLst>
 </p:presentation>
 </file>
 
@@ -137,8 +154,8 @@
         </p:nvSpPr>
         <p:spPr>
           <a:xfrm>
-            <a:off x="685800" y="1905000"/>
-            <a:ext cx="7543800" cy="2593975"/>
+            <a:off x="914400" y="1905001"/>
+            <a:ext cx="10058400" cy="2593975"/>
           </a:xfrm>
         </p:spPr>
         <p:txBody>
@@ -176,8 +193,8 @@
         </p:nvSpPr>
         <p:spPr>
           <a:xfrm>
-            <a:off x="685800" y="4572000"/>
-            <a:ext cx="6461760" cy="1066800"/>
+            <a:off x="914400" y="4572000"/>
+            <a:ext cx="8615680" cy="1066800"/>
           </a:xfrm>
         </p:spPr>
         <p:txBody>
@@ -297,8 +314,8 @@
         </p:nvSpPr>
         <p:spPr>
           <a:xfrm rot="16200000">
-            <a:off x="7551351" y="1645920"/>
-            <a:ext cx="2438399" cy="365760"/>
+            <a:off x="10474869" y="1584960"/>
+            <a:ext cx="2438399" cy="487680"/>
           </a:xfrm>
           <a:prstGeom prst="rect">
             <a:avLst/>
@@ -310,7 +327,7 @@
           <a:p>
             <a:fld id="{FF0A1386-C782-4065-B3C1-FE215C0780CC}" type="datetimeFigureOut">
               <a:rPr lang="en-US" smtClean="0"/>
-              <a:t>10/26/2020</a:t>
+              <a:t>4/29/2021</a:t>
             </a:fld>
             <a:endParaRPr lang="en-US"/>
           </a:p>
@@ -328,8 +345,8 @@
         </p:nvSpPr>
         <p:spPr>
           <a:xfrm rot="16200000">
-            <a:off x="7586910" y="4048760"/>
-            <a:ext cx="2367281" cy="365760"/>
+            <a:off x="10510428" y="3987800"/>
+            <a:ext cx="2367281" cy="487680"/>
           </a:xfrm>
           <a:prstGeom prst="rect">
             <a:avLst/>
@@ -355,8 +372,8 @@
         </p:nvSpPr>
         <p:spPr>
           <a:xfrm>
-            <a:off x="8531788" y="5648960"/>
-            <a:ext cx="548640" cy="396240"/>
+            <a:off x="11375717" y="5648960"/>
+            <a:ext cx="731520" cy="396240"/>
           </a:xfrm>
           <a:prstGeom prst="bracketPair">
             <a:avLst>
@@ -488,8 +505,8 @@
         </p:nvSpPr>
         <p:spPr>
           <a:xfrm rot="16200000">
-            <a:off x="7551351" y="1645920"/>
-            <a:ext cx="2438399" cy="365760"/>
+            <a:off x="10474869" y="1584960"/>
+            <a:ext cx="2438399" cy="487680"/>
           </a:xfrm>
           <a:prstGeom prst="rect">
             <a:avLst/>
@@ -501,7 +518,7 @@
           <a:p>
             <a:fld id="{FF0A1386-C782-4065-B3C1-FE215C0780CC}" type="datetimeFigureOut">
               <a:rPr lang="en-US" smtClean="0"/>
-              <a:t>10/26/2020</a:t>
+              <a:t>4/29/2021</a:t>
             </a:fld>
             <a:endParaRPr lang="en-US"/>
           </a:p>
@@ -519,8 +536,8 @@
         </p:nvSpPr>
         <p:spPr>
           <a:xfrm rot="16200000">
-            <a:off x="7586910" y="4048760"/>
-            <a:ext cx="2367281" cy="365760"/>
+            <a:off x="10510428" y="3987800"/>
+            <a:ext cx="2367281" cy="487680"/>
           </a:xfrm>
           <a:prstGeom prst="rect">
             <a:avLst/>
@@ -546,8 +563,8 @@
         </p:nvSpPr>
         <p:spPr>
           <a:xfrm>
-            <a:off x="8531788" y="5648960"/>
-            <a:ext cx="548640" cy="396240"/>
+            <a:off x="11375717" y="5648960"/>
+            <a:ext cx="731520" cy="396240"/>
           </a:xfrm>
           <a:prstGeom prst="bracketPair">
             <a:avLst>
@@ -604,8 +621,8 @@
         </p:nvSpPr>
         <p:spPr>
           <a:xfrm>
-            <a:off x="6629400" y="274638"/>
-            <a:ext cx="1752600" cy="5851525"/>
+            <a:off x="8839200" y="274639"/>
+            <a:ext cx="2336800" cy="5851525"/>
           </a:xfrm>
         </p:spPr>
         <p:txBody>
@@ -632,8 +649,8 @@
         </p:nvSpPr>
         <p:spPr>
           <a:xfrm>
-            <a:off x="457200" y="274638"/>
-            <a:ext cx="6019800" cy="5851525"/>
+            <a:off x="609600" y="274639"/>
+            <a:ext cx="8026400" cy="5851525"/>
           </a:xfrm>
         </p:spPr>
         <p:txBody>
@@ -689,8 +706,8 @@
         </p:nvSpPr>
         <p:spPr>
           <a:xfrm rot="16200000">
-            <a:off x="7551351" y="1645920"/>
-            <a:ext cx="2438399" cy="365760"/>
+            <a:off x="10474869" y="1584960"/>
+            <a:ext cx="2438399" cy="487680"/>
           </a:xfrm>
           <a:prstGeom prst="rect">
             <a:avLst/>
@@ -702,7 +719,7 @@
           <a:p>
             <a:fld id="{FF0A1386-C782-4065-B3C1-FE215C0780CC}" type="datetimeFigureOut">
               <a:rPr lang="en-US" smtClean="0"/>
-              <a:t>10/26/2020</a:t>
+              <a:t>4/29/2021</a:t>
             </a:fld>
             <a:endParaRPr lang="en-US"/>
           </a:p>
@@ -720,8 +737,8 @@
         </p:nvSpPr>
         <p:spPr>
           <a:xfrm rot="16200000">
-            <a:off x="7586910" y="4048760"/>
-            <a:ext cx="2367281" cy="365760"/>
+            <a:off x="10510428" y="3987800"/>
+            <a:ext cx="2367281" cy="487680"/>
           </a:xfrm>
           <a:prstGeom prst="rect">
             <a:avLst/>
@@ -747,8 +764,8 @@
         </p:nvSpPr>
         <p:spPr>
           <a:xfrm>
-            <a:off x="8531788" y="5648960"/>
-            <a:ext cx="548640" cy="396240"/>
+            <a:off x="11375717" y="5648960"/>
+            <a:ext cx="731520" cy="396240"/>
           </a:xfrm>
           <a:prstGeom prst="bracketPair">
             <a:avLst>
@@ -880,8 +897,8 @@
         </p:nvSpPr>
         <p:spPr>
           <a:xfrm rot="16200000">
-            <a:off x="7551351" y="1645920"/>
-            <a:ext cx="2438399" cy="365760"/>
+            <a:off x="10474869" y="1584960"/>
+            <a:ext cx="2438399" cy="487680"/>
           </a:xfrm>
           <a:prstGeom prst="rect">
             <a:avLst/>
@@ -893,7 +910,7 @@
           <a:p>
             <a:fld id="{FF0A1386-C782-4065-B3C1-FE215C0780CC}" type="datetimeFigureOut">
               <a:rPr lang="en-US" smtClean="0"/>
-              <a:t>10/26/2020</a:t>
+              <a:t>4/29/2021</a:t>
             </a:fld>
             <a:endParaRPr lang="en-US"/>
           </a:p>
@@ -911,8 +928,8 @@
         </p:nvSpPr>
         <p:spPr>
           <a:xfrm rot="16200000">
-            <a:off x="7586910" y="4048760"/>
-            <a:ext cx="2367281" cy="365760"/>
+            <a:off x="10510428" y="3987800"/>
+            <a:ext cx="2367281" cy="487680"/>
           </a:xfrm>
           <a:prstGeom prst="rect">
             <a:avLst/>
@@ -938,8 +955,8 @@
         </p:nvSpPr>
         <p:spPr>
           <a:xfrm>
-            <a:off x="8531788" y="5648960"/>
-            <a:ext cx="548640" cy="396240"/>
+            <a:off x="11375717" y="5648960"/>
+            <a:ext cx="731520" cy="396240"/>
           </a:xfrm>
           <a:prstGeom prst="bracketPair">
             <a:avLst>
@@ -1003,8 +1020,8 @@
         </p:nvSpPr>
         <p:spPr>
           <a:xfrm>
-            <a:off x="722313" y="5486400"/>
-            <a:ext cx="7659687" cy="1168400"/>
+            <a:off x="963085" y="5486400"/>
+            <a:ext cx="10212916" cy="1168400"/>
           </a:xfrm>
         </p:spPr>
         <p:txBody>
@@ -1035,8 +1052,8 @@
         </p:nvSpPr>
         <p:spPr>
           <a:xfrm>
-            <a:off x="722313" y="3852863"/>
-            <a:ext cx="6135687" cy="1633538"/>
+            <a:off x="963085" y="3852863"/>
+            <a:ext cx="8180916" cy="1633538"/>
           </a:xfrm>
         </p:spPr>
         <p:txBody>
@@ -1154,8 +1171,8 @@
         </p:nvSpPr>
         <p:spPr>
           <a:xfrm rot="16200000">
-            <a:off x="7551351" y="1645920"/>
-            <a:ext cx="2438399" cy="365760"/>
+            <a:off x="10474869" y="1584960"/>
+            <a:ext cx="2438399" cy="487680"/>
           </a:xfrm>
           <a:prstGeom prst="rect">
             <a:avLst/>
@@ -1167,7 +1184,7 @@
           <a:p>
             <a:fld id="{FF0A1386-C782-4065-B3C1-FE215C0780CC}" type="datetimeFigureOut">
               <a:rPr lang="en-US" smtClean="0"/>
-              <a:t>10/26/2020</a:t>
+              <a:t>4/29/2021</a:t>
             </a:fld>
             <a:endParaRPr lang="en-US"/>
           </a:p>
@@ -1185,8 +1202,8 @@
         </p:nvSpPr>
         <p:spPr>
           <a:xfrm rot="16200000">
-            <a:off x="7586910" y="4048760"/>
-            <a:ext cx="2367281" cy="365760"/>
+            <a:off x="10510428" y="3987800"/>
+            <a:ext cx="2367281" cy="487680"/>
           </a:xfrm>
           <a:prstGeom prst="rect">
             <a:avLst/>
@@ -1212,8 +1229,8 @@
         </p:nvSpPr>
         <p:spPr>
           <a:xfrm>
-            <a:off x="8531788" y="5648960"/>
-            <a:ext cx="548640" cy="396240"/>
+            <a:off x="11375717" y="5648960"/>
+            <a:ext cx="731520" cy="396240"/>
           </a:xfrm>
           <a:prstGeom prst="bracketPair">
             <a:avLst>
@@ -1293,8 +1310,8 @@
         </p:nvSpPr>
         <p:spPr>
           <a:xfrm>
-            <a:off x="457200" y="1536192"/>
-            <a:ext cx="3657600" cy="4590288"/>
+            <a:off x="609600" y="1536192"/>
+            <a:ext cx="4876800" cy="4590288"/>
           </a:xfrm>
         </p:spPr>
         <p:txBody>
@@ -1378,8 +1395,8 @@
         </p:nvSpPr>
         <p:spPr>
           <a:xfrm>
-            <a:off x="4419600" y="1536192"/>
-            <a:ext cx="3657600" cy="4590288"/>
+            <a:off x="5892800" y="1536192"/>
+            <a:ext cx="4876800" cy="4590288"/>
           </a:xfrm>
         </p:spPr>
         <p:txBody>
@@ -1463,8 +1480,8 @@
         </p:nvSpPr>
         <p:spPr>
           <a:xfrm rot="16200000">
-            <a:off x="7551351" y="1645920"/>
-            <a:ext cx="2438399" cy="365760"/>
+            <a:off x="10474869" y="1584960"/>
+            <a:ext cx="2438399" cy="487680"/>
           </a:xfrm>
           <a:prstGeom prst="rect">
             <a:avLst/>
@@ -1476,7 +1493,7 @@
           <a:p>
             <a:fld id="{FF0A1386-C782-4065-B3C1-FE215C0780CC}" type="datetimeFigureOut">
               <a:rPr lang="en-US" smtClean="0"/>
-              <a:t>10/26/2020</a:t>
+              <a:t>4/29/2021</a:t>
             </a:fld>
             <a:endParaRPr lang="en-US"/>
           </a:p>
@@ -1494,8 +1511,8 @@
         </p:nvSpPr>
         <p:spPr>
           <a:xfrm rot="16200000">
-            <a:off x="7586910" y="4048760"/>
-            <a:ext cx="2367281" cy="365760"/>
+            <a:off x="10510428" y="3987800"/>
+            <a:ext cx="2367281" cy="487680"/>
           </a:xfrm>
           <a:prstGeom prst="rect">
             <a:avLst/>
@@ -1521,8 +1538,8 @@
         </p:nvSpPr>
         <p:spPr>
           <a:xfrm>
-            <a:off x="8531788" y="5648960"/>
-            <a:ext cx="548640" cy="396240"/>
+            <a:off x="11375717" y="5648960"/>
+            <a:ext cx="731520" cy="396240"/>
           </a:xfrm>
           <a:prstGeom prst="bracketPair">
             <a:avLst>
@@ -1606,8 +1623,8 @@
         </p:nvSpPr>
         <p:spPr>
           <a:xfrm>
-            <a:off x="457200" y="1535113"/>
-            <a:ext cx="3657600" cy="639762"/>
+            <a:off x="609600" y="1535113"/>
+            <a:ext cx="4876800" cy="639762"/>
           </a:xfrm>
         </p:spPr>
         <p:txBody>
@@ -1677,8 +1694,8 @@
         </p:nvSpPr>
         <p:spPr>
           <a:xfrm>
-            <a:off x="457200" y="2174875"/>
-            <a:ext cx="3657600" cy="3951288"/>
+            <a:off x="609600" y="2174875"/>
+            <a:ext cx="4876800" cy="3951288"/>
           </a:xfrm>
         </p:spPr>
         <p:txBody>
@@ -1762,8 +1779,8 @@
         </p:nvSpPr>
         <p:spPr>
           <a:xfrm>
-            <a:off x="4419600" y="1535113"/>
-            <a:ext cx="3657600" cy="639762"/>
+            <a:off x="5892800" y="1535113"/>
+            <a:ext cx="4876800" cy="639762"/>
           </a:xfrm>
         </p:spPr>
         <p:txBody>
@@ -1833,8 +1850,8 @@
         </p:nvSpPr>
         <p:spPr>
           <a:xfrm>
-            <a:off x="4419600" y="2174875"/>
-            <a:ext cx="3657600" cy="3951288"/>
+            <a:off x="5892800" y="2174875"/>
+            <a:ext cx="4876800" cy="3951288"/>
           </a:xfrm>
         </p:spPr>
         <p:txBody>
@@ -1918,8 +1935,8 @@
         </p:nvSpPr>
         <p:spPr>
           <a:xfrm rot="16200000">
-            <a:off x="7551351" y="1645920"/>
-            <a:ext cx="2438399" cy="365760"/>
+            <a:off x="10474869" y="1584960"/>
+            <a:ext cx="2438399" cy="487680"/>
           </a:xfrm>
           <a:prstGeom prst="rect">
             <a:avLst/>
@@ -1931,7 +1948,7 @@
           <a:p>
             <a:fld id="{FF0A1386-C782-4065-B3C1-FE215C0780CC}" type="datetimeFigureOut">
               <a:rPr lang="en-US" smtClean="0"/>
-              <a:t>10/26/2020</a:t>
+              <a:t>4/29/2021</a:t>
             </a:fld>
             <a:endParaRPr lang="en-US"/>
           </a:p>
@@ -1949,8 +1966,8 @@
         </p:nvSpPr>
         <p:spPr>
           <a:xfrm rot="16200000">
-            <a:off x="7586910" y="4048760"/>
-            <a:ext cx="2367281" cy="365760"/>
+            <a:off x="10510428" y="3987800"/>
+            <a:ext cx="2367281" cy="487680"/>
           </a:xfrm>
           <a:prstGeom prst="rect">
             <a:avLst/>
@@ -1976,8 +1993,8 @@
         </p:nvSpPr>
         <p:spPr>
           <a:xfrm>
-            <a:off x="8531788" y="5648960"/>
-            <a:ext cx="548640" cy="396240"/>
+            <a:off x="11375717" y="5648960"/>
+            <a:ext cx="731520" cy="396240"/>
           </a:xfrm>
           <a:prstGeom prst="bracketPair">
             <a:avLst>
@@ -2057,8 +2074,8 @@
         </p:nvSpPr>
         <p:spPr>
           <a:xfrm rot="16200000">
-            <a:off x="7551351" y="1645920"/>
-            <a:ext cx="2438399" cy="365760"/>
+            <a:off x="10474869" y="1584960"/>
+            <a:ext cx="2438399" cy="487680"/>
           </a:xfrm>
           <a:prstGeom prst="rect">
             <a:avLst/>
@@ -2070,7 +2087,7 @@
           <a:p>
             <a:fld id="{FF0A1386-C782-4065-B3C1-FE215C0780CC}" type="datetimeFigureOut">
               <a:rPr lang="en-US" smtClean="0"/>
-              <a:t>10/26/2020</a:t>
+              <a:t>4/29/2021</a:t>
             </a:fld>
             <a:endParaRPr lang="en-US"/>
           </a:p>
@@ -2088,8 +2105,8 @@
         </p:nvSpPr>
         <p:spPr>
           <a:xfrm rot="16200000">
-            <a:off x="7586910" y="4048760"/>
-            <a:ext cx="2367281" cy="365760"/>
+            <a:off x="10510428" y="3987800"/>
+            <a:ext cx="2367281" cy="487680"/>
           </a:xfrm>
           <a:prstGeom prst="rect">
             <a:avLst/>
@@ -2115,8 +2132,8 @@
         </p:nvSpPr>
         <p:spPr>
           <a:xfrm>
-            <a:off x="8531788" y="5648960"/>
-            <a:ext cx="548640" cy="396240"/>
+            <a:off x="11375717" y="5648960"/>
+            <a:ext cx="731520" cy="396240"/>
           </a:xfrm>
           <a:prstGeom prst="bracketPair">
             <a:avLst>
@@ -2173,8 +2190,8 @@
         </p:nvSpPr>
         <p:spPr>
           <a:xfrm rot="16200000">
-            <a:off x="7551351" y="1645920"/>
-            <a:ext cx="2438399" cy="365760"/>
+            <a:off x="10474869" y="1584960"/>
+            <a:ext cx="2438399" cy="487680"/>
           </a:xfrm>
           <a:prstGeom prst="rect">
             <a:avLst/>
@@ -2186,7 +2203,7 @@
           <a:p>
             <a:fld id="{FF0A1386-C782-4065-B3C1-FE215C0780CC}" type="datetimeFigureOut">
               <a:rPr lang="en-US" smtClean="0"/>
-              <a:t>10/26/2020</a:t>
+              <a:t>4/29/2021</a:t>
             </a:fld>
             <a:endParaRPr lang="en-US"/>
           </a:p>
@@ -2204,8 +2221,8 @@
         </p:nvSpPr>
         <p:spPr>
           <a:xfrm rot="16200000">
-            <a:off x="7586910" y="4048760"/>
-            <a:ext cx="2367281" cy="365760"/>
+            <a:off x="10510428" y="3987800"/>
+            <a:ext cx="2367281" cy="487680"/>
           </a:xfrm>
           <a:prstGeom prst="rect">
             <a:avLst/>
@@ -2231,8 +2248,8 @@
         </p:nvSpPr>
         <p:spPr>
           <a:xfrm>
-            <a:off x="8531788" y="5648960"/>
-            <a:ext cx="548640" cy="396240"/>
+            <a:off x="11375717" y="5648960"/>
+            <a:ext cx="731520" cy="396240"/>
           </a:xfrm>
           <a:prstGeom prst="bracketPair">
             <a:avLst>
@@ -2289,8 +2306,8 @@
         </p:nvSpPr>
         <p:spPr>
           <a:xfrm>
-            <a:off x="304801" y="5495544"/>
-            <a:ext cx="7772400" cy="594360"/>
+            <a:off x="406401" y="5495544"/>
+            <a:ext cx="10363200" cy="594360"/>
           </a:xfrm>
         </p:spPr>
         <p:txBody>
@@ -2321,8 +2338,8 @@
         </p:nvSpPr>
         <p:spPr>
           <a:xfrm>
-            <a:off x="304799" y="6096000"/>
-            <a:ext cx="7772401" cy="609600"/>
+            <a:off x="406400" y="6096000"/>
+            <a:ext cx="10363201" cy="609600"/>
           </a:xfrm>
         </p:spPr>
         <p:txBody>
@@ -2388,8 +2405,8 @@
         </p:nvSpPr>
         <p:spPr>
           <a:xfrm rot="16200000">
-            <a:off x="7551351" y="1645920"/>
-            <a:ext cx="2438399" cy="365760"/>
+            <a:off x="10474869" y="1584960"/>
+            <a:ext cx="2438399" cy="487680"/>
           </a:xfrm>
           <a:prstGeom prst="rect">
             <a:avLst/>
@@ -2401,7 +2418,7 @@
           <a:p>
             <a:fld id="{FF0A1386-C782-4065-B3C1-FE215C0780CC}" type="datetimeFigureOut">
               <a:rPr lang="en-US" smtClean="0"/>
-              <a:t>10/26/2020</a:t>
+              <a:t>4/29/2021</a:t>
             </a:fld>
             <a:endParaRPr lang="en-US"/>
           </a:p>
@@ -2419,8 +2436,8 @@
         </p:nvSpPr>
         <p:spPr>
           <a:xfrm rot="16200000">
-            <a:off x="7586910" y="4048760"/>
-            <a:ext cx="2367281" cy="365760"/>
+            <a:off x="10510428" y="3987800"/>
+            <a:ext cx="2367281" cy="487680"/>
           </a:xfrm>
           <a:prstGeom prst="rect">
             <a:avLst/>
@@ -2446,8 +2463,8 @@
         </p:nvSpPr>
         <p:spPr>
           <a:xfrm>
-            <a:off x="8531788" y="5648960"/>
-            <a:ext cx="548640" cy="396240"/>
+            <a:off x="11375717" y="5648960"/>
+            <a:ext cx="731520" cy="396240"/>
           </a:xfrm>
           <a:prstGeom prst="bracketPair">
             <a:avLst>
@@ -2479,8 +2496,8 @@
         </p:nvSpPr>
         <p:spPr>
           <a:xfrm>
-            <a:off x="304800" y="381000"/>
-            <a:ext cx="7772400" cy="4942840"/>
+            <a:off x="406400" y="381000"/>
+            <a:ext cx="10363200" cy="4942840"/>
           </a:xfrm>
         </p:spPr>
         <p:txBody>
@@ -2561,8 +2578,8 @@
         </p:nvSpPr>
         <p:spPr>
           <a:xfrm>
-            <a:off x="301752" y="5495278"/>
-            <a:ext cx="7772400" cy="594626"/>
+            <a:off x="402336" y="5495278"/>
+            <a:ext cx="10363200" cy="594626"/>
           </a:xfrm>
         </p:spPr>
         <p:txBody>
@@ -2601,7 +2618,7 @@
         <p:spPr>
           <a:xfrm>
             <a:off x="0" y="0"/>
-            <a:ext cx="8458200" cy="5486400"/>
+            <a:ext cx="11277600" cy="5486400"/>
           </a:xfrm>
         </p:spPr>
         <p:txBody>
@@ -2665,8 +2682,8 @@
         </p:nvSpPr>
         <p:spPr>
           <a:xfrm>
-            <a:off x="301752" y="6096000"/>
-            <a:ext cx="7772400" cy="612648"/>
+            <a:off x="402336" y="6096000"/>
+            <a:ext cx="10363200" cy="612648"/>
           </a:xfrm>
         </p:spPr>
         <p:txBody>
@@ -2732,8 +2749,8 @@
         </p:nvSpPr>
         <p:spPr>
           <a:xfrm rot="16200000">
-            <a:off x="7551351" y="1645920"/>
-            <a:ext cx="2438399" cy="365760"/>
+            <a:off x="10474869" y="1584960"/>
+            <a:ext cx="2438399" cy="487680"/>
           </a:xfrm>
           <a:prstGeom prst="rect">
             <a:avLst/>
@@ -2745,7 +2762,7 @@
           <a:p>
             <a:fld id="{FF0A1386-C782-4065-B3C1-FE215C0780CC}" type="datetimeFigureOut">
               <a:rPr lang="en-US" smtClean="0"/>
-              <a:t>10/26/2020</a:t>
+              <a:t>4/29/2021</a:t>
             </a:fld>
             <a:endParaRPr lang="en-US"/>
           </a:p>
@@ -2763,8 +2780,8 @@
         </p:nvSpPr>
         <p:spPr>
           <a:xfrm>
-            <a:off x="8531788" y="5648960"/>
-            <a:ext cx="548640" cy="396240"/>
+            <a:off x="11375717" y="5648960"/>
+            <a:ext cx="731520" cy="396240"/>
           </a:xfrm>
           <a:prstGeom prst="bracketPair">
             <a:avLst>
@@ -2796,8 +2813,8 @@
         </p:nvSpPr>
         <p:spPr>
           <a:xfrm rot="16200000">
-            <a:off x="7586910" y="4048760"/>
-            <a:ext cx="2367281" cy="365760"/>
+            <a:off x="10510428" y="3987800"/>
+            <a:ext cx="2367281" cy="487680"/>
           </a:xfrm>
           <a:prstGeom prst="rect">
             <a:avLst/>
@@ -2823,9 +2840,12 @@
 <p:sldMaster xmlns:a="http://schemas.openxmlformats.org/drawingml/2006/main" xmlns:r="http://schemas.openxmlformats.org/officeDocument/2006/relationships" xmlns:p="http://schemas.openxmlformats.org/presentationml/2006/main">
   <p:cSld>
     <p:bg>
-      <p:bgRef idx="1002">
-        <a:schemeClr val="bg1"/>
-      </p:bgRef>
+      <p:bgPr>
+        <a:solidFill>
+          <a:schemeClr val="bg1"/>
+        </a:solidFill>
+        <a:effectLst/>
+      </p:bgPr>
     </p:bg>
     <p:spTree>
       <p:nvGrpSpPr>
@@ -2853,8 +2873,8 @@
         </p:nvSpPr>
         <p:spPr>
           <a:xfrm>
-            <a:off x="457200" y="274638"/>
-            <a:ext cx="7620000" cy="1143000"/>
+            <a:off x="609600" y="274638"/>
+            <a:ext cx="10160000" cy="1143000"/>
           </a:xfrm>
           <a:prstGeom prst="rect">
             <a:avLst/>
@@ -2886,8 +2906,8 @@
         </p:nvSpPr>
         <p:spPr>
           <a:xfrm>
-            <a:off x="457200" y="1600200"/>
-            <a:ext cx="7620000" cy="4800600"/>
+            <a:off x="609600" y="1600200"/>
+            <a:ext cx="10160000" cy="4800600"/>
           </a:xfrm>
           <a:prstGeom prst="rect">
             <a:avLst/>
@@ -3268,7 +3288,7 @@
         </p:nvSpPr>
         <p:spPr>
           <a:xfrm>
-            <a:off x="5867400" y="2590800"/>
+            <a:off x="7391400" y="2590800"/>
             <a:ext cx="76200" cy="76200"/>
           </a:xfrm>
           <a:prstGeom prst="ellipse">
@@ -3316,7 +3336,7 @@
         </p:nvSpPr>
         <p:spPr>
           <a:xfrm rot="2700000">
-            <a:off x="5867400" y="2860768"/>
+            <a:off x="7391400" y="2860768"/>
             <a:ext cx="76200" cy="76200"/>
           </a:xfrm>
           <a:prstGeom prst="plus">
@@ -3366,7 +3386,7 @@
         </p:nvCxnSpPr>
         <p:spPr>
           <a:xfrm flipH="1" flipV="1">
-            <a:off x="6781800" y="2621608"/>
+            <a:off x="8305800" y="2621609"/>
             <a:ext cx="457200" cy="1"/>
           </a:xfrm>
           <a:prstGeom prst="straightConnector1">
@@ -3403,7 +3423,7 @@
         </p:nvGrpSpPr>
         <p:grpSpPr>
           <a:xfrm>
-            <a:off x="659248" y="530423"/>
+            <a:off x="2183249" y="530423"/>
             <a:ext cx="4651657" cy="4313036"/>
             <a:chOff x="659248" y="530423"/>
             <a:chExt cx="4651657" cy="4313036"/>
@@ -3567,7 +3587,7 @@
               <a:p>
                 <a:pPr algn="ctr"/>
                 <a:r>
-                  <a:rPr lang="en-US" sz="1400" dirty="0" smtClean="0">
+                  <a:rPr lang="en-US" sz="1400" dirty="0">
                     <a:latin typeface="Raleway Medium" pitchFamily="34" charset="0"/>
                   </a:rPr>
                   <a:t>CPU Cluster</a:t>
@@ -3667,7 +3687,7 @@
               <a:p>
                 <a:pPr algn="ctr"/>
                 <a:r>
-                  <a:rPr lang="en-US" sz="1600" dirty="0" smtClean="0">
+                  <a:rPr lang="en-US" sz="1600" dirty="0">
                     <a:latin typeface="Raleway Medium" pitchFamily="34" charset="0"/>
                   </a:rPr>
                   <a:t>Main Memory Controller (DRAM)</a:t>
@@ -3702,13 +3722,13 @@
               <a:p>
                 <a:pPr algn="ctr"/>
                 <a:r>
-                  <a:rPr lang="en-US" sz="1400" dirty="0" err="1" smtClean="0">
+                  <a:rPr lang="en-US" sz="1400" dirty="0" err="1">
                     <a:latin typeface="Raleway Medium" pitchFamily="34" charset="0"/>
                   </a:rPr>
                   <a:t>Programm</a:t>
                 </a:r>
                 <a:r>
-                  <a:rPr lang="en-US" sz="1400" dirty="0" smtClean="0">
+                  <a:rPr lang="en-US" sz="1400" dirty="0">
                     <a:latin typeface="Raleway Medium" pitchFamily="34" charset="0"/>
                   </a:rPr>
                   <a:t>. Logic</a:t>
@@ -3762,7 +3782,7 @@
               <a:p>
                 <a:pPr algn="ctr"/>
                 <a:r>
-                  <a:rPr lang="en-US" sz="1400" dirty="0" smtClean="0">
+                  <a:rPr lang="en-US" sz="1400" dirty="0">
                     <a:latin typeface="Raleway Medium" pitchFamily="34" charset="0"/>
                   </a:rPr>
                   <a:t>Coherency</a:t>
@@ -3771,7 +3791,7 @@
               <a:p>
                 <a:pPr algn="ctr"/>
                 <a:r>
-                  <a:rPr lang="en-US" sz="1400" dirty="0" smtClean="0">
+                  <a:rPr lang="en-US" sz="1400" dirty="0">
                     <a:latin typeface="Raleway Medium" pitchFamily="34" charset="0"/>
                   </a:rPr>
                   <a:t>Fabric (CCI)</a:t>
@@ -3825,19 +3845,19 @@
               <a:p>
                 <a:pPr algn="ctr"/>
                 <a:r>
-                  <a:rPr lang="en-US" sz="1200" dirty="0" smtClean="0">
+                  <a:rPr lang="en-US" sz="1200" dirty="0">
                     <a:latin typeface="Raleway Medium" pitchFamily="34" charset="0"/>
                   </a:rPr>
                   <a:t>Main</a:t>
                 </a:r>
-                <a:endParaRPr lang="en-US" sz="1050" dirty="0" smtClean="0">
+                <a:endParaRPr lang="en-US" sz="1050" dirty="0">
                   <a:latin typeface="Raleway Medium" pitchFamily="34" charset="0"/>
                 </a:endParaRPr>
               </a:p>
               <a:p>
                 <a:pPr algn="ctr"/>
                 <a:r>
-                  <a:rPr lang="en-US" sz="1050" dirty="0" smtClean="0">
+                  <a:rPr lang="en-US" sz="1050" dirty="0">
                     <a:latin typeface="Raleway Medium" pitchFamily="34" charset="0"/>
                   </a:rPr>
                   <a:t>Interconnect</a:t>
@@ -3891,19 +3911,19 @@
               <a:p>
                 <a:pPr algn="ctr"/>
                 <a:r>
-                  <a:rPr lang="en-US" sz="1200" dirty="0" smtClean="0">
+                  <a:rPr lang="en-US" sz="1200" dirty="0">
                     <a:latin typeface="Raleway Medium" pitchFamily="34" charset="0"/>
                   </a:rPr>
                   <a:t>Secondary</a:t>
                 </a:r>
-                <a:endParaRPr lang="en-US" sz="1050" dirty="0" smtClean="0">
+                <a:endParaRPr lang="en-US" sz="1050" dirty="0">
                   <a:latin typeface="Raleway Medium" pitchFamily="34" charset="0"/>
                 </a:endParaRPr>
               </a:p>
               <a:p>
                 <a:pPr algn="ctr"/>
                 <a:r>
-                  <a:rPr lang="en-US" sz="1050" dirty="0" smtClean="0">
+                  <a:rPr lang="en-US" sz="1050" dirty="0">
                     <a:latin typeface="Raleway Medium" pitchFamily="34" charset="0"/>
                   </a:rPr>
                   <a:t>Interconnect</a:t>
@@ -3943,7 +3963,7 @@
                   <a:t>L</a:t>
                 </a:r>
                 <a:r>
-                  <a:rPr lang="en-US" sz="1100" dirty="0" smtClean="0">
+                  <a:rPr lang="en-US" sz="1100" dirty="0">
                     <a:latin typeface="Raleway Medium" pitchFamily="34" charset="0"/>
                   </a:rPr>
                   <a:t>PM</a:t>
@@ -3977,7 +3997,7 @@
               <a:p>
                 <a:pPr algn="ctr"/>
                 <a:r>
-                  <a:rPr lang="en-US" sz="1100" dirty="0" smtClean="0">
+                  <a:rPr lang="en-US" sz="1100" dirty="0">
                     <a:latin typeface="Raleway Medium" pitchFamily="34" charset="0"/>
                   </a:rPr>
                   <a:t>HPM</a:t>
@@ -3996,8 +4016,8 @@
             </p:nvSpPr>
             <p:spPr>
               <a:xfrm>
-                <a:off x="4729123" y="2057400"/>
-                <a:ext cx="463588" cy="261610"/>
+                <a:off x="4722711" y="2057400"/>
+                <a:ext cx="476413" cy="261610"/>
               </a:xfrm>
               <a:prstGeom prst="rect">
                 <a:avLst/>
@@ -4011,7 +4031,7 @@
               <a:p>
                 <a:pPr algn="ctr"/>
                 <a:r>
-                  <a:rPr lang="en-US" sz="1100" dirty="0" smtClean="0">
+                  <a:rPr lang="en-US" sz="1100" dirty="0">
                     <a:latin typeface="Raleway Medium" pitchFamily="34" charset="0"/>
                   </a:rPr>
                   <a:t>HPS</a:t>
@@ -4067,7 +4087,7 @@
               <a:p>
                 <a:pPr algn="ctr"/>
                 <a:r>
-                  <a:rPr lang="en-US" sz="2400" dirty="0" err="1" smtClean="0"/>
+                  <a:rPr lang="en-US" sz="2400" dirty="0" err="1"/>
                   <a:t>SchIM</a:t>
                 </a:r>
                 <a:endParaRPr lang="en-US" dirty="0"/>
@@ -5258,7 +5278,7 @@
               <a:p>
                 <a:pPr algn="ctr"/>
                 <a:r>
-                  <a:rPr lang="en-US" sz="1000" dirty="0" smtClean="0">
+                  <a:rPr lang="en-US" sz="1000" dirty="0">
                     <a:latin typeface="Raleway Medium" pitchFamily="34" charset="0"/>
                   </a:rPr>
                   <a:t>Interrupt Ctrl.</a:t>
@@ -5292,7 +5312,7 @@
               <a:p>
                 <a:pPr algn="ctr"/>
                 <a:r>
-                  <a:rPr lang="en-US" sz="1050" dirty="0" smtClean="0">
+                  <a:rPr lang="en-US" sz="1050" dirty="0">
                     <a:latin typeface="Raleway Medium" pitchFamily="34" charset="0"/>
                   </a:rPr>
                   <a:t>IRQ Lines</a:t>
@@ -5504,14 +5524,14 @@
                           <m:sSub>
                             <m:sSubPr>
                               <m:ctrlPr>
-                                <a:rPr lang="en-US" b="0" i="1" smtClean="0">
-                                  <a:latin typeface="Cambria Math"/>
+                                <a:rPr lang="en-US" i="1">
+                                  <a:latin typeface="Cambria Math" panose="02040503050406030204" pitchFamily="18" charset="0"/>
                                 </a:rPr>
                               </m:ctrlPr>
                             </m:sSubPr>
                             <m:e>
                               <m:r>
-                                <a:rPr lang="en-US" b="0" i="1" smtClean="0">
+                                <a:rPr lang="en-US" i="1">
                                   <a:latin typeface="Cambria Math"/>
                                 </a:rPr>
                                 <m:t>𝐶</m:t>
@@ -5519,7 +5539,7 @@
                             </m:e>
                             <m:sub>
                               <m:r>
-                                <a:rPr lang="en-US" b="0" i="1" smtClean="0">
+                                <a:rPr lang="en-US" i="1">
                                   <a:latin typeface="Cambria Math"/>
                                 </a:rPr>
                                 <m:t>0</m:t>
@@ -5629,14 +5649,14 @@
                           <m:sSub>
                             <m:sSubPr>
                               <m:ctrlPr>
-                                <a:rPr lang="en-US" b="0" i="1" smtClean="0">
-                                  <a:latin typeface="Cambria Math"/>
+                                <a:rPr lang="en-US" i="1">
+                                  <a:latin typeface="Cambria Math" panose="02040503050406030204" pitchFamily="18" charset="0"/>
                                 </a:rPr>
                               </m:ctrlPr>
                             </m:sSubPr>
                             <m:e>
                               <m:r>
-                                <a:rPr lang="en-US" b="0" i="1" smtClean="0">
+                                <a:rPr lang="en-US" i="1">
                                   <a:latin typeface="Cambria Math"/>
                                 </a:rPr>
                                 <m:t>𝐶</m:t>
@@ -5644,7 +5664,7 @@
                             </m:e>
                             <m:sub>
                               <m:r>
-                                <a:rPr lang="en-US" b="0" i="1" smtClean="0">
+                                <a:rPr lang="en-US" i="1">
                                   <a:latin typeface="Cambria Math"/>
                                 </a:rPr>
                                 <m:t>1</m:t>
@@ -5754,14 +5774,14 @@
                           <m:sSub>
                             <m:sSubPr>
                               <m:ctrlPr>
-                                <a:rPr lang="en-US" b="0" i="1" smtClean="0">
-                                  <a:latin typeface="Cambria Math"/>
+                                <a:rPr lang="en-US" i="1">
+                                  <a:latin typeface="Cambria Math" panose="02040503050406030204" pitchFamily="18" charset="0"/>
                                 </a:rPr>
                               </m:ctrlPr>
                             </m:sSubPr>
                             <m:e>
                               <m:r>
-                                <a:rPr lang="en-US" b="0" i="1" smtClean="0">
+                                <a:rPr lang="en-US" i="1">
                                   <a:latin typeface="Cambria Math"/>
                                 </a:rPr>
                                 <m:t>𝐶</m:t>
@@ -5769,7 +5789,7 @@
                             </m:e>
                             <m:sub>
                               <m:r>
-                                <a:rPr lang="en-US" b="0" i="1" smtClean="0">
+                                <a:rPr lang="en-US" i="1">
                                   <a:latin typeface="Cambria Math"/>
                                 </a:rPr>
                                 <m:t>2</m:t>
@@ -5879,14 +5899,14 @@
                           <m:sSub>
                             <m:sSubPr>
                               <m:ctrlPr>
-                                <a:rPr lang="en-US" b="0" i="1" smtClean="0">
-                                  <a:latin typeface="Cambria Math"/>
+                                <a:rPr lang="en-US" i="1">
+                                  <a:latin typeface="Cambria Math" panose="02040503050406030204" pitchFamily="18" charset="0"/>
                                 </a:rPr>
                               </m:ctrlPr>
                             </m:sSubPr>
                             <m:e>
                               <m:r>
-                                <a:rPr lang="en-US" b="0" i="1" smtClean="0">
+                                <a:rPr lang="en-US" i="1">
                                   <a:latin typeface="Cambria Math"/>
                                 </a:rPr>
                                 <m:t>𝐶</m:t>
@@ -5894,7 +5914,7 @@
                             </m:e>
                             <m:sub>
                               <m:r>
-                                <a:rPr lang="en-US" b="0" i="1" smtClean="0">
+                                <a:rPr lang="en-US" i="1">
                                   <a:latin typeface="Cambria Math"/>
                                 </a:rPr>
                                 <m:t>3</m:t>
@@ -6090,7 +6110,7 @@
               <a:p>
                 <a:pPr algn="ctr"/>
                 <a:r>
-                  <a:rPr lang="en-US" sz="1600" dirty="0" smtClean="0">
+                  <a:rPr lang="en-US" sz="1600" dirty="0">
                     <a:latin typeface="Raleway Medium" pitchFamily="34" charset="0"/>
                   </a:rPr>
                   <a:t>LLC</a:t>
@@ -6439,7 +6459,7 @@
             <a:p>
               <a:pPr algn="ctr"/>
               <a:r>
-                <a:rPr lang="en-US" sz="1050" dirty="0" smtClean="0">
+                <a:rPr lang="en-US" sz="1050" dirty="0">
                   <a:solidFill>
                     <a:schemeClr val="tx1"/>
                   </a:solidFill>
@@ -6555,7 +6575,7 @@
             <a:p>
               <a:pPr algn="ctr"/>
               <a:r>
-                <a:rPr lang="en-US" sz="1050" dirty="0" smtClean="0">
+                <a:rPr lang="en-US" sz="1050" dirty="0">
                   <a:solidFill>
                     <a:schemeClr val="tx1"/>
                   </a:solidFill>
@@ -6729,7 +6749,7 @@
             <a:p>
               <a:pPr algn="ctr"/>
               <a:r>
-                <a:rPr lang="en-US" sz="1050" dirty="0" smtClean="0">
+                <a:rPr lang="en-US" sz="1050" dirty="0">
                   <a:solidFill>
                     <a:schemeClr val="tx1"/>
                   </a:solidFill>
@@ -6787,7 +6807,7 @@
             <a:p>
               <a:pPr algn="ctr"/>
               <a:r>
-                <a:rPr lang="en-US" sz="1050" dirty="0" smtClean="0">
+                <a:rPr lang="en-US" sz="1050" dirty="0">
                   <a:solidFill>
                     <a:schemeClr val="tx1"/>
                   </a:solidFill>
@@ -6964,10 +6984,10 @@
         </p:nvGrpSpPr>
         <p:grpSpPr>
           <a:xfrm>
-            <a:off x="-76200" y="698500"/>
-            <a:ext cx="10011448" cy="3035300"/>
-            <a:chOff x="-76200" y="698500"/>
-            <a:chExt cx="10011448" cy="3035300"/>
+            <a:off x="1446999" y="698500"/>
+            <a:ext cx="10018662" cy="3035300"/>
+            <a:chOff x="-77001" y="698500"/>
+            <a:chExt cx="10018662" cy="3035300"/>
           </a:xfrm>
         </p:grpSpPr>
         <p:sp>
@@ -7539,8 +7559,8 @@
           </p:nvSpPr>
           <p:spPr>
             <a:xfrm>
-              <a:off x="-70589" y="1242438"/>
-              <a:ext cx="564578" cy="261610"/>
+              <a:off x="-77001" y="1242438"/>
+              <a:ext cx="577402" cy="261610"/>
             </a:xfrm>
             <a:prstGeom prst="rect">
               <a:avLst/>
@@ -7554,7 +7574,7 @@
             <a:p>
               <a:pPr algn="ctr"/>
               <a:r>
-                <a:rPr lang="en-US" sz="1100" dirty="0" smtClean="0">
+                <a:rPr lang="en-US" sz="1100" dirty="0">
                   <a:latin typeface="Raleway Medium" pitchFamily="34" charset="0"/>
                 </a:rPr>
                 <a:t>HPM1</a:t>
@@ -7588,7 +7608,7 @@
             <a:p>
               <a:pPr algn="ctr"/>
               <a:r>
-                <a:rPr lang="en-US" sz="1100" dirty="0" smtClean="0">
+                <a:rPr lang="en-US" sz="1100" dirty="0">
                   <a:latin typeface="Raleway Medium" pitchFamily="34" charset="0"/>
                 </a:rPr>
                 <a:t>HPM2</a:t>
@@ -7743,7 +7763,7 @@
               <a:p>
                 <a:pPr algn="ctr"/>
                 <a:r>
-                  <a:rPr lang="en-US" sz="1050" dirty="0" smtClean="0">
+                  <a:rPr lang="en-US" sz="1050" dirty="0">
                     <a:solidFill>
                       <a:schemeClr val="tx1"/>
                     </a:solidFill>
@@ -7923,7 +7943,7 @@
               <a:p>
                 <a:pPr algn="ctr"/>
                 <a:r>
-                  <a:rPr lang="en-US" sz="1050" dirty="0" smtClean="0">
+                  <a:rPr lang="en-US" sz="1050" dirty="0">
                     <a:solidFill>
                       <a:schemeClr val="tx1"/>
                     </a:solidFill>
@@ -7998,7 +8018,7 @@
               <a:p>
                 <a:pPr algn="ctr"/>
                 <a:r>
-                  <a:rPr lang="en-US" sz="1050" dirty="0" smtClean="0">
+                  <a:rPr lang="en-US" sz="1050" dirty="0">
                     <a:solidFill>
                       <a:schemeClr val="tx1"/>
                     </a:solidFill>
@@ -8178,7 +8198,7 @@
               <a:p>
                 <a:pPr algn="ctr"/>
                 <a:r>
-                  <a:rPr lang="en-US" sz="1050" dirty="0" smtClean="0">
+                  <a:rPr lang="en-US" sz="1050" dirty="0">
                     <a:solidFill>
                       <a:schemeClr val="tx1"/>
                     </a:solidFill>
@@ -8302,7 +8322,7 @@
                 <a:p>
                   <a:pPr algn="ctr"/>
                   <a:r>
-                    <a:rPr lang="en-US" sz="1050" dirty="0" smtClean="0">
+                    <a:rPr lang="en-US" sz="1050" dirty="0">
                       <a:solidFill>
                         <a:schemeClr val="tx1"/>
                       </a:solidFill>
@@ -8482,7 +8502,7 @@
                 <a:p>
                   <a:pPr algn="ctr"/>
                   <a:r>
-                    <a:rPr lang="en-US" sz="1050" dirty="0" smtClean="0">
+                    <a:rPr lang="en-US" sz="1050" dirty="0">
                       <a:solidFill>
                         <a:schemeClr val="tx1"/>
                       </a:solidFill>
@@ -8557,7 +8577,7 @@
                 <a:p>
                   <a:pPr algn="ctr"/>
                   <a:r>
-                    <a:rPr lang="en-US" sz="1050" dirty="0" smtClean="0">
+                    <a:rPr lang="en-US" sz="1050" dirty="0">
                       <a:solidFill>
                         <a:schemeClr val="tx1"/>
                       </a:solidFill>
@@ -8737,7 +8757,7 @@
                 <a:p>
                   <a:pPr algn="ctr"/>
                   <a:r>
-                    <a:rPr lang="en-US" sz="1050" dirty="0" smtClean="0">
+                    <a:rPr lang="en-US" sz="1050" dirty="0">
                       <a:solidFill>
                         <a:schemeClr val="tx1"/>
                       </a:solidFill>
@@ -9088,13 +9108,13 @@
             <a:p>
               <a:pPr algn="ctr"/>
               <a:r>
-                <a:rPr lang="en-US" sz="1200" dirty="0" err="1" smtClean="0">
+                <a:rPr lang="en-US" sz="1200" dirty="0" err="1">
                   <a:latin typeface="Raleway Medium" pitchFamily="34" charset="0"/>
                 </a:rPr>
                 <a:t>Packetizer</a:t>
               </a:r>
               <a:r>
-                <a:rPr lang="en-US" sz="1200" dirty="0" smtClean="0">
+                <a:rPr lang="en-US" sz="1200" dirty="0">
                   <a:latin typeface="Raleway Medium" pitchFamily="34" charset="0"/>
                 </a:rPr>
                 <a:t> 1</a:t>
@@ -9129,13 +9149,13 @@
             <a:p>
               <a:pPr algn="ctr"/>
               <a:r>
-                <a:rPr lang="en-US" sz="1200" dirty="0" err="1" smtClean="0">
+                <a:rPr lang="en-US" sz="1200" dirty="0" err="1">
                   <a:latin typeface="Raleway Medium" pitchFamily="34" charset="0"/>
                 </a:rPr>
                 <a:t>Packetizer</a:t>
               </a:r>
               <a:r>
-                <a:rPr lang="en-US" sz="1200" dirty="0" smtClean="0">
+                <a:rPr lang="en-US" sz="1200" dirty="0">
                   <a:latin typeface="Raleway Medium" pitchFamily="34" charset="0"/>
                 </a:rPr>
                 <a:t> 2</a:t>
@@ -9205,7 +9225,7 @@
             <a:p>
               <a:pPr algn="ctr"/>
               <a:r>
-                <a:rPr lang="en-US" sz="1050" dirty="0" smtClean="0">
+                <a:rPr lang="en-US" sz="1050" dirty="0">
                   <a:latin typeface="Raleway Medium" pitchFamily="34" charset="0"/>
                 </a:rPr>
                 <a:t>AXI</a:t>
@@ -9240,7 +9260,7 @@
             <a:p>
               <a:pPr algn="ctr"/>
               <a:r>
-                <a:rPr lang="en-US" sz="1050" dirty="0" smtClean="0">
+                <a:rPr lang="en-US" sz="1050" dirty="0">
                   <a:latin typeface="Raleway Medium" pitchFamily="34" charset="0"/>
                 </a:rPr>
                 <a:t>Pkt.</a:t>
@@ -9359,7 +9379,7 @@
             <a:p>
               <a:pPr algn="ctr"/>
               <a:r>
-                <a:rPr lang="en-US" sz="1100" dirty="0" smtClean="0">
+                <a:rPr lang="en-US" sz="1100" dirty="0">
                   <a:latin typeface="Raleway Medium" pitchFamily="34" charset="0"/>
                 </a:rPr>
                 <a:t>LPM</a:t>
@@ -9584,7 +9604,7 @@
             <a:p>
               <a:pPr algn="ctr"/>
               <a:r>
-                <a:rPr lang="en-US" sz="1200" dirty="0" smtClean="0">
+                <a:rPr lang="en-US" sz="1200" dirty="0">
                   <a:latin typeface="Raleway Medium" pitchFamily="34" charset="0"/>
                 </a:rPr>
                 <a:t>Dispatcher</a:t>
@@ -9788,7 +9808,7 @@
             <a:p>
               <a:pPr algn="ctr"/>
               <a:r>
-                <a:rPr lang="en-US" sz="1200" dirty="0" smtClean="0">
+                <a:rPr lang="en-US" sz="1200" dirty="0">
                   <a:solidFill>
                     <a:schemeClr val="tx1"/>
                   </a:solidFill>
@@ -9976,7 +9996,7 @@
             <a:p>
               <a:pPr algn="r"/>
               <a:r>
-                <a:rPr lang="en-US" sz="1400" dirty="0" smtClean="0">
+                <a:rPr lang="en-US" sz="1400" dirty="0">
                   <a:solidFill>
                     <a:schemeClr val="tx1"/>
                   </a:solidFill>
@@ -10038,7 +10058,7 @@
             <a:p>
               <a:pPr algn="r"/>
               <a:r>
-                <a:rPr lang="en-US" sz="1400" dirty="0" smtClean="0">
+                <a:rPr lang="en-US" sz="1400" dirty="0">
                   <a:solidFill>
                     <a:schemeClr val="tx1"/>
                   </a:solidFill>
@@ -10100,7 +10120,7 @@
             <a:p>
               <a:pPr algn="r"/>
               <a:r>
-                <a:rPr lang="en-US" sz="1400" dirty="0" smtClean="0">
+                <a:rPr lang="en-US" sz="1400" dirty="0">
                   <a:solidFill>
                     <a:schemeClr val="tx1"/>
                   </a:solidFill>
@@ -10162,7 +10182,7 @@
             <a:p>
               <a:pPr algn="r"/>
               <a:r>
-                <a:rPr lang="en-US" sz="1400" dirty="0" smtClean="0">
+                <a:rPr lang="en-US" sz="1400" dirty="0">
                   <a:solidFill>
                     <a:schemeClr val="tx1"/>
                   </a:solidFill>
@@ -10350,10 +10370,10 @@
           </p:nvGrpSpPr>
           <p:grpSpPr>
             <a:xfrm>
-              <a:off x="2928775" y="919833"/>
-              <a:ext cx="527710" cy="1242413"/>
-              <a:chOff x="3310674" y="919833"/>
-              <a:chExt cx="540533" cy="1242413"/>
+              <a:off x="2910689" y="919833"/>
+              <a:ext cx="555414" cy="1242413"/>
+              <a:chOff x="3292148" y="919833"/>
+              <a:chExt cx="568910" cy="1242413"/>
             </a:xfrm>
           </p:grpSpPr>
           <p:sp>
@@ -10364,8 +10384,8 @@
             </p:nvSpPr>
             <p:spPr>
               <a:xfrm>
-                <a:off x="3310674" y="919833"/>
-                <a:ext cx="540533" cy="261610"/>
+                <a:off x="3300823" y="919833"/>
+                <a:ext cx="560235" cy="253916"/>
               </a:xfrm>
               <a:prstGeom prst="rect">
                 <a:avLst/>
@@ -10379,7 +10399,7 @@
               <a:p>
                 <a:pPr algn="ctr"/>
                 <a:r>
-                  <a:rPr lang="en-US" sz="1050" i="1" dirty="0" smtClean="0">
+                  <a:rPr lang="en-US" sz="1050" i="1" dirty="0">
                     <a:latin typeface="Raleway Medium" pitchFamily="34" charset="0"/>
                   </a:rPr>
                   <a:t>ID = 0</a:t>
@@ -10398,8 +10418,8 @@
             </p:nvSpPr>
             <p:spPr>
               <a:xfrm>
-                <a:off x="3321235" y="1240113"/>
-                <a:ext cx="502062" cy="253916"/>
+                <a:off x="3292149" y="1240113"/>
+                <a:ext cx="560235" cy="253916"/>
               </a:xfrm>
               <a:prstGeom prst="rect">
                 <a:avLst/>
@@ -10413,7 +10433,7 @@
               <a:p>
                 <a:pPr algn="ctr"/>
                 <a:r>
-                  <a:rPr lang="en-US" sz="1050" i="1" dirty="0" smtClean="0">
+                  <a:rPr lang="en-US" sz="1050" i="1" dirty="0">
                     <a:latin typeface="Raleway Medium" pitchFamily="34" charset="0"/>
                   </a:rPr>
                   <a:t>ID = 1</a:t>
@@ -10432,8 +10452,8 @@
             </p:nvSpPr>
             <p:spPr>
               <a:xfrm>
-                <a:off x="3315625" y="1566333"/>
-                <a:ext cx="513282" cy="253916"/>
+                <a:off x="3292148" y="1566333"/>
+                <a:ext cx="560236" cy="253916"/>
               </a:xfrm>
               <a:prstGeom prst="rect">
                 <a:avLst/>
@@ -10447,7 +10467,7 @@
               <a:p>
                 <a:pPr algn="ctr"/>
                 <a:r>
-                  <a:rPr lang="en-US" sz="1050" i="1" dirty="0" smtClean="0">
+                  <a:rPr lang="en-US" sz="1050" i="1" dirty="0">
                     <a:latin typeface="Raleway Medium" pitchFamily="34" charset="0"/>
                   </a:rPr>
                   <a:t>ID = 2</a:t>
@@ -10466,8 +10486,8 @@
             </p:nvSpPr>
             <p:spPr>
               <a:xfrm>
-                <a:off x="3314823" y="1908330"/>
-                <a:ext cx="514886" cy="253916"/>
+                <a:off x="3292149" y="1908330"/>
+                <a:ext cx="560235" cy="253916"/>
               </a:xfrm>
               <a:prstGeom prst="rect">
                 <a:avLst/>
@@ -10481,7 +10501,7 @@
               <a:p>
                 <a:pPr algn="ctr"/>
                 <a:r>
-                  <a:rPr lang="en-US" sz="1050" i="1" dirty="0" smtClean="0">
+                  <a:rPr lang="en-US" sz="1050" i="1" dirty="0">
                     <a:latin typeface="Raleway Medium" pitchFamily="34" charset="0"/>
                   </a:rPr>
                   <a:t>ID = 3</a:t>
@@ -10517,7 +10537,7 @@
             <a:p>
               <a:pPr algn="ctr"/>
               <a:r>
-                <a:rPr lang="en-US" sz="1200" dirty="0" smtClean="0">
+                <a:rPr lang="en-US" sz="1200" dirty="0">
                   <a:latin typeface="Raleway Medium" pitchFamily="34" charset="0"/>
                 </a:rPr>
                 <a:t>Queues</a:t>
@@ -10602,7 +10622,7 @@
             <a:p>
               <a:pPr algn="ctr"/>
               <a:r>
-                <a:rPr lang="en-US" sz="1200" dirty="0" smtClean="0">
+                <a:rPr lang="en-US" sz="1200" dirty="0">
                   <a:latin typeface="Raleway Medium" pitchFamily="34" charset="0"/>
                 </a:rPr>
                 <a:t>Selector</a:t>
@@ -10658,7 +10678,7 @@
             <a:p>
               <a:pPr algn="ctr"/>
               <a:r>
-                <a:rPr lang="en-US" sz="1100" dirty="0" smtClean="0">
+                <a:rPr lang="en-US" sz="1100" dirty="0">
                   <a:solidFill>
                     <a:schemeClr val="tx1"/>
                   </a:solidFill>
@@ -11112,7 +11132,7 @@
           <p:spPr>
             <a:xfrm>
               <a:off x="-27309" y="2938790"/>
-              <a:ext cx="483625" cy="253916"/>
+              <a:ext cx="483625" cy="415498"/>
             </a:xfrm>
             <a:prstGeom prst="rect">
               <a:avLst/>
@@ -11126,7 +11146,7 @@
             <a:p>
               <a:pPr algn="ctr"/>
               <a:r>
-                <a:rPr lang="en-US" sz="1050" dirty="0" smtClean="0">
+                <a:rPr lang="en-US" sz="1050" dirty="0">
                   <a:solidFill>
                     <a:srgbClr val="C00000"/>
                   </a:solidFill>
@@ -11215,7 +11235,7 @@
             <a:lstStyle/>
             <a:p>
               <a:r>
-                <a:rPr lang="en-US" sz="1200" dirty="0" smtClean="0">
+                <a:rPr lang="en-US" sz="1200" dirty="0">
                   <a:latin typeface="Raleway Medium" pitchFamily="34" charset="0"/>
                 </a:rPr>
                 <a:t>Configuration</a:t>
@@ -11520,7 +11540,7 @@
             <a:p>
               <a:pPr algn="ctr"/>
               <a:r>
-                <a:rPr lang="en-US" sz="1100" dirty="0" smtClean="0">
+                <a:rPr lang="en-US" sz="1100" dirty="0">
                   <a:solidFill>
                     <a:schemeClr val="tx1"/>
                   </a:solidFill>
@@ -11580,7 +11600,7 @@
             <a:p>
               <a:pPr algn="ctr"/>
               <a:r>
-                <a:rPr lang="en-US" sz="1100" dirty="0" smtClean="0">
+                <a:rPr lang="en-US" sz="1100" dirty="0">
                   <a:solidFill>
                     <a:schemeClr val="tx1"/>
                   </a:solidFill>
@@ -11640,7 +11660,7 @@
             <a:p>
               <a:pPr algn="ctr"/>
               <a:r>
-                <a:rPr lang="en-US" sz="1100" dirty="0" err="1" smtClean="0">
+                <a:rPr lang="en-US" sz="1100" dirty="0" err="1">
                   <a:solidFill>
                     <a:schemeClr val="tx1"/>
                   </a:solidFill>
@@ -11649,22 +11669,13 @@
                 <a:t>Sched</a:t>
               </a:r>
               <a:r>
-                <a:rPr lang="en-US" sz="1100" dirty="0" smtClean="0">
+                <a:rPr lang="en-US" sz="1100" dirty="0">
                   <a:solidFill>
                     <a:schemeClr val="tx1"/>
                   </a:solidFill>
                   <a:latin typeface="Raleway Medium" pitchFamily="34" charset="0"/>
                 </a:rPr>
-                <a:t>. </a:t>
-              </a:r>
-              <a:r>
-                <a:rPr lang="en-US" sz="1100" dirty="0" smtClean="0">
-                  <a:solidFill>
-                    <a:schemeClr val="tx1"/>
-                  </a:solidFill>
-                  <a:latin typeface="Raleway Medium" pitchFamily="34" charset="0"/>
-                </a:rPr>
-                <a:t>Parameters</a:t>
+                <a:t>. Parameters</a:t>
               </a:r>
               <a:endParaRPr lang="en-US" sz="1000" dirty="0">
                 <a:solidFill>
@@ -11874,7 +11885,7 @@
             <a:p>
               <a:pPr algn="ctr"/>
               <a:r>
-                <a:rPr lang="en-US" sz="1100" dirty="0" smtClean="0">
+                <a:rPr lang="en-US" sz="1100" dirty="0">
                   <a:solidFill>
                     <a:schemeClr val="tx1"/>
                   </a:solidFill>
@@ -11936,7 +11947,7 @@
             <a:p>
               <a:pPr algn="ctr"/>
               <a:r>
-                <a:rPr lang="en-US" sz="1100" dirty="0" smtClean="0">
+                <a:rPr lang="en-US" sz="1100" dirty="0">
                   <a:solidFill>
                     <a:schemeClr val="tx1"/>
                   </a:solidFill>
@@ -11998,7 +12009,7 @@
             <a:p>
               <a:pPr algn="ctr"/>
               <a:r>
-                <a:rPr lang="en-US" sz="1100" dirty="0" smtClean="0">
+                <a:rPr lang="en-US" sz="1100" dirty="0">
                   <a:solidFill>
                     <a:schemeClr val="tx1"/>
                   </a:solidFill>
@@ -12115,7 +12126,7 @@
             <a:p>
               <a:pPr algn="ctr"/>
               <a:r>
-                <a:rPr lang="en-US" sz="1200" dirty="0" smtClean="0">
+                <a:rPr lang="en-US" sz="1200" dirty="0">
                   <a:latin typeface="Raleway Medium" pitchFamily="34" charset="0"/>
                 </a:rPr>
                 <a:t>Scheduler</a:t>
@@ -12198,7 +12209,7 @@
             <a:p>
               <a:pPr algn="ctr"/>
               <a:r>
-                <a:rPr lang="en-US" sz="1200" dirty="0" err="1" smtClean="0">
+                <a:rPr lang="en-US" sz="1200" dirty="0" err="1">
                   <a:latin typeface="Raleway Medium" pitchFamily="34" charset="0"/>
                 </a:rPr>
                 <a:t>Serializer</a:t>
@@ -12268,7 +12279,7 @@
               <a:p>
                 <a:pPr algn="ctr"/>
                 <a:r>
-                  <a:rPr lang="en-US" sz="1050" dirty="0" smtClean="0">
+                  <a:rPr lang="en-US" sz="1050" dirty="0">
                     <a:solidFill>
                       <a:schemeClr val="tx1"/>
                     </a:solidFill>
@@ -12448,7 +12459,7 @@
               <a:p>
                 <a:pPr algn="ctr"/>
                 <a:r>
-                  <a:rPr lang="en-US" sz="1050" dirty="0" smtClean="0">
+                  <a:rPr lang="en-US" sz="1050" dirty="0">
                     <a:solidFill>
                       <a:schemeClr val="tx1"/>
                     </a:solidFill>
@@ -12523,7 +12534,7 @@
               <a:p>
                 <a:pPr algn="ctr"/>
                 <a:r>
-                  <a:rPr lang="en-US" sz="1050" dirty="0" smtClean="0">
+                  <a:rPr lang="en-US" sz="1050" dirty="0">
                     <a:solidFill>
                       <a:schemeClr val="tx1"/>
                     </a:solidFill>
@@ -12703,7 +12714,7 @@
               <a:p>
                 <a:pPr algn="ctr"/>
                 <a:r>
-                  <a:rPr lang="en-US" sz="1050" dirty="0" smtClean="0">
+                  <a:rPr lang="en-US" sz="1050" dirty="0">
                     <a:solidFill>
                       <a:schemeClr val="tx1"/>
                     </a:solidFill>
@@ -13067,8 +13078,8 @@
           </p:nvSpPr>
           <p:spPr>
             <a:xfrm>
-              <a:off x="9471660" y="1461775"/>
-              <a:ext cx="463588" cy="261610"/>
+              <a:off x="9465248" y="1461775"/>
+              <a:ext cx="476413" cy="261610"/>
             </a:xfrm>
             <a:prstGeom prst="rect">
               <a:avLst/>
@@ -13082,7 +13093,7 @@
             <a:p>
               <a:pPr algn="ctr"/>
               <a:r>
-                <a:rPr lang="en-US" sz="1100" dirty="0" smtClean="0">
+                <a:rPr lang="en-US" sz="1100" dirty="0">
                   <a:latin typeface="Raleway Medium" pitchFamily="34" charset="0"/>
                 </a:rPr>
                 <a:t>HPS</a:t>
@@ -13239,7 +13250,7 @@
             <a:p>
               <a:pPr algn="ctr"/>
               <a:r>
-                <a:rPr lang="en-US" sz="1050" dirty="0" smtClean="0">
+                <a:rPr lang="en-US" sz="1050" dirty="0">
                   <a:latin typeface="Raleway Medium" pitchFamily="34" charset="0"/>
                 </a:rPr>
                 <a:t>Pkt.</a:t>
@@ -13274,7 +13285,7 @@
             <a:p>
               <a:pPr algn="ctr"/>
               <a:r>
-                <a:rPr lang="en-US" sz="1050" dirty="0" smtClean="0">
+                <a:rPr lang="en-US" sz="1050" dirty="0">
                   <a:latin typeface="Raleway Medium" pitchFamily="34" charset="0"/>
                 </a:rPr>
                 <a:t>AXI</a:t>
@@ -13290,6 +13301,6226 @@
     <p:extLst>
       <p:ext uri="{BB962C8B-B14F-4D97-AF65-F5344CB8AC3E}">
         <p14:creationId xmlns:p14="http://schemas.microsoft.com/office/powerpoint/2010/main" val="2160896514"/>
+      </p:ext>
+    </p:extLst>
+  </p:cSld>
+  <p:clrMapOvr>
+    <a:masterClrMapping/>
+  </p:clrMapOvr>
+  <p:timing>
+    <p:tnLst>
+      <p:par>
+        <p:cTn id="1" dur="indefinite" restart="never" nodeType="tmRoot"/>
+      </p:par>
+    </p:tnLst>
+  </p:timing>
+</p:sld>
+</file>
+
+<file path=ppt/slides/slide3.xml><?xml version="1.0" encoding="utf-8"?>
+<p:sld xmlns:a="http://schemas.openxmlformats.org/drawingml/2006/main" xmlns:r="http://schemas.openxmlformats.org/officeDocument/2006/relationships" xmlns:p="http://schemas.openxmlformats.org/presentationml/2006/main">
+  <p:cSld>
+    <p:spTree>
+      <p:nvGrpSpPr>
+        <p:cNvPr id="1" name=""/>
+        <p:cNvGrpSpPr/>
+        <p:nvPr/>
+      </p:nvGrpSpPr>
+      <p:grpSpPr>
+        <a:xfrm>
+          <a:off x="0" y="0"/>
+          <a:ext cx="0" cy="0"/>
+          <a:chOff x="0" y="0"/>
+          <a:chExt cx="0" cy="0"/>
+        </a:xfrm>
+      </p:grpSpPr>
+      <p:grpSp>
+        <p:nvGrpSpPr>
+          <p:cNvPr id="34" name="Group 33"/>
+          <p:cNvGrpSpPr/>
+          <p:nvPr/>
+        </p:nvGrpSpPr>
+        <p:grpSpPr>
+          <a:xfrm>
+            <a:off x="1446999" y="698500"/>
+            <a:ext cx="10018662" cy="3035300"/>
+            <a:chOff x="-77001" y="698500"/>
+            <a:chExt cx="10018662" cy="3035300"/>
+          </a:xfrm>
+        </p:grpSpPr>
+        <p:sp>
+          <p:nvSpPr>
+            <p:cNvPr id="152" name="Rectangle 151"/>
+            <p:cNvSpPr/>
+            <p:nvPr/>
+          </p:nvSpPr>
+          <p:spPr>
+            <a:xfrm>
+              <a:off x="5276818" y="698500"/>
+              <a:ext cx="2571782" cy="2425701"/>
+            </a:xfrm>
+            <a:prstGeom prst="rect">
+              <a:avLst/>
+            </a:prstGeom>
+            <a:solidFill>
+              <a:srgbClr val="92D050">
+                <a:alpha val="16000"/>
+              </a:srgbClr>
+            </a:solidFill>
+            <a:ln>
+              <a:noFill/>
+            </a:ln>
+          </p:spPr>
+          <p:style>
+            <a:lnRef idx="2">
+              <a:schemeClr val="accent1">
+                <a:shade val="50000"/>
+              </a:schemeClr>
+            </a:lnRef>
+            <a:fillRef idx="1">
+              <a:schemeClr val="accent1"/>
+            </a:fillRef>
+            <a:effectRef idx="0">
+              <a:schemeClr val="accent1"/>
+            </a:effectRef>
+            <a:fontRef idx="minor">
+              <a:schemeClr val="lt1"/>
+            </a:fontRef>
+          </p:style>
+          <p:txBody>
+            <a:bodyPr rtlCol="0" anchor="ctr"/>
+            <a:lstStyle/>
+            <a:p>
+              <a:pPr algn="ctr"/>
+              <a:endParaRPr lang="en-US"/>
+            </a:p>
+          </p:txBody>
+        </p:sp>
+        <p:cxnSp>
+          <p:nvCxnSpPr>
+            <p:cNvPr id="147" name="Straight Connector 146"/>
+            <p:cNvCxnSpPr/>
+            <p:nvPr/>
+          </p:nvCxnSpPr>
+          <p:spPr>
+            <a:xfrm flipH="1" flipV="1">
+              <a:off x="6324636" y="2590476"/>
+              <a:ext cx="1" cy="243309"/>
+            </a:xfrm>
+            <a:prstGeom prst="line">
+              <a:avLst/>
+            </a:prstGeom>
+            <a:ln>
+              <a:solidFill>
+                <a:schemeClr val="tx1"/>
+              </a:solidFill>
+              <a:prstDash val="sysDash"/>
+              <a:headEnd type="none" w="med" len="med"/>
+              <a:tailEnd type="arrow" w="med" len="med"/>
+            </a:ln>
+          </p:spPr>
+          <p:style>
+            <a:lnRef idx="1">
+              <a:schemeClr val="accent1"/>
+            </a:lnRef>
+            <a:fillRef idx="0">
+              <a:schemeClr val="accent1"/>
+            </a:fillRef>
+            <a:effectRef idx="0">
+              <a:schemeClr val="accent1"/>
+            </a:effectRef>
+            <a:fontRef idx="minor">
+              <a:schemeClr val="tx1"/>
+            </a:fontRef>
+          </p:style>
+        </p:cxnSp>
+        <p:cxnSp>
+          <p:nvCxnSpPr>
+            <p:cNvPr id="148" name="Straight Connector 147"/>
+            <p:cNvCxnSpPr/>
+            <p:nvPr/>
+          </p:nvCxnSpPr>
+          <p:spPr>
+            <a:xfrm flipH="1" flipV="1">
+              <a:off x="6977589" y="2590476"/>
+              <a:ext cx="1" cy="243309"/>
+            </a:xfrm>
+            <a:prstGeom prst="line">
+              <a:avLst/>
+            </a:prstGeom>
+            <a:ln>
+              <a:solidFill>
+                <a:schemeClr val="tx1"/>
+              </a:solidFill>
+              <a:prstDash val="sysDash"/>
+              <a:headEnd type="none" w="med" len="med"/>
+              <a:tailEnd type="arrow" w="med" len="med"/>
+            </a:ln>
+          </p:spPr>
+          <p:style>
+            <a:lnRef idx="1">
+              <a:schemeClr val="accent1"/>
+            </a:lnRef>
+            <a:fillRef idx="0">
+              <a:schemeClr val="accent1"/>
+            </a:fillRef>
+            <a:effectRef idx="0">
+              <a:schemeClr val="accent1"/>
+            </a:effectRef>
+            <a:fontRef idx="minor">
+              <a:schemeClr val="tx1"/>
+            </a:fontRef>
+          </p:style>
+        </p:cxnSp>
+        <p:sp>
+          <p:nvSpPr>
+            <p:cNvPr id="120" name="Rectangle 119"/>
+            <p:cNvSpPr/>
+            <p:nvPr/>
+          </p:nvSpPr>
+          <p:spPr>
+            <a:xfrm>
+              <a:off x="3143217" y="698500"/>
+              <a:ext cx="2133600" cy="2425701"/>
+            </a:xfrm>
+            <a:prstGeom prst="rect">
+              <a:avLst/>
+            </a:prstGeom>
+            <a:solidFill>
+              <a:srgbClr val="002060">
+                <a:alpha val="16000"/>
+              </a:srgbClr>
+            </a:solidFill>
+            <a:ln>
+              <a:noFill/>
+            </a:ln>
+          </p:spPr>
+          <p:style>
+            <a:lnRef idx="2">
+              <a:schemeClr val="accent1">
+                <a:shade val="50000"/>
+              </a:schemeClr>
+            </a:lnRef>
+            <a:fillRef idx="1">
+              <a:schemeClr val="accent1"/>
+            </a:fillRef>
+            <a:effectRef idx="0">
+              <a:schemeClr val="accent1"/>
+            </a:effectRef>
+            <a:fontRef idx="minor">
+              <a:schemeClr val="lt1"/>
+            </a:fontRef>
+          </p:style>
+          <p:txBody>
+            <a:bodyPr rtlCol="0" anchor="ctr"/>
+            <a:lstStyle/>
+            <a:p>
+              <a:pPr algn="ctr"/>
+              <a:endParaRPr lang="en-US"/>
+            </a:p>
+          </p:txBody>
+        </p:sp>
+        <p:sp>
+          <p:nvSpPr>
+            <p:cNvPr id="95" name="Rectangle 94"/>
+            <p:cNvSpPr/>
+            <p:nvPr/>
+          </p:nvSpPr>
+          <p:spPr>
+            <a:xfrm>
+              <a:off x="844331" y="698501"/>
+              <a:ext cx="1284909" cy="2425700"/>
+            </a:xfrm>
+            <a:prstGeom prst="rect">
+              <a:avLst/>
+            </a:prstGeom>
+            <a:solidFill>
+              <a:srgbClr val="C00000">
+                <a:alpha val="16000"/>
+              </a:srgbClr>
+            </a:solidFill>
+            <a:ln>
+              <a:noFill/>
+            </a:ln>
+          </p:spPr>
+          <p:style>
+            <a:lnRef idx="2">
+              <a:schemeClr val="accent1">
+                <a:shade val="50000"/>
+              </a:schemeClr>
+            </a:lnRef>
+            <a:fillRef idx="1">
+              <a:schemeClr val="accent1"/>
+            </a:fillRef>
+            <a:effectRef idx="0">
+              <a:schemeClr val="accent1"/>
+            </a:effectRef>
+            <a:fontRef idx="minor">
+              <a:schemeClr val="lt1"/>
+            </a:fontRef>
+          </p:style>
+          <p:txBody>
+            <a:bodyPr rtlCol="0" anchor="ctr"/>
+            <a:lstStyle/>
+            <a:p>
+              <a:pPr algn="ctr"/>
+              <a:endParaRPr lang="en-US"/>
+            </a:p>
+          </p:txBody>
+        </p:sp>
+        <p:sp>
+          <p:nvSpPr>
+            <p:cNvPr id="103" name="Rectangle 102"/>
+            <p:cNvSpPr/>
+            <p:nvPr/>
+          </p:nvSpPr>
+          <p:spPr>
+            <a:xfrm>
+              <a:off x="2129240" y="698500"/>
+              <a:ext cx="1013977" cy="2425701"/>
+            </a:xfrm>
+            <a:prstGeom prst="rect">
+              <a:avLst/>
+            </a:prstGeom>
+            <a:solidFill>
+              <a:srgbClr val="FFC000">
+                <a:alpha val="16000"/>
+              </a:srgbClr>
+            </a:solidFill>
+            <a:ln>
+              <a:noFill/>
+            </a:ln>
+          </p:spPr>
+          <p:style>
+            <a:lnRef idx="2">
+              <a:schemeClr val="accent1">
+                <a:shade val="50000"/>
+              </a:schemeClr>
+            </a:lnRef>
+            <a:fillRef idx="1">
+              <a:schemeClr val="accent1"/>
+            </a:fillRef>
+            <a:effectRef idx="0">
+              <a:schemeClr val="accent1"/>
+            </a:effectRef>
+            <a:fontRef idx="minor">
+              <a:schemeClr val="lt1"/>
+            </a:fontRef>
+          </p:style>
+          <p:txBody>
+            <a:bodyPr rtlCol="0" anchor="ctr"/>
+            <a:lstStyle/>
+            <a:p>
+              <a:pPr algn="ctr"/>
+              <a:endParaRPr lang="en-US"/>
+            </a:p>
+          </p:txBody>
+        </p:sp>
+        <p:cxnSp>
+          <p:nvCxnSpPr>
+            <p:cNvPr id="8" name="Straight Connector 7"/>
+            <p:cNvCxnSpPr/>
+            <p:nvPr/>
+          </p:nvCxnSpPr>
+          <p:spPr>
+            <a:xfrm>
+              <a:off x="476217" y="698500"/>
+              <a:ext cx="0" cy="3035300"/>
+            </a:xfrm>
+            <a:prstGeom prst="line">
+              <a:avLst/>
+            </a:prstGeom>
+            <a:ln w="57150">
+              <a:solidFill>
+                <a:schemeClr val="accent2"/>
+              </a:solidFill>
+            </a:ln>
+          </p:spPr>
+          <p:style>
+            <a:lnRef idx="1">
+              <a:schemeClr val="accent1"/>
+            </a:lnRef>
+            <a:fillRef idx="0">
+              <a:schemeClr val="accent1"/>
+            </a:fillRef>
+            <a:effectRef idx="0">
+              <a:schemeClr val="accent1"/>
+            </a:effectRef>
+            <a:fontRef idx="minor">
+              <a:schemeClr val="tx1"/>
+            </a:fontRef>
+          </p:style>
+        </p:cxnSp>
+        <p:sp>
+          <p:nvSpPr>
+            <p:cNvPr id="4" name="Oval 3"/>
+            <p:cNvSpPr/>
+            <p:nvPr/>
+          </p:nvSpPr>
+          <p:spPr>
+            <a:xfrm>
+              <a:off x="438117" y="1335143"/>
+              <a:ext cx="76200" cy="76200"/>
+            </a:xfrm>
+            <a:prstGeom prst="ellipse">
+              <a:avLst/>
+            </a:prstGeom>
+            <a:solidFill>
+              <a:schemeClr val="tx1"/>
+            </a:solidFill>
+            <a:ln>
+              <a:solidFill>
+                <a:schemeClr val="tx1"/>
+              </a:solidFill>
+            </a:ln>
+          </p:spPr>
+          <p:style>
+            <a:lnRef idx="2">
+              <a:schemeClr val="accent1">
+                <a:shade val="50000"/>
+              </a:schemeClr>
+            </a:lnRef>
+            <a:fillRef idx="1">
+              <a:schemeClr val="accent1"/>
+            </a:fillRef>
+            <a:effectRef idx="0">
+              <a:schemeClr val="accent1"/>
+            </a:effectRef>
+            <a:fontRef idx="minor">
+              <a:schemeClr val="lt1"/>
+            </a:fontRef>
+          </p:style>
+          <p:txBody>
+            <a:bodyPr rtlCol="0" anchor="ctr"/>
+            <a:lstStyle/>
+            <a:p>
+              <a:pPr algn="ctr"/>
+              <a:endParaRPr lang="en-US"/>
+            </a:p>
+          </p:txBody>
+        </p:sp>
+        <p:sp>
+          <p:nvSpPr>
+            <p:cNvPr id="5" name="Cross 4"/>
+            <p:cNvSpPr/>
+            <p:nvPr/>
+          </p:nvSpPr>
+          <p:spPr>
+            <a:xfrm rot="2700000">
+              <a:off x="799881" y="1335143"/>
+              <a:ext cx="76200" cy="76200"/>
+            </a:xfrm>
+            <a:prstGeom prst="plus">
+              <a:avLst>
+                <a:gd name="adj" fmla="val 49999"/>
+              </a:avLst>
+            </a:prstGeom>
+            <a:solidFill>
+              <a:schemeClr val="tx1"/>
+            </a:solidFill>
+            <a:ln>
+              <a:solidFill>
+                <a:schemeClr val="tx1"/>
+              </a:solidFill>
+            </a:ln>
+          </p:spPr>
+          <p:style>
+            <a:lnRef idx="2">
+              <a:schemeClr val="accent1">
+                <a:shade val="50000"/>
+              </a:schemeClr>
+            </a:lnRef>
+            <a:fillRef idx="1">
+              <a:schemeClr val="accent1"/>
+            </a:fillRef>
+            <a:effectRef idx="0">
+              <a:schemeClr val="accent1"/>
+            </a:effectRef>
+            <a:fontRef idx="minor">
+              <a:schemeClr val="lt1"/>
+            </a:fontRef>
+          </p:style>
+          <p:txBody>
+            <a:bodyPr rtlCol="0" anchor="ctr"/>
+            <a:lstStyle/>
+            <a:p>
+              <a:pPr algn="ctr"/>
+              <a:endParaRPr lang="en-US"/>
+            </a:p>
+          </p:txBody>
+        </p:sp>
+        <p:sp>
+          <p:nvSpPr>
+            <p:cNvPr id="9" name="Oval 8"/>
+            <p:cNvSpPr/>
+            <p:nvPr/>
+          </p:nvSpPr>
+          <p:spPr>
+            <a:xfrm>
+              <a:off x="438117" y="2413091"/>
+              <a:ext cx="76200" cy="76200"/>
+            </a:xfrm>
+            <a:prstGeom prst="ellipse">
+              <a:avLst/>
+            </a:prstGeom>
+            <a:solidFill>
+              <a:schemeClr val="tx1"/>
+            </a:solidFill>
+            <a:ln>
+              <a:solidFill>
+                <a:schemeClr val="tx1"/>
+              </a:solidFill>
+            </a:ln>
+          </p:spPr>
+          <p:style>
+            <a:lnRef idx="2">
+              <a:schemeClr val="accent1">
+                <a:shade val="50000"/>
+              </a:schemeClr>
+            </a:lnRef>
+            <a:fillRef idx="1">
+              <a:schemeClr val="accent1"/>
+            </a:fillRef>
+            <a:effectRef idx="0">
+              <a:schemeClr val="accent1"/>
+            </a:effectRef>
+            <a:fontRef idx="minor">
+              <a:schemeClr val="lt1"/>
+            </a:fontRef>
+          </p:style>
+          <p:txBody>
+            <a:bodyPr rtlCol="0" anchor="ctr"/>
+            <a:lstStyle/>
+            <a:p>
+              <a:pPr algn="ctr"/>
+              <a:endParaRPr lang="en-US"/>
+            </a:p>
+          </p:txBody>
+        </p:sp>
+        <p:cxnSp>
+          <p:nvCxnSpPr>
+            <p:cNvPr id="6" name="Straight Arrow Connector 5"/>
+            <p:cNvCxnSpPr/>
+            <p:nvPr/>
+          </p:nvCxnSpPr>
+          <p:spPr>
+            <a:xfrm flipH="1" flipV="1">
+              <a:off x="438117" y="1373241"/>
+              <a:ext cx="342900" cy="1"/>
+            </a:xfrm>
+            <a:prstGeom prst="straightConnector1">
+              <a:avLst/>
+            </a:prstGeom>
+            <a:ln>
+              <a:solidFill>
+                <a:schemeClr val="tx1"/>
+              </a:solidFill>
+              <a:headEnd type="triangle" w="med" len="med"/>
+              <a:tailEnd type="none" w="med" len="med"/>
+            </a:ln>
+          </p:spPr>
+          <p:style>
+            <a:lnRef idx="1">
+              <a:schemeClr val="accent1"/>
+            </a:lnRef>
+            <a:fillRef idx="0">
+              <a:schemeClr val="accent1"/>
+            </a:fillRef>
+            <a:effectRef idx="0">
+              <a:schemeClr val="accent1"/>
+            </a:effectRef>
+            <a:fontRef idx="minor">
+              <a:schemeClr val="tx1"/>
+            </a:fontRef>
+          </p:style>
+        </p:cxnSp>
+        <p:cxnSp>
+          <p:nvCxnSpPr>
+            <p:cNvPr id="10" name="Straight Arrow Connector 9"/>
+            <p:cNvCxnSpPr/>
+            <p:nvPr/>
+          </p:nvCxnSpPr>
+          <p:spPr>
+            <a:xfrm flipH="1" flipV="1">
+              <a:off x="438117" y="2451190"/>
+              <a:ext cx="342900" cy="1"/>
+            </a:xfrm>
+            <a:prstGeom prst="straightConnector1">
+              <a:avLst/>
+            </a:prstGeom>
+            <a:ln>
+              <a:solidFill>
+                <a:schemeClr val="tx1"/>
+              </a:solidFill>
+              <a:headEnd type="triangle" w="med" len="med"/>
+              <a:tailEnd type="none" w="med" len="med"/>
+            </a:ln>
+          </p:spPr>
+          <p:style>
+            <a:lnRef idx="1">
+              <a:schemeClr val="accent1"/>
+            </a:lnRef>
+            <a:fillRef idx="0">
+              <a:schemeClr val="accent1"/>
+            </a:fillRef>
+            <a:effectRef idx="0">
+              <a:schemeClr val="accent1"/>
+            </a:effectRef>
+            <a:fontRef idx="minor">
+              <a:schemeClr val="tx1"/>
+            </a:fontRef>
+          </p:style>
+        </p:cxnSp>
+        <p:sp>
+          <p:nvSpPr>
+            <p:cNvPr id="12" name="Rectangle 11"/>
+            <p:cNvSpPr/>
+            <p:nvPr/>
+          </p:nvSpPr>
+          <p:spPr>
+            <a:xfrm>
+              <a:off x="-77001" y="1242438"/>
+              <a:ext cx="577402" cy="261610"/>
+            </a:xfrm>
+            <a:prstGeom prst="rect">
+              <a:avLst/>
+            </a:prstGeom>
+          </p:spPr>
+          <p:txBody>
+            <a:bodyPr wrap="none">
+              <a:spAutoFit/>
+            </a:bodyPr>
+            <a:lstStyle/>
+            <a:p>
+              <a:pPr algn="ctr"/>
+              <a:r>
+                <a:rPr lang="en-US" sz="1100" dirty="0">
+                  <a:latin typeface="Raleway Medium" pitchFamily="34" charset="0"/>
+                </a:rPr>
+                <a:t>HPM1</a:t>
+              </a:r>
+              <a:endParaRPr lang="en-US" sz="1100" dirty="0">
+                <a:latin typeface="Raleway Medium" pitchFamily="34" charset="0"/>
+              </a:endParaRPr>
+            </a:p>
+          </p:txBody>
+        </p:sp>
+        <p:sp>
+          <p:nvSpPr>
+            <p:cNvPr id="13" name="Rectangle 12"/>
+            <p:cNvSpPr/>
+            <p:nvPr/>
+          </p:nvSpPr>
+          <p:spPr>
+            <a:xfrm>
+              <a:off x="-76200" y="2320387"/>
+              <a:ext cx="575799" cy="261610"/>
+            </a:xfrm>
+            <a:prstGeom prst="rect">
+              <a:avLst/>
+            </a:prstGeom>
+          </p:spPr>
+          <p:txBody>
+            <a:bodyPr wrap="none">
+              <a:spAutoFit/>
+            </a:bodyPr>
+            <a:lstStyle/>
+            <a:p>
+              <a:pPr algn="ctr"/>
+              <a:r>
+                <a:rPr lang="en-US" sz="1100" dirty="0">
+                  <a:latin typeface="Raleway Medium" pitchFamily="34" charset="0"/>
+                </a:rPr>
+                <a:t>HPM2</a:t>
+              </a:r>
+              <a:endParaRPr lang="en-US" sz="1100" dirty="0">
+                <a:latin typeface="Raleway Medium" pitchFamily="34" charset="0"/>
+              </a:endParaRPr>
+            </a:p>
+          </p:txBody>
+        </p:sp>
+        <p:sp>
+          <p:nvSpPr>
+            <p:cNvPr id="15" name="Cross 14"/>
+            <p:cNvSpPr/>
+            <p:nvPr/>
+          </p:nvSpPr>
+          <p:spPr>
+            <a:xfrm rot="2700000">
+              <a:off x="799881" y="2413089"/>
+              <a:ext cx="76200" cy="76200"/>
+            </a:xfrm>
+            <a:prstGeom prst="plus">
+              <a:avLst>
+                <a:gd name="adj" fmla="val 49999"/>
+              </a:avLst>
+            </a:prstGeom>
+            <a:solidFill>
+              <a:schemeClr val="tx1"/>
+            </a:solidFill>
+            <a:ln>
+              <a:solidFill>
+                <a:schemeClr val="tx1"/>
+              </a:solidFill>
+            </a:ln>
+          </p:spPr>
+          <p:style>
+            <a:lnRef idx="2">
+              <a:schemeClr val="accent1">
+                <a:shade val="50000"/>
+              </a:schemeClr>
+            </a:lnRef>
+            <a:fillRef idx="1">
+              <a:schemeClr val="accent1"/>
+            </a:fillRef>
+            <a:effectRef idx="0">
+              <a:schemeClr val="accent1"/>
+            </a:effectRef>
+            <a:fontRef idx="minor">
+              <a:schemeClr val="lt1"/>
+            </a:fontRef>
+          </p:style>
+          <p:txBody>
+            <a:bodyPr rtlCol="0" anchor="ctr"/>
+            <a:lstStyle/>
+            <a:p>
+              <a:pPr algn="ctr"/>
+              <a:endParaRPr lang="en-US"/>
+            </a:p>
+          </p:txBody>
+        </p:sp>
+        <p:cxnSp>
+          <p:nvCxnSpPr>
+            <p:cNvPr id="17" name="Straight Connector 16"/>
+            <p:cNvCxnSpPr/>
+            <p:nvPr/>
+          </p:nvCxnSpPr>
+          <p:spPr>
+            <a:xfrm>
+              <a:off x="844331" y="1022350"/>
+              <a:ext cx="0" cy="699555"/>
+            </a:xfrm>
+            <a:prstGeom prst="line">
+              <a:avLst/>
+            </a:prstGeom>
+            <a:ln>
+              <a:solidFill>
+                <a:schemeClr val="tx1"/>
+              </a:solidFill>
+            </a:ln>
+          </p:spPr>
+          <p:style>
+            <a:lnRef idx="1">
+              <a:schemeClr val="accent1"/>
+            </a:lnRef>
+            <a:fillRef idx="0">
+              <a:schemeClr val="accent1"/>
+            </a:fillRef>
+            <a:effectRef idx="0">
+              <a:schemeClr val="accent1"/>
+            </a:effectRef>
+            <a:fontRef idx="minor">
+              <a:schemeClr val="tx1"/>
+            </a:fontRef>
+          </p:style>
+        </p:cxnSp>
+        <p:grpSp>
+          <p:nvGrpSpPr>
+            <p:cNvPr id="22" name="Group 21"/>
+            <p:cNvGrpSpPr/>
+            <p:nvPr/>
+          </p:nvGrpSpPr>
+          <p:grpSpPr>
+            <a:xfrm>
+              <a:off x="947692" y="1053334"/>
+              <a:ext cx="569925" cy="628214"/>
+              <a:chOff x="1335075" y="1034751"/>
+              <a:chExt cx="758850" cy="760138"/>
+            </a:xfrm>
+          </p:grpSpPr>
+          <p:sp>
+            <p:nvSpPr>
+              <p:cNvPr id="14" name="Rectangle 13"/>
+              <p:cNvSpPr/>
+              <p:nvPr/>
+            </p:nvSpPr>
+            <p:spPr>
+              <a:xfrm>
+                <a:off x="1335075" y="1034751"/>
+                <a:ext cx="188925" cy="188925"/>
+              </a:xfrm>
+              <a:prstGeom prst="rect">
+                <a:avLst/>
+              </a:prstGeom>
+              <a:solidFill>
+                <a:schemeClr val="bg1"/>
+              </a:solidFill>
+              <a:ln w="12700">
+                <a:solidFill>
+                  <a:schemeClr val="tx1"/>
+                </a:solidFill>
+              </a:ln>
+            </p:spPr>
+            <p:style>
+              <a:lnRef idx="2">
+                <a:schemeClr val="accent1">
+                  <a:shade val="50000"/>
+                </a:schemeClr>
+              </a:lnRef>
+              <a:fillRef idx="1">
+                <a:schemeClr val="accent1"/>
+              </a:fillRef>
+              <a:effectRef idx="0">
+                <a:schemeClr val="accent1"/>
+              </a:effectRef>
+              <a:fontRef idx="minor">
+                <a:schemeClr val="lt1"/>
+              </a:fontRef>
+            </p:style>
+            <p:txBody>
+              <a:bodyPr rtlCol="0" anchor="ctr"/>
+              <a:lstStyle/>
+              <a:p>
+                <a:pPr algn="ctr"/>
+                <a:r>
+                  <a:rPr lang="en-US" sz="1050" dirty="0">
+                    <a:solidFill>
+                      <a:schemeClr val="tx1"/>
+                    </a:solidFill>
+                  </a:rPr>
+                  <a:t>0</a:t>
+                </a:r>
+                <a:endParaRPr lang="en-US" dirty="0">
+                  <a:solidFill>
+                    <a:schemeClr val="tx1"/>
+                  </a:solidFill>
+                </a:endParaRPr>
+              </a:p>
+            </p:txBody>
+          </p:sp>
+          <p:sp>
+            <p:nvSpPr>
+              <p:cNvPr id="18" name="Rectangle 17"/>
+              <p:cNvSpPr/>
+              <p:nvPr/>
+            </p:nvSpPr>
+            <p:spPr>
+              <a:xfrm>
+                <a:off x="1524000" y="1224898"/>
+                <a:ext cx="188925" cy="188925"/>
+              </a:xfrm>
+              <a:prstGeom prst="rect">
+                <a:avLst/>
+              </a:prstGeom>
+              <a:solidFill>
+                <a:schemeClr val="bg1"/>
+              </a:solidFill>
+              <a:ln w="12700">
+                <a:solidFill>
+                  <a:schemeClr val="tx1"/>
+                </a:solidFill>
+              </a:ln>
+            </p:spPr>
+            <p:style>
+              <a:lnRef idx="2">
+                <a:schemeClr val="accent1">
+                  <a:shade val="50000"/>
+                </a:schemeClr>
+              </a:lnRef>
+              <a:fillRef idx="1">
+                <a:schemeClr val="accent1"/>
+              </a:fillRef>
+              <a:effectRef idx="0">
+                <a:schemeClr val="accent1"/>
+              </a:effectRef>
+              <a:fontRef idx="minor">
+                <a:schemeClr val="lt1"/>
+              </a:fontRef>
+            </p:style>
+            <p:txBody>
+              <a:bodyPr rtlCol="0" anchor="ctr"/>
+              <a:lstStyle/>
+              <a:p>
+                <a:pPr algn="ctr"/>
+                <a:r>
+                  <a:rPr lang="en-US" sz="1050" dirty="0">
+                    <a:solidFill>
+                      <a:schemeClr val="tx1"/>
+                    </a:solidFill>
+                  </a:rPr>
+                  <a:t>1</a:t>
+                </a:r>
+                <a:endParaRPr lang="en-US" dirty="0">
+                  <a:solidFill>
+                    <a:schemeClr val="tx1"/>
+                  </a:solidFill>
+                </a:endParaRPr>
+              </a:p>
+            </p:txBody>
+          </p:sp>
+          <p:sp>
+            <p:nvSpPr>
+              <p:cNvPr id="19" name="Rectangle 18"/>
+              <p:cNvSpPr/>
+              <p:nvPr/>
+            </p:nvSpPr>
+            <p:spPr>
+              <a:xfrm>
+                <a:off x="1716075" y="1415817"/>
+                <a:ext cx="188925" cy="188925"/>
+              </a:xfrm>
+              <a:prstGeom prst="rect">
+                <a:avLst/>
+              </a:prstGeom>
+              <a:solidFill>
+                <a:schemeClr val="bg1"/>
+              </a:solidFill>
+              <a:ln w="12700">
+                <a:solidFill>
+                  <a:schemeClr val="tx1"/>
+                </a:solidFill>
+              </a:ln>
+            </p:spPr>
+            <p:style>
+              <a:lnRef idx="2">
+                <a:schemeClr val="accent1">
+                  <a:shade val="50000"/>
+                </a:schemeClr>
+              </a:lnRef>
+              <a:fillRef idx="1">
+                <a:schemeClr val="accent1"/>
+              </a:fillRef>
+              <a:effectRef idx="0">
+                <a:schemeClr val="accent1"/>
+              </a:effectRef>
+              <a:fontRef idx="minor">
+                <a:schemeClr val="lt1"/>
+              </a:fontRef>
+            </p:style>
+            <p:txBody>
+              <a:bodyPr rtlCol="0" anchor="ctr"/>
+              <a:lstStyle/>
+              <a:p>
+                <a:pPr algn="ctr"/>
+                <a:r>
+                  <a:rPr lang="en-US" sz="1050" dirty="0">
+                    <a:solidFill>
+                      <a:schemeClr val="tx1"/>
+                    </a:solidFill>
+                  </a:rPr>
+                  <a:t>2</a:t>
+                </a:r>
+                <a:endParaRPr lang="en-US" dirty="0">
+                  <a:solidFill>
+                    <a:schemeClr val="tx1"/>
+                  </a:solidFill>
+                </a:endParaRPr>
+              </a:p>
+            </p:txBody>
+          </p:sp>
+          <p:sp>
+            <p:nvSpPr>
+              <p:cNvPr id="20" name="Rectangle 19"/>
+              <p:cNvSpPr/>
+              <p:nvPr/>
+            </p:nvSpPr>
+            <p:spPr>
+              <a:xfrm>
+                <a:off x="1905000" y="1605964"/>
+                <a:ext cx="188925" cy="188925"/>
+              </a:xfrm>
+              <a:prstGeom prst="rect">
+                <a:avLst/>
+              </a:prstGeom>
+              <a:solidFill>
+                <a:schemeClr val="bg1"/>
+              </a:solidFill>
+              <a:ln w="12700">
+                <a:solidFill>
+                  <a:schemeClr val="tx1"/>
+                </a:solidFill>
+              </a:ln>
+            </p:spPr>
+            <p:style>
+              <a:lnRef idx="2">
+                <a:schemeClr val="accent1">
+                  <a:shade val="50000"/>
+                </a:schemeClr>
+              </a:lnRef>
+              <a:fillRef idx="1">
+                <a:schemeClr val="accent1"/>
+              </a:fillRef>
+              <a:effectRef idx="0">
+                <a:schemeClr val="accent1"/>
+              </a:effectRef>
+              <a:fontRef idx="minor">
+                <a:schemeClr val="lt1"/>
+              </a:fontRef>
+            </p:style>
+            <p:txBody>
+              <a:bodyPr rtlCol="0" anchor="ctr"/>
+              <a:lstStyle/>
+              <a:p>
+                <a:pPr algn="ctr"/>
+                <a:r>
+                  <a:rPr lang="en-US" sz="1050" dirty="0">
+                    <a:solidFill>
+                      <a:schemeClr val="tx1"/>
+                    </a:solidFill>
+                  </a:rPr>
+                  <a:t>3</a:t>
+                </a:r>
+                <a:endParaRPr lang="en-US" dirty="0">
+                  <a:solidFill>
+                    <a:schemeClr val="tx1"/>
+                  </a:solidFill>
+                </a:endParaRPr>
+              </a:p>
+            </p:txBody>
+          </p:sp>
+        </p:grpSp>
+        <p:grpSp>
+          <p:nvGrpSpPr>
+            <p:cNvPr id="24" name="Group 23"/>
+            <p:cNvGrpSpPr/>
+            <p:nvPr/>
+          </p:nvGrpSpPr>
+          <p:grpSpPr>
+            <a:xfrm>
+              <a:off x="1695418" y="1053334"/>
+              <a:ext cx="141890" cy="628214"/>
+              <a:chOff x="1335075" y="1034751"/>
+              <a:chExt cx="188925" cy="760138"/>
+            </a:xfrm>
+          </p:grpSpPr>
+          <p:sp>
+            <p:nvSpPr>
+              <p:cNvPr id="25" name="Rectangle 24"/>
+              <p:cNvSpPr/>
+              <p:nvPr/>
+            </p:nvSpPr>
+            <p:spPr>
+              <a:xfrm>
+                <a:off x="1335075" y="1034751"/>
+                <a:ext cx="188925" cy="188925"/>
+              </a:xfrm>
+              <a:prstGeom prst="rect">
+                <a:avLst/>
+              </a:prstGeom>
+              <a:solidFill>
+                <a:schemeClr val="bg1"/>
+              </a:solidFill>
+              <a:ln w="12700">
+                <a:solidFill>
+                  <a:schemeClr val="tx1"/>
+                </a:solidFill>
+              </a:ln>
+            </p:spPr>
+            <p:style>
+              <a:lnRef idx="2">
+                <a:schemeClr val="accent1">
+                  <a:shade val="50000"/>
+                </a:schemeClr>
+              </a:lnRef>
+              <a:fillRef idx="1">
+                <a:schemeClr val="accent1"/>
+              </a:fillRef>
+              <a:effectRef idx="0">
+                <a:schemeClr val="accent1"/>
+              </a:effectRef>
+              <a:fontRef idx="minor">
+                <a:schemeClr val="lt1"/>
+              </a:fontRef>
+            </p:style>
+            <p:txBody>
+              <a:bodyPr rtlCol="0" anchor="ctr"/>
+              <a:lstStyle/>
+              <a:p>
+                <a:pPr algn="ctr"/>
+                <a:r>
+                  <a:rPr lang="en-US" sz="1050" dirty="0">
+                    <a:solidFill>
+                      <a:schemeClr val="tx1"/>
+                    </a:solidFill>
+                  </a:rPr>
+                  <a:t>0</a:t>
+                </a:r>
+                <a:endParaRPr lang="en-US" dirty="0">
+                  <a:solidFill>
+                    <a:schemeClr val="tx1"/>
+                  </a:solidFill>
+                </a:endParaRPr>
+              </a:p>
+            </p:txBody>
+          </p:sp>
+          <p:sp>
+            <p:nvSpPr>
+              <p:cNvPr id="26" name="Rectangle 25"/>
+              <p:cNvSpPr/>
+              <p:nvPr/>
+            </p:nvSpPr>
+            <p:spPr>
+              <a:xfrm>
+                <a:off x="1335075" y="1224897"/>
+                <a:ext cx="188925" cy="188926"/>
+              </a:xfrm>
+              <a:prstGeom prst="rect">
+                <a:avLst/>
+              </a:prstGeom>
+              <a:solidFill>
+                <a:schemeClr val="bg1"/>
+              </a:solidFill>
+              <a:ln w="12700">
+                <a:solidFill>
+                  <a:schemeClr val="tx1"/>
+                </a:solidFill>
+              </a:ln>
+            </p:spPr>
+            <p:style>
+              <a:lnRef idx="2">
+                <a:schemeClr val="accent1">
+                  <a:shade val="50000"/>
+                </a:schemeClr>
+              </a:lnRef>
+              <a:fillRef idx="1">
+                <a:schemeClr val="accent1"/>
+              </a:fillRef>
+              <a:effectRef idx="0">
+                <a:schemeClr val="accent1"/>
+              </a:effectRef>
+              <a:fontRef idx="minor">
+                <a:schemeClr val="lt1"/>
+              </a:fontRef>
+            </p:style>
+            <p:txBody>
+              <a:bodyPr rtlCol="0" anchor="ctr"/>
+              <a:lstStyle/>
+              <a:p>
+                <a:pPr algn="ctr"/>
+                <a:r>
+                  <a:rPr lang="en-US" sz="1050" dirty="0">
+                    <a:solidFill>
+                      <a:schemeClr val="tx1"/>
+                    </a:solidFill>
+                  </a:rPr>
+                  <a:t>1</a:t>
+                </a:r>
+                <a:endParaRPr lang="en-US" dirty="0">
+                  <a:solidFill>
+                    <a:schemeClr val="tx1"/>
+                  </a:solidFill>
+                </a:endParaRPr>
+              </a:p>
+            </p:txBody>
+          </p:sp>
+          <p:sp>
+            <p:nvSpPr>
+              <p:cNvPr id="27" name="Rectangle 26"/>
+              <p:cNvSpPr/>
+              <p:nvPr/>
+            </p:nvSpPr>
+            <p:spPr>
+              <a:xfrm>
+                <a:off x="1335075" y="1415817"/>
+                <a:ext cx="188925" cy="188926"/>
+              </a:xfrm>
+              <a:prstGeom prst="rect">
+                <a:avLst/>
+              </a:prstGeom>
+              <a:solidFill>
+                <a:schemeClr val="bg1"/>
+              </a:solidFill>
+              <a:ln w="12700">
+                <a:solidFill>
+                  <a:schemeClr val="tx1"/>
+                </a:solidFill>
+              </a:ln>
+            </p:spPr>
+            <p:style>
+              <a:lnRef idx="2">
+                <a:schemeClr val="accent1">
+                  <a:shade val="50000"/>
+                </a:schemeClr>
+              </a:lnRef>
+              <a:fillRef idx="1">
+                <a:schemeClr val="accent1"/>
+              </a:fillRef>
+              <a:effectRef idx="0">
+                <a:schemeClr val="accent1"/>
+              </a:effectRef>
+              <a:fontRef idx="minor">
+                <a:schemeClr val="lt1"/>
+              </a:fontRef>
+            </p:style>
+            <p:txBody>
+              <a:bodyPr rtlCol="0" anchor="ctr"/>
+              <a:lstStyle/>
+              <a:p>
+                <a:pPr algn="ctr"/>
+                <a:r>
+                  <a:rPr lang="en-US" sz="1050" dirty="0">
+                    <a:solidFill>
+                      <a:schemeClr val="tx1"/>
+                    </a:solidFill>
+                  </a:rPr>
+                  <a:t>2</a:t>
+                </a:r>
+                <a:endParaRPr lang="en-US" dirty="0">
+                  <a:solidFill>
+                    <a:schemeClr val="tx1"/>
+                  </a:solidFill>
+                </a:endParaRPr>
+              </a:p>
+            </p:txBody>
+          </p:sp>
+          <p:sp>
+            <p:nvSpPr>
+              <p:cNvPr id="28" name="Rectangle 27"/>
+              <p:cNvSpPr/>
+              <p:nvPr/>
+            </p:nvSpPr>
+            <p:spPr>
+              <a:xfrm>
+                <a:off x="1335075" y="1605963"/>
+                <a:ext cx="188925" cy="188926"/>
+              </a:xfrm>
+              <a:prstGeom prst="rect">
+                <a:avLst/>
+              </a:prstGeom>
+              <a:solidFill>
+                <a:schemeClr val="bg1"/>
+              </a:solidFill>
+              <a:ln w="12700">
+                <a:solidFill>
+                  <a:schemeClr val="tx1"/>
+                </a:solidFill>
+              </a:ln>
+            </p:spPr>
+            <p:style>
+              <a:lnRef idx="2">
+                <a:schemeClr val="accent1">
+                  <a:shade val="50000"/>
+                </a:schemeClr>
+              </a:lnRef>
+              <a:fillRef idx="1">
+                <a:schemeClr val="accent1"/>
+              </a:fillRef>
+              <a:effectRef idx="0">
+                <a:schemeClr val="accent1"/>
+              </a:effectRef>
+              <a:fontRef idx="minor">
+                <a:schemeClr val="lt1"/>
+              </a:fontRef>
+            </p:style>
+            <p:txBody>
+              <a:bodyPr rtlCol="0" anchor="ctr"/>
+              <a:lstStyle/>
+              <a:p>
+                <a:pPr algn="ctr"/>
+                <a:r>
+                  <a:rPr lang="en-US" sz="1050" dirty="0">
+                    <a:solidFill>
+                      <a:schemeClr val="tx1"/>
+                    </a:solidFill>
+                  </a:rPr>
+                  <a:t>3</a:t>
+                </a:r>
+                <a:endParaRPr lang="en-US" dirty="0">
+                  <a:solidFill>
+                    <a:schemeClr val="tx1"/>
+                  </a:solidFill>
+                </a:endParaRPr>
+              </a:p>
+            </p:txBody>
+          </p:sp>
+        </p:grpSp>
+        <p:grpSp>
+          <p:nvGrpSpPr>
+            <p:cNvPr id="23" name="Group 22"/>
+            <p:cNvGrpSpPr/>
+            <p:nvPr/>
+          </p:nvGrpSpPr>
+          <p:grpSpPr>
+            <a:xfrm>
+              <a:off x="844331" y="2105593"/>
+              <a:ext cx="992977" cy="699555"/>
+              <a:chOff x="1282514" y="1789645"/>
+              <a:chExt cx="992977" cy="699555"/>
+            </a:xfrm>
+          </p:grpSpPr>
+          <p:cxnSp>
+            <p:nvCxnSpPr>
+              <p:cNvPr id="40" name="Straight Connector 39"/>
+              <p:cNvCxnSpPr/>
+              <p:nvPr/>
+            </p:nvCxnSpPr>
+            <p:spPr>
+              <a:xfrm>
+                <a:off x="1282514" y="1789645"/>
+                <a:ext cx="0" cy="699555"/>
+              </a:xfrm>
+              <a:prstGeom prst="line">
+                <a:avLst/>
+              </a:prstGeom>
+              <a:ln>
+                <a:solidFill>
+                  <a:schemeClr val="tx1"/>
+                </a:solidFill>
+              </a:ln>
+            </p:spPr>
+            <p:style>
+              <a:lnRef idx="1">
+                <a:schemeClr val="accent1"/>
+              </a:lnRef>
+              <a:fillRef idx="0">
+                <a:schemeClr val="accent1"/>
+              </a:fillRef>
+              <a:effectRef idx="0">
+                <a:schemeClr val="accent1"/>
+              </a:effectRef>
+              <a:fontRef idx="minor">
+                <a:schemeClr val="tx1"/>
+              </a:fontRef>
+            </p:style>
+          </p:cxnSp>
+          <p:grpSp>
+            <p:nvGrpSpPr>
+              <p:cNvPr id="41" name="Group 40"/>
+              <p:cNvGrpSpPr/>
+              <p:nvPr/>
+            </p:nvGrpSpPr>
+            <p:grpSpPr>
+              <a:xfrm>
+                <a:off x="1385875" y="1820629"/>
+                <a:ext cx="569925" cy="628214"/>
+                <a:chOff x="1335075" y="1034751"/>
+                <a:chExt cx="758850" cy="760138"/>
+              </a:xfrm>
+            </p:grpSpPr>
+            <p:sp>
+              <p:nvSpPr>
+                <p:cNvPr id="42" name="Rectangle 41"/>
+                <p:cNvSpPr/>
+                <p:nvPr/>
+              </p:nvSpPr>
+              <p:spPr>
+                <a:xfrm>
+                  <a:off x="1335075" y="1034751"/>
+                  <a:ext cx="188925" cy="188925"/>
+                </a:xfrm>
+                <a:prstGeom prst="rect">
+                  <a:avLst/>
+                </a:prstGeom>
+                <a:solidFill>
+                  <a:schemeClr val="bg1"/>
+                </a:solidFill>
+                <a:ln w="12700">
+                  <a:solidFill>
+                    <a:schemeClr val="tx1"/>
+                  </a:solidFill>
+                </a:ln>
+              </p:spPr>
+              <p:style>
+                <a:lnRef idx="2">
+                  <a:schemeClr val="accent1">
+                    <a:shade val="50000"/>
+                  </a:schemeClr>
+                </a:lnRef>
+                <a:fillRef idx="1">
+                  <a:schemeClr val="accent1"/>
+                </a:fillRef>
+                <a:effectRef idx="0">
+                  <a:schemeClr val="accent1"/>
+                </a:effectRef>
+                <a:fontRef idx="minor">
+                  <a:schemeClr val="lt1"/>
+                </a:fontRef>
+              </p:style>
+              <p:txBody>
+                <a:bodyPr rtlCol="0" anchor="ctr"/>
+                <a:lstStyle/>
+                <a:p>
+                  <a:pPr algn="ctr"/>
+                  <a:r>
+                    <a:rPr lang="en-US" sz="1050" dirty="0">
+                      <a:solidFill>
+                        <a:schemeClr val="tx1"/>
+                      </a:solidFill>
+                    </a:rPr>
+                    <a:t>0</a:t>
+                  </a:r>
+                  <a:endParaRPr lang="en-US" dirty="0">
+                    <a:solidFill>
+                      <a:schemeClr val="tx1"/>
+                    </a:solidFill>
+                  </a:endParaRPr>
+                </a:p>
+              </p:txBody>
+            </p:sp>
+            <p:sp>
+              <p:nvSpPr>
+                <p:cNvPr id="43" name="Rectangle 42"/>
+                <p:cNvSpPr/>
+                <p:nvPr/>
+              </p:nvSpPr>
+              <p:spPr>
+                <a:xfrm>
+                  <a:off x="1524000" y="1224898"/>
+                  <a:ext cx="188925" cy="188925"/>
+                </a:xfrm>
+                <a:prstGeom prst="rect">
+                  <a:avLst/>
+                </a:prstGeom>
+                <a:solidFill>
+                  <a:schemeClr val="bg1"/>
+                </a:solidFill>
+                <a:ln w="12700">
+                  <a:solidFill>
+                    <a:schemeClr val="tx1"/>
+                  </a:solidFill>
+                </a:ln>
+              </p:spPr>
+              <p:style>
+                <a:lnRef idx="2">
+                  <a:schemeClr val="accent1">
+                    <a:shade val="50000"/>
+                  </a:schemeClr>
+                </a:lnRef>
+                <a:fillRef idx="1">
+                  <a:schemeClr val="accent1"/>
+                </a:fillRef>
+                <a:effectRef idx="0">
+                  <a:schemeClr val="accent1"/>
+                </a:effectRef>
+                <a:fontRef idx="minor">
+                  <a:schemeClr val="lt1"/>
+                </a:fontRef>
+              </p:style>
+              <p:txBody>
+                <a:bodyPr rtlCol="0" anchor="ctr"/>
+                <a:lstStyle/>
+                <a:p>
+                  <a:pPr algn="ctr"/>
+                  <a:r>
+                    <a:rPr lang="en-US" sz="1050" dirty="0">
+                      <a:solidFill>
+                        <a:schemeClr val="tx1"/>
+                      </a:solidFill>
+                    </a:rPr>
+                    <a:t>1</a:t>
+                  </a:r>
+                  <a:endParaRPr lang="en-US" dirty="0">
+                    <a:solidFill>
+                      <a:schemeClr val="tx1"/>
+                    </a:solidFill>
+                  </a:endParaRPr>
+                </a:p>
+              </p:txBody>
+            </p:sp>
+            <p:sp>
+              <p:nvSpPr>
+                <p:cNvPr id="44" name="Rectangle 43"/>
+                <p:cNvSpPr/>
+                <p:nvPr/>
+              </p:nvSpPr>
+              <p:spPr>
+                <a:xfrm>
+                  <a:off x="1716075" y="1415817"/>
+                  <a:ext cx="188925" cy="188925"/>
+                </a:xfrm>
+                <a:prstGeom prst="rect">
+                  <a:avLst/>
+                </a:prstGeom>
+                <a:solidFill>
+                  <a:schemeClr val="bg1"/>
+                </a:solidFill>
+                <a:ln w="12700">
+                  <a:solidFill>
+                    <a:schemeClr val="tx1"/>
+                  </a:solidFill>
+                </a:ln>
+              </p:spPr>
+              <p:style>
+                <a:lnRef idx="2">
+                  <a:schemeClr val="accent1">
+                    <a:shade val="50000"/>
+                  </a:schemeClr>
+                </a:lnRef>
+                <a:fillRef idx="1">
+                  <a:schemeClr val="accent1"/>
+                </a:fillRef>
+                <a:effectRef idx="0">
+                  <a:schemeClr val="accent1"/>
+                </a:effectRef>
+                <a:fontRef idx="minor">
+                  <a:schemeClr val="lt1"/>
+                </a:fontRef>
+              </p:style>
+              <p:txBody>
+                <a:bodyPr rtlCol="0" anchor="ctr"/>
+                <a:lstStyle/>
+                <a:p>
+                  <a:pPr algn="ctr"/>
+                  <a:r>
+                    <a:rPr lang="en-US" sz="1050" dirty="0">
+                      <a:solidFill>
+                        <a:schemeClr val="tx1"/>
+                      </a:solidFill>
+                    </a:rPr>
+                    <a:t>2</a:t>
+                  </a:r>
+                  <a:endParaRPr lang="en-US" dirty="0">
+                    <a:solidFill>
+                      <a:schemeClr val="tx1"/>
+                    </a:solidFill>
+                  </a:endParaRPr>
+                </a:p>
+              </p:txBody>
+            </p:sp>
+            <p:sp>
+              <p:nvSpPr>
+                <p:cNvPr id="45" name="Rectangle 44"/>
+                <p:cNvSpPr/>
+                <p:nvPr/>
+              </p:nvSpPr>
+              <p:spPr>
+                <a:xfrm>
+                  <a:off x="1905000" y="1605964"/>
+                  <a:ext cx="188925" cy="188925"/>
+                </a:xfrm>
+                <a:prstGeom prst="rect">
+                  <a:avLst/>
+                </a:prstGeom>
+                <a:solidFill>
+                  <a:schemeClr val="bg1"/>
+                </a:solidFill>
+                <a:ln w="12700">
+                  <a:solidFill>
+                    <a:schemeClr val="tx1"/>
+                  </a:solidFill>
+                </a:ln>
+              </p:spPr>
+              <p:style>
+                <a:lnRef idx="2">
+                  <a:schemeClr val="accent1">
+                    <a:shade val="50000"/>
+                  </a:schemeClr>
+                </a:lnRef>
+                <a:fillRef idx="1">
+                  <a:schemeClr val="accent1"/>
+                </a:fillRef>
+                <a:effectRef idx="0">
+                  <a:schemeClr val="accent1"/>
+                </a:effectRef>
+                <a:fontRef idx="minor">
+                  <a:schemeClr val="lt1"/>
+                </a:fontRef>
+              </p:style>
+              <p:txBody>
+                <a:bodyPr rtlCol="0" anchor="ctr"/>
+                <a:lstStyle/>
+                <a:p>
+                  <a:pPr algn="ctr"/>
+                  <a:r>
+                    <a:rPr lang="en-US" sz="1050" dirty="0">
+                      <a:solidFill>
+                        <a:schemeClr val="tx1"/>
+                      </a:solidFill>
+                    </a:rPr>
+                    <a:t>3</a:t>
+                  </a:r>
+                  <a:endParaRPr lang="en-US" dirty="0">
+                    <a:solidFill>
+                      <a:schemeClr val="tx1"/>
+                    </a:solidFill>
+                  </a:endParaRPr>
+                </a:p>
+              </p:txBody>
+            </p:sp>
+          </p:grpSp>
+          <p:grpSp>
+            <p:nvGrpSpPr>
+              <p:cNvPr id="46" name="Group 45"/>
+              <p:cNvGrpSpPr/>
+              <p:nvPr/>
+            </p:nvGrpSpPr>
+            <p:grpSpPr>
+              <a:xfrm>
+                <a:off x="2133601" y="1820629"/>
+                <a:ext cx="141890" cy="628214"/>
+                <a:chOff x="1335075" y="1034751"/>
+                <a:chExt cx="188925" cy="760138"/>
+              </a:xfrm>
+            </p:grpSpPr>
+            <p:sp>
+              <p:nvSpPr>
+                <p:cNvPr id="47" name="Rectangle 46"/>
+                <p:cNvSpPr/>
+                <p:nvPr/>
+              </p:nvSpPr>
+              <p:spPr>
+                <a:xfrm>
+                  <a:off x="1335075" y="1034751"/>
+                  <a:ext cx="188925" cy="188925"/>
+                </a:xfrm>
+                <a:prstGeom prst="rect">
+                  <a:avLst/>
+                </a:prstGeom>
+                <a:solidFill>
+                  <a:schemeClr val="bg1"/>
+                </a:solidFill>
+                <a:ln w="12700">
+                  <a:solidFill>
+                    <a:schemeClr val="tx1"/>
+                  </a:solidFill>
+                </a:ln>
+              </p:spPr>
+              <p:style>
+                <a:lnRef idx="2">
+                  <a:schemeClr val="accent1">
+                    <a:shade val="50000"/>
+                  </a:schemeClr>
+                </a:lnRef>
+                <a:fillRef idx="1">
+                  <a:schemeClr val="accent1"/>
+                </a:fillRef>
+                <a:effectRef idx="0">
+                  <a:schemeClr val="accent1"/>
+                </a:effectRef>
+                <a:fontRef idx="minor">
+                  <a:schemeClr val="lt1"/>
+                </a:fontRef>
+              </p:style>
+              <p:txBody>
+                <a:bodyPr rtlCol="0" anchor="ctr"/>
+                <a:lstStyle/>
+                <a:p>
+                  <a:pPr algn="ctr"/>
+                  <a:r>
+                    <a:rPr lang="en-US" sz="1050" dirty="0">
+                      <a:solidFill>
+                        <a:schemeClr val="tx1"/>
+                      </a:solidFill>
+                    </a:rPr>
+                    <a:t>0</a:t>
+                  </a:r>
+                  <a:endParaRPr lang="en-US" dirty="0">
+                    <a:solidFill>
+                      <a:schemeClr val="tx1"/>
+                    </a:solidFill>
+                  </a:endParaRPr>
+                </a:p>
+              </p:txBody>
+            </p:sp>
+            <p:sp>
+              <p:nvSpPr>
+                <p:cNvPr id="48" name="Rectangle 47"/>
+                <p:cNvSpPr/>
+                <p:nvPr/>
+              </p:nvSpPr>
+              <p:spPr>
+                <a:xfrm>
+                  <a:off x="1335075" y="1224897"/>
+                  <a:ext cx="188925" cy="188926"/>
+                </a:xfrm>
+                <a:prstGeom prst="rect">
+                  <a:avLst/>
+                </a:prstGeom>
+                <a:solidFill>
+                  <a:schemeClr val="bg1"/>
+                </a:solidFill>
+                <a:ln w="12700">
+                  <a:solidFill>
+                    <a:schemeClr val="tx1"/>
+                  </a:solidFill>
+                </a:ln>
+              </p:spPr>
+              <p:style>
+                <a:lnRef idx="2">
+                  <a:schemeClr val="accent1">
+                    <a:shade val="50000"/>
+                  </a:schemeClr>
+                </a:lnRef>
+                <a:fillRef idx="1">
+                  <a:schemeClr val="accent1"/>
+                </a:fillRef>
+                <a:effectRef idx="0">
+                  <a:schemeClr val="accent1"/>
+                </a:effectRef>
+                <a:fontRef idx="minor">
+                  <a:schemeClr val="lt1"/>
+                </a:fontRef>
+              </p:style>
+              <p:txBody>
+                <a:bodyPr rtlCol="0" anchor="ctr"/>
+                <a:lstStyle/>
+                <a:p>
+                  <a:pPr algn="ctr"/>
+                  <a:r>
+                    <a:rPr lang="en-US" sz="1050" dirty="0">
+                      <a:solidFill>
+                        <a:schemeClr val="tx1"/>
+                      </a:solidFill>
+                    </a:rPr>
+                    <a:t>1</a:t>
+                  </a:r>
+                  <a:endParaRPr lang="en-US" dirty="0">
+                    <a:solidFill>
+                      <a:schemeClr val="tx1"/>
+                    </a:solidFill>
+                  </a:endParaRPr>
+                </a:p>
+              </p:txBody>
+            </p:sp>
+            <p:sp>
+              <p:nvSpPr>
+                <p:cNvPr id="49" name="Rectangle 48"/>
+                <p:cNvSpPr/>
+                <p:nvPr/>
+              </p:nvSpPr>
+              <p:spPr>
+                <a:xfrm>
+                  <a:off x="1335075" y="1415817"/>
+                  <a:ext cx="188925" cy="188926"/>
+                </a:xfrm>
+                <a:prstGeom prst="rect">
+                  <a:avLst/>
+                </a:prstGeom>
+                <a:solidFill>
+                  <a:schemeClr val="bg1"/>
+                </a:solidFill>
+                <a:ln w="12700">
+                  <a:solidFill>
+                    <a:schemeClr val="tx1"/>
+                  </a:solidFill>
+                </a:ln>
+              </p:spPr>
+              <p:style>
+                <a:lnRef idx="2">
+                  <a:schemeClr val="accent1">
+                    <a:shade val="50000"/>
+                  </a:schemeClr>
+                </a:lnRef>
+                <a:fillRef idx="1">
+                  <a:schemeClr val="accent1"/>
+                </a:fillRef>
+                <a:effectRef idx="0">
+                  <a:schemeClr val="accent1"/>
+                </a:effectRef>
+                <a:fontRef idx="minor">
+                  <a:schemeClr val="lt1"/>
+                </a:fontRef>
+              </p:style>
+              <p:txBody>
+                <a:bodyPr rtlCol="0" anchor="ctr"/>
+                <a:lstStyle/>
+                <a:p>
+                  <a:pPr algn="ctr"/>
+                  <a:r>
+                    <a:rPr lang="en-US" sz="1050" dirty="0">
+                      <a:solidFill>
+                        <a:schemeClr val="tx1"/>
+                      </a:solidFill>
+                    </a:rPr>
+                    <a:t>2</a:t>
+                  </a:r>
+                  <a:endParaRPr lang="en-US" dirty="0">
+                    <a:solidFill>
+                      <a:schemeClr val="tx1"/>
+                    </a:solidFill>
+                  </a:endParaRPr>
+                </a:p>
+              </p:txBody>
+            </p:sp>
+            <p:sp>
+              <p:nvSpPr>
+                <p:cNvPr id="50" name="Rectangle 49"/>
+                <p:cNvSpPr/>
+                <p:nvPr/>
+              </p:nvSpPr>
+              <p:spPr>
+                <a:xfrm>
+                  <a:off x="1335075" y="1605963"/>
+                  <a:ext cx="188925" cy="188926"/>
+                </a:xfrm>
+                <a:prstGeom prst="rect">
+                  <a:avLst/>
+                </a:prstGeom>
+                <a:solidFill>
+                  <a:schemeClr val="bg1"/>
+                </a:solidFill>
+                <a:ln w="12700">
+                  <a:solidFill>
+                    <a:schemeClr val="tx1"/>
+                  </a:solidFill>
+                </a:ln>
+              </p:spPr>
+              <p:style>
+                <a:lnRef idx="2">
+                  <a:schemeClr val="accent1">
+                    <a:shade val="50000"/>
+                  </a:schemeClr>
+                </a:lnRef>
+                <a:fillRef idx="1">
+                  <a:schemeClr val="accent1"/>
+                </a:fillRef>
+                <a:effectRef idx="0">
+                  <a:schemeClr val="accent1"/>
+                </a:effectRef>
+                <a:fontRef idx="minor">
+                  <a:schemeClr val="lt1"/>
+                </a:fontRef>
+              </p:style>
+              <p:txBody>
+                <a:bodyPr rtlCol="0" anchor="ctr"/>
+                <a:lstStyle/>
+                <a:p>
+                  <a:pPr algn="ctr"/>
+                  <a:r>
+                    <a:rPr lang="en-US" sz="1050" dirty="0">
+                      <a:solidFill>
+                        <a:schemeClr val="tx1"/>
+                      </a:solidFill>
+                    </a:rPr>
+                    <a:t>3</a:t>
+                  </a:r>
+                  <a:endParaRPr lang="en-US" dirty="0">
+                    <a:solidFill>
+                      <a:schemeClr val="tx1"/>
+                    </a:solidFill>
+                  </a:endParaRPr>
+                </a:p>
+              </p:txBody>
+            </p:sp>
+          </p:grpSp>
+        </p:grpSp>
+        <p:grpSp>
+          <p:nvGrpSpPr>
+            <p:cNvPr id="61" name="Group 60"/>
+            <p:cNvGrpSpPr/>
+            <p:nvPr/>
+          </p:nvGrpSpPr>
+          <p:grpSpPr>
+            <a:xfrm>
+              <a:off x="1137147" y="1131402"/>
+              <a:ext cx="511561" cy="468798"/>
+              <a:chOff x="1575330" y="1131402"/>
+              <a:chExt cx="511561" cy="468798"/>
+            </a:xfrm>
+          </p:grpSpPr>
+          <p:cxnSp>
+            <p:nvCxnSpPr>
+              <p:cNvPr id="53" name="Straight Connector 52"/>
+              <p:cNvCxnSpPr/>
+              <p:nvPr/>
+            </p:nvCxnSpPr>
+            <p:spPr>
+              <a:xfrm>
+                <a:off x="1575330" y="1131402"/>
+                <a:ext cx="510706" cy="0"/>
+              </a:xfrm>
+              <a:prstGeom prst="line">
+                <a:avLst/>
+              </a:prstGeom>
+              <a:ln>
+                <a:prstDash val="sysDash"/>
+                <a:headEnd type="oval" w="sm" len="sm"/>
+                <a:tailEnd type="oval" w="sm" len="sm"/>
+              </a:ln>
+            </p:spPr>
+            <p:style>
+              <a:lnRef idx="1">
+                <a:schemeClr val="accent1"/>
+              </a:lnRef>
+              <a:fillRef idx="0">
+                <a:schemeClr val="accent1"/>
+              </a:fillRef>
+              <a:effectRef idx="0">
+                <a:schemeClr val="accent1"/>
+              </a:effectRef>
+              <a:fontRef idx="minor">
+                <a:schemeClr val="tx1"/>
+              </a:fontRef>
+            </p:style>
+          </p:cxnSp>
+          <p:cxnSp>
+            <p:nvCxnSpPr>
+              <p:cNvPr id="55" name="Straight Connector 54"/>
+              <p:cNvCxnSpPr/>
+              <p:nvPr/>
+            </p:nvCxnSpPr>
+            <p:spPr>
+              <a:xfrm>
+                <a:off x="1727200" y="1288548"/>
+                <a:ext cx="358836" cy="0"/>
+              </a:xfrm>
+              <a:prstGeom prst="line">
+                <a:avLst/>
+              </a:prstGeom>
+              <a:ln>
+                <a:prstDash val="sysDash"/>
+                <a:headEnd type="oval" w="sm" len="sm"/>
+                <a:tailEnd type="oval" w="sm" len="sm"/>
+              </a:ln>
+            </p:spPr>
+            <p:style>
+              <a:lnRef idx="1">
+                <a:schemeClr val="accent1"/>
+              </a:lnRef>
+              <a:fillRef idx="0">
+                <a:schemeClr val="accent1"/>
+              </a:fillRef>
+              <a:effectRef idx="0">
+                <a:schemeClr val="accent1"/>
+              </a:effectRef>
+              <a:fontRef idx="minor">
+                <a:schemeClr val="tx1"/>
+              </a:fontRef>
+            </p:style>
+          </p:cxnSp>
+          <p:cxnSp>
+            <p:nvCxnSpPr>
+              <p:cNvPr id="56" name="Straight Connector 55"/>
+              <p:cNvCxnSpPr/>
+              <p:nvPr/>
+            </p:nvCxnSpPr>
+            <p:spPr>
+              <a:xfrm>
+                <a:off x="1863725" y="1446333"/>
+                <a:ext cx="222311" cy="0"/>
+              </a:xfrm>
+              <a:prstGeom prst="line">
+                <a:avLst/>
+              </a:prstGeom>
+              <a:ln>
+                <a:prstDash val="sysDash"/>
+                <a:headEnd type="oval" w="sm" len="sm"/>
+                <a:tailEnd type="oval" w="sm" len="sm"/>
+              </a:ln>
+            </p:spPr>
+            <p:style>
+              <a:lnRef idx="1">
+                <a:schemeClr val="accent1"/>
+              </a:lnRef>
+              <a:fillRef idx="0">
+                <a:schemeClr val="accent1"/>
+              </a:fillRef>
+              <a:effectRef idx="0">
+                <a:schemeClr val="accent1"/>
+              </a:effectRef>
+              <a:fontRef idx="minor">
+                <a:schemeClr val="tx1"/>
+              </a:fontRef>
+            </p:style>
+          </p:cxnSp>
+          <p:cxnSp>
+            <p:nvCxnSpPr>
+              <p:cNvPr id="57" name="Straight Connector 56"/>
+              <p:cNvCxnSpPr/>
+              <p:nvPr/>
+            </p:nvCxnSpPr>
+            <p:spPr>
+              <a:xfrm>
+                <a:off x="2000250" y="1600200"/>
+                <a:ext cx="86641" cy="0"/>
+              </a:xfrm>
+              <a:prstGeom prst="line">
+                <a:avLst/>
+              </a:prstGeom>
+              <a:ln>
+                <a:prstDash val="sysDash"/>
+                <a:headEnd type="oval" w="sm" len="sm"/>
+                <a:tailEnd type="oval" w="sm" len="sm"/>
+              </a:ln>
+            </p:spPr>
+            <p:style>
+              <a:lnRef idx="1">
+                <a:schemeClr val="accent1"/>
+              </a:lnRef>
+              <a:fillRef idx="0">
+                <a:schemeClr val="accent1"/>
+              </a:fillRef>
+              <a:effectRef idx="0">
+                <a:schemeClr val="accent1"/>
+              </a:effectRef>
+              <a:fontRef idx="minor">
+                <a:schemeClr val="tx1"/>
+              </a:fontRef>
+            </p:style>
+          </p:cxnSp>
+        </p:grpSp>
+        <p:grpSp>
+          <p:nvGrpSpPr>
+            <p:cNvPr id="63" name="Group 62"/>
+            <p:cNvGrpSpPr/>
+            <p:nvPr/>
+          </p:nvGrpSpPr>
+          <p:grpSpPr>
+            <a:xfrm>
+              <a:off x="1137147" y="2214645"/>
+              <a:ext cx="511561" cy="468798"/>
+              <a:chOff x="1575330" y="1131402"/>
+              <a:chExt cx="511561" cy="468798"/>
+            </a:xfrm>
+          </p:grpSpPr>
+          <p:cxnSp>
+            <p:nvCxnSpPr>
+              <p:cNvPr id="64" name="Straight Connector 63"/>
+              <p:cNvCxnSpPr/>
+              <p:nvPr/>
+            </p:nvCxnSpPr>
+            <p:spPr>
+              <a:xfrm>
+                <a:off x="1575330" y="1131402"/>
+                <a:ext cx="510706" cy="0"/>
+              </a:xfrm>
+              <a:prstGeom prst="line">
+                <a:avLst/>
+              </a:prstGeom>
+              <a:ln>
+                <a:prstDash val="sysDash"/>
+                <a:headEnd type="oval" w="sm" len="sm"/>
+                <a:tailEnd type="oval" w="sm" len="sm"/>
+              </a:ln>
+            </p:spPr>
+            <p:style>
+              <a:lnRef idx="1">
+                <a:schemeClr val="accent1"/>
+              </a:lnRef>
+              <a:fillRef idx="0">
+                <a:schemeClr val="accent1"/>
+              </a:fillRef>
+              <a:effectRef idx="0">
+                <a:schemeClr val="accent1"/>
+              </a:effectRef>
+              <a:fontRef idx="minor">
+                <a:schemeClr val="tx1"/>
+              </a:fontRef>
+            </p:style>
+          </p:cxnSp>
+          <p:cxnSp>
+            <p:nvCxnSpPr>
+              <p:cNvPr id="65" name="Straight Connector 64"/>
+              <p:cNvCxnSpPr/>
+              <p:nvPr/>
+            </p:nvCxnSpPr>
+            <p:spPr>
+              <a:xfrm>
+                <a:off x="1727200" y="1288548"/>
+                <a:ext cx="358836" cy="0"/>
+              </a:xfrm>
+              <a:prstGeom prst="line">
+                <a:avLst/>
+              </a:prstGeom>
+              <a:ln>
+                <a:prstDash val="sysDash"/>
+                <a:headEnd type="oval" w="sm" len="sm"/>
+                <a:tailEnd type="oval" w="sm" len="sm"/>
+              </a:ln>
+            </p:spPr>
+            <p:style>
+              <a:lnRef idx="1">
+                <a:schemeClr val="accent1"/>
+              </a:lnRef>
+              <a:fillRef idx="0">
+                <a:schemeClr val="accent1"/>
+              </a:fillRef>
+              <a:effectRef idx="0">
+                <a:schemeClr val="accent1"/>
+              </a:effectRef>
+              <a:fontRef idx="minor">
+                <a:schemeClr val="tx1"/>
+              </a:fontRef>
+            </p:style>
+          </p:cxnSp>
+          <p:cxnSp>
+            <p:nvCxnSpPr>
+              <p:cNvPr id="66" name="Straight Connector 65"/>
+              <p:cNvCxnSpPr/>
+              <p:nvPr/>
+            </p:nvCxnSpPr>
+            <p:spPr>
+              <a:xfrm>
+                <a:off x="1863725" y="1446333"/>
+                <a:ext cx="222311" cy="0"/>
+              </a:xfrm>
+              <a:prstGeom prst="line">
+                <a:avLst/>
+              </a:prstGeom>
+              <a:ln>
+                <a:prstDash val="sysDash"/>
+                <a:headEnd type="oval" w="sm" len="sm"/>
+                <a:tailEnd type="oval" w="sm" len="sm"/>
+              </a:ln>
+            </p:spPr>
+            <p:style>
+              <a:lnRef idx="1">
+                <a:schemeClr val="accent1"/>
+              </a:lnRef>
+              <a:fillRef idx="0">
+                <a:schemeClr val="accent1"/>
+              </a:fillRef>
+              <a:effectRef idx="0">
+                <a:schemeClr val="accent1"/>
+              </a:effectRef>
+              <a:fontRef idx="minor">
+                <a:schemeClr val="tx1"/>
+              </a:fontRef>
+            </p:style>
+          </p:cxnSp>
+          <p:cxnSp>
+            <p:nvCxnSpPr>
+              <p:cNvPr id="67" name="Straight Connector 66"/>
+              <p:cNvCxnSpPr/>
+              <p:nvPr/>
+            </p:nvCxnSpPr>
+            <p:spPr>
+              <a:xfrm>
+                <a:off x="2000250" y="1600200"/>
+                <a:ext cx="86641" cy="0"/>
+              </a:xfrm>
+              <a:prstGeom prst="line">
+                <a:avLst/>
+              </a:prstGeom>
+              <a:ln>
+                <a:prstDash val="sysDash"/>
+                <a:headEnd type="oval" w="sm" len="sm"/>
+                <a:tailEnd type="oval" w="sm" len="sm"/>
+              </a:ln>
+            </p:spPr>
+            <p:style>
+              <a:lnRef idx="1">
+                <a:schemeClr val="accent1"/>
+              </a:lnRef>
+              <a:fillRef idx="0">
+                <a:schemeClr val="accent1"/>
+              </a:fillRef>
+              <a:effectRef idx="0">
+                <a:schemeClr val="accent1"/>
+              </a:effectRef>
+              <a:fontRef idx="minor">
+                <a:schemeClr val="tx1"/>
+              </a:fontRef>
+            </p:style>
+          </p:cxnSp>
+        </p:grpSp>
+        <p:sp>
+          <p:nvSpPr>
+            <p:cNvPr id="70" name="TextBox 69"/>
+            <p:cNvSpPr txBox="1"/>
+            <p:nvPr/>
+          </p:nvSpPr>
+          <p:spPr>
+            <a:xfrm>
+              <a:off x="844331" y="698500"/>
+              <a:ext cx="1284909" cy="276999"/>
+            </a:xfrm>
+            <a:prstGeom prst="rect">
+              <a:avLst/>
+            </a:prstGeom>
+            <a:noFill/>
+          </p:spPr>
+          <p:txBody>
+            <a:bodyPr wrap="square" rtlCol="0">
+              <a:spAutoFit/>
+            </a:bodyPr>
+            <a:lstStyle/>
+            <a:p>
+              <a:pPr algn="ctr"/>
+              <a:r>
+                <a:rPr lang="en-US" sz="1200" dirty="0" err="1">
+                  <a:latin typeface="Raleway Medium" pitchFamily="34" charset="0"/>
+                </a:rPr>
+                <a:t>Packetizer</a:t>
+              </a:r>
+              <a:r>
+                <a:rPr lang="en-US" sz="1200" dirty="0">
+                  <a:latin typeface="Raleway Medium" pitchFamily="34" charset="0"/>
+                </a:rPr>
+                <a:t> 1</a:t>
+              </a:r>
+              <a:endParaRPr lang="en-US" sz="1200" dirty="0">
+                <a:latin typeface="Raleway Medium" pitchFamily="34" charset="0"/>
+              </a:endParaRPr>
+            </a:p>
+          </p:txBody>
+        </p:sp>
+        <p:sp>
+          <p:nvSpPr>
+            <p:cNvPr id="71" name="TextBox 70"/>
+            <p:cNvSpPr txBox="1"/>
+            <p:nvPr/>
+          </p:nvSpPr>
+          <p:spPr>
+            <a:xfrm>
+              <a:off x="844331" y="1774627"/>
+              <a:ext cx="1284909" cy="276999"/>
+            </a:xfrm>
+            <a:prstGeom prst="rect">
+              <a:avLst/>
+            </a:prstGeom>
+            <a:noFill/>
+          </p:spPr>
+          <p:txBody>
+            <a:bodyPr wrap="square" rtlCol="0">
+              <a:spAutoFit/>
+            </a:bodyPr>
+            <a:lstStyle/>
+            <a:p>
+              <a:pPr algn="ctr"/>
+              <a:r>
+                <a:rPr lang="en-US" sz="1200" dirty="0" err="1">
+                  <a:latin typeface="Raleway Medium" pitchFamily="34" charset="0"/>
+                </a:rPr>
+                <a:t>Packetizer</a:t>
+              </a:r>
+              <a:r>
+                <a:rPr lang="en-US" sz="1200" dirty="0">
+                  <a:latin typeface="Raleway Medium" pitchFamily="34" charset="0"/>
+                </a:rPr>
+                <a:t> 2</a:t>
+              </a:r>
+              <a:endParaRPr lang="en-US" sz="1200" dirty="0">
+                <a:latin typeface="Raleway Medium" pitchFamily="34" charset="0"/>
+              </a:endParaRPr>
+            </a:p>
+          </p:txBody>
+        </p:sp>
+        <p:cxnSp>
+          <p:nvCxnSpPr>
+            <p:cNvPr id="73" name="Straight Connector 72"/>
+            <p:cNvCxnSpPr/>
+            <p:nvPr/>
+          </p:nvCxnSpPr>
+          <p:spPr>
+            <a:xfrm>
+              <a:off x="1018637" y="3048000"/>
+              <a:ext cx="797602" cy="0"/>
+            </a:xfrm>
+            <a:prstGeom prst="line">
+              <a:avLst/>
+            </a:prstGeom>
+            <a:ln>
+              <a:prstDash val="sysDash"/>
+              <a:headEnd type="oval" w="sm" len="sm"/>
+              <a:tailEnd type="oval" w="sm" len="sm"/>
+            </a:ln>
+          </p:spPr>
+          <p:style>
+            <a:lnRef idx="1">
+              <a:schemeClr val="accent1"/>
+            </a:lnRef>
+            <a:fillRef idx="0">
+              <a:schemeClr val="accent1"/>
+            </a:fillRef>
+            <a:effectRef idx="0">
+              <a:schemeClr val="accent1"/>
+            </a:effectRef>
+            <a:fontRef idx="minor">
+              <a:schemeClr val="tx1"/>
+            </a:fontRef>
+          </p:style>
+        </p:cxnSp>
+        <p:sp>
+          <p:nvSpPr>
+            <p:cNvPr id="74" name="TextBox 73"/>
+            <p:cNvSpPr txBox="1"/>
+            <p:nvPr/>
+          </p:nvSpPr>
+          <p:spPr>
+            <a:xfrm>
+              <a:off x="788637" y="2827175"/>
+              <a:ext cx="463521" cy="261610"/>
+            </a:xfrm>
+            <a:prstGeom prst="rect">
+              <a:avLst/>
+            </a:prstGeom>
+            <a:noFill/>
+          </p:spPr>
+          <p:txBody>
+            <a:bodyPr wrap="square" rtlCol="0">
+              <a:spAutoFit/>
+            </a:bodyPr>
+            <a:lstStyle/>
+            <a:p>
+              <a:pPr algn="ctr"/>
+              <a:r>
+                <a:rPr lang="en-US" sz="1050" dirty="0">
+                  <a:latin typeface="Raleway Medium" pitchFamily="34" charset="0"/>
+                </a:rPr>
+                <a:t>AXI</a:t>
+              </a:r>
+              <a:endParaRPr lang="en-US" sz="1050" dirty="0">
+                <a:latin typeface="Raleway Medium" pitchFamily="34" charset="0"/>
+              </a:endParaRPr>
+            </a:p>
+          </p:txBody>
+        </p:sp>
+        <p:sp>
+          <p:nvSpPr>
+            <p:cNvPr id="75" name="TextBox 74"/>
+            <p:cNvSpPr txBox="1"/>
+            <p:nvPr/>
+          </p:nvSpPr>
+          <p:spPr>
+            <a:xfrm>
+              <a:off x="1512294" y="2827175"/>
+              <a:ext cx="616946" cy="253916"/>
+            </a:xfrm>
+            <a:prstGeom prst="rect">
+              <a:avLst/>
+            </a:prstGeom>
+            <a:noFill/>
+          </p:spPr>
+          <p:txBody>
+            <a:bodyPr wrap="square" rtlCol="0">
+              <a:spAutoFit/>
+            </a:bodyPr>
+            <a:lstStyle/>
+            <a:p>
+              <a:pPr algn="ctr"/>
+              <a:r>
+                <a:rPr lang="en-US" sz="1050" dirty="0">
+                  <a:latin typeface="Raleway Medium" pitchFamily="34" charset="0"/>
+                </a:rPr>
+                <a:t>Pkt.</a:t>
+              </a:r>
+              <a:endParaRPr lang="en-US" sz="1050" dirty="0">
+                <a:latin typeface="Raleway Medium" pitchFamily="34" charset="0"/>
+              </a:endParaRPr>
+            </a:p>
+          </p:txBody>
+        </p:sp>
+        <p:sp>
+          <p:nvSpPr>
+            <p:cNvPr id="78" name="Oval 77"/>
+            <p:cNvSpPr/>
+            <p:nvPr/>
+          </p:nvSpPr>
+          <p:spPr>
+            <a:xfrm>
+              <a:off x="438117" y="3470904"/>
+              <a:ext cx="76200" cy="76200"/>
+            </a:xfrm>
+            <a:prstGeom prst="ellipse">
+              <a:avLst/>
+            </a:prstGeom>
+            <a:solidFill>
+              <a:schemeClr val="tx1"/>
+            </a:solidFill>
+            <a:ln>
+              <a:solidFill>
+                <a:schemeClr val="tx1"/>
+              </a:solidFill>
+            </a:ln>
+          </p:spPr>
+          <p:style>
+            <a:lnRef idx="2">
+              <a:schemeClr val="accent1">
+                <a:shade val="50000"/>
+              </a:schemeClr>
+            </a:lnRef>
+            <a:fillRef idx="1">
+              <a:schemeClr val="accent1"/>
+            </a:fillRef>
+            <a:effectRef idx="0">
+              <a:schemeClr val="accent1"/>
+            </a:effectRef>
+            <a:fontRef idx="minor">
+              <a:schemeClr val="lt1"/>
+            </a:fontRef>
+          </p:style>
+          <p:txBody>
+            <a:bodyPr rtlCol="0" anchor="ctr"/>
+            <a:lstStyle/>
+            <a:p>
+              <a:pPr algn="ctr"/>
+              <a:endParaRPr lang="en-US"/>
+            </a:p>
+          </p:txBody>
+        </p:sp>
+        <p:cxnSp>
+          <p:nvCxnSpPr>
+            <p:cNvPr id="79" name="Straight Arrow Connector 78"/>
+            <p:cNvCxnSpPr/>
+            <p:nvPr/>
+          </p:nvCxnSpPr>
+          <p:spPr>
+            <a:xfrm flipH="1" flipV="1">
+              <a:off x="438117" y="3509003"/>
+              <a:ext cx="342900" cy="1"/>
+            </a:xfrm>
+            <a:prstGeom prst="straightConnector1">
+              <a:avLst/>
+            </a:prstGeom>
+            <a:ln>
+              <a:solidFill>
+                <a:schemeClr val="tx1"/>
+              </a:solidFill>
+              <a:headEnd type="triangle" w="med" len="med"/>
+              <a:tailEnd type="none" w="med" len="med"/>
+            </a:ln>
+          </p:spPr>
+          <p:style>
+            <a:lnRef idx="1">
+              <a:schemeClr val="accent1"/>
+            </a:lnRef>
+            <a:fillRef idx="0">
+              <a:schemeClr val="accent1"/>
+            </a:fillRef>
+            <a:effectRef idx="0">
+              <a:schemeClr val="accent1"/>
+            </a:effectRef>
+            <a:fontRef idx="minor">
+              <a:schemeClr val="tx1"/>
+            </a:fontRef>
+          </p:style>
+        </p:cxnSp>
+        <p:sp>
+          <p:nvSpPr>
+            <p:cNvPr id="80" name="Rectangle 79"/>
+            <p:cNvSpPr/>
+            <p:nvPr/>
+          </p:nvSpPr>
+          <p:spPr>
+            <a:xfrm>
+              <a:off x="-27308" y="3378200"/>
+              <a:ext cx="478015" cy="261610"/>
+            </a:xfrm>
+            <a:prstGeom prst="rect">
+              <a:avLst/>
+            </a:prstGeom>
+          </p:spPr>
+          <p:txBody>
+            <a:bodyPr wrap="none">
+              <a:spAutoFit/>
+            </a:bodyPr>
+            <a:lstStyle/>
+            <a:p>
+              <a:pPr algn="ctr"/>
+              <a:r>
+                <a:rPr lang="en-US" sz="1100" dirty="0">
+                  <a:latin typeface="Raleway Medium" pitchFamily="34" charset="0"/>
+                </a:rPr>
+                <a:t>LPM</a:t>
+              </a:r>
+              <a:endParaRPr lang="en-US" sz="1100" dirty="0">
+                <a:latin typeface="Raleway Medium" pitchFamily="34" charset="0"/>
+              </a:endParaRPr>
+            </a:p>
+          </p:txBody>
+        </p:sp>
+        <p:sp>
+          <p:nvSpPr>
+            <p:cNvPr id="81" name="Cross 80"/>
+            <p:cNvSpPr/>
+            <p:nvPr/>
+          </p:nvSpPr>
+          <p:spPr>
+            <a:xfrm rot="2700000">
+              <a:off x="799881" y="3470902"/>
+              <a:ext cx="76200" cy="76200"/>
+            </a:xfrm>
+            <a:prstGeom prst="plus">
+              <a:avLst>
+                <a:gd name="adj" fmla="val 49999"/>
+              </a:avLst>
+            </a:prstGeom>
+            <a:solidFill>
+              <a:schemeClr val="tx1"/>
+            </a:solidFill>
+            <a:ln>
+              <a:solidFill>
+                <a:schemeClr val="tx1"/>
+              </a:solidFill>
+            </a:ln>
+          </p:spPr>
+          <p:style>
+            <a:lnRef idx="2">
+              <a:schemeClr val="accent1">
+                <a:shade val="50000"/>
+              </a:schemeClr>
+            </a:lnRef>
+            <a:fillRef idx="1">
+              <a:schemeClr val="accent1"/>
+            </a:fillRef>
+            <a:effectRef idx="0">
+              <a:schemeClr val="accent1"/>
+            </a:effectRef>
+            <a:fontRef idx="minor">
+              <a:schemeClr val="lt1"/>
+            </a:fontRef>
+          </p:style>
+          <p:txBody>
+            <a:bodyPr rtlCol="0" anchor="ctr"/>
+            <a:lstStyle/>
+            <a:p>
+              <a:pPr algn="ctr"/>
+              <a:endParaRPr lang="en-US"/>
+            </a:p>
+          </p:txBody>
+        </p:sp>
+        <p:sp>
+          <p:nvSpPr>
+            <p:cNvPr id="72" name="Right Bracket 71"/>
+            <p:cNvSpPr/>
+            <p:nvPr/>
+          </p:nvSpPr>
+          <p:spPr>
+            <a:xfrm>
+              <a:off x="1787492" y="984552"/>
+              <a:ext cx="152400" cy="770479"/>
+            </a:xfrm>
+            <a:prstGeom prst="rightBracket">
+              <a:avLst>
+                <a:gd name="adj" fmla="val 0"/>
+              </a:avLst>
+            </a:prstGeom>
+            <a:ln>
+              <a:solidFill>
+                <a:schemeClr val="tx1"/>
+              </a:solidFill>
+            </a:ln>
+          </p:spPr>
+          <p:style>
+            <a:lnRef idx="1">
+              <a:schemeClr val="accent1"/>
+            </a:lnRef>
+            <a:fillRef idx="0">
+              <a:schemeClr val="accent1"/>
+            </a:fillRef>
+            <a:effectRef idx="0">
+              <a:schemeClr val="accent1"/>
+            </a:effectRef>
+            <a:fontRef idx="minor">
+              <a:schemeClr val="tx1"/>
+            </a:fontRef>
+          </p:style>
+          <p:txBody>
+            <a:bodyPr rtlCol="0" anchor="ctr"/>
+            <a:lstStyle/>
+            <a:p>
+              <a:pPr algn="ctr"/>
+              <a:endParaRPr lang="en-US"/>
+            </a:p>
+          </p:txBody>
+        </p:sp>
+        <p:sp>
+          <p:nvSpPr>
+            <p:cNvPr id="83" name="Right Bracket 82"/>
+            <p:cNvSpPr/>
+            <p:nvPr/>
+          </p:nvSpPr>
+          <p:spPr>
+            <a:xfrm>
+              <a:off x="1787492" y="2056696"/>
+              <a:ext cx="152400" cy="770479"/>
+            </a:xfrm>
+            <a:prstGeom prst="rightBracket">
+              <a:avLst>
+                <a:gd name="adj" fmla="val 0"/>
+              </a:avLst>
+            </a:prstGeom>
+            <a:ln>
+              <a:solidFill>
+                <a:schemeClr val="tx1"/>
+              </a:solidFill>
+            </a:ln>
+          </p:spPr>
+          <p:style>
+            <a:lnRef idx="1">
+              <a:schemeClr val="accent1"/>
+            </a:lnRef>
+            <a:fillRef idx="0">
+              <a:schemeClr val="accent1"/>
+            </a:fillRef>
+            <a:effectRef idx="0">
+              <a:schemeClr val="accent1"/>
+            </a:effectRef>
+            <a:fontRef idx="minor">
+              <a:schemeClr val="tx1"/>
+            </a:fontRef>
+          </p:style>
+          <p:txBody>
+            <a:bodyPr rtlCol="0" anchor="ctr"/>
+            <a:lstStyle/>
+            <a:p>
+              <a:pPr algn="ctr"/>
+              <a:endParaRPr lang="en-US"/>
+            </a:p>
+          </p:txBody>
+        </p:sp>
+        <p:sp>
+          <p:nvSpPr>
+            <p:cNvPr id="76" name="Trapezoid 75"/>
+            <p:cNvSpPr/>
+            <p:nvPr/>
+          </p:nvSpPr>
+          <p:spPr>
+            <a:xfrm rot="16200000">
+              <a:off x="2142888" y="1443676"/>
+              <a:ext cx="1246909" cy="313049"/>
+            </a:xfrm>
+            <a:prstGeom prst="trapezoid">
+              <a:avLst>
+                <a:gd name="adj" fmla="val 73682"/>
+              </a:avLst>
+            </a:prstGeom>
+            <a:solidFill>
+              <a:schemeClr val="bg1"/>
+            </a:solidFill>
+            <a:ln w="12700">
+              <a:solidFill>
+                <a:schemeClr val="tx1"/>
+              </a:solidFill>
+            </a:ln>
+          </p:spPr>
+          <p:style>
+            <a:lnRef idx="2">
+              <a:schemeClr val="accent1">
+                <a:shade val="50000"/>
+              </a:schemeClr>
+            </a:lnRef>
+            <a:fillRef idx="1">
+              <a:schemeClr val="accent1"/>
+            </a:fillRef>
+            <a:effectRef idx="0">
+              <a:schemeClr val="accent1"/>
+            </a:effectRef>
+            <a:fontRef idx="minor">
+              <a:schemeClr val="lt1"/>
+            </a:fontRef>
+          </p:style>
+          <p:txBody>
+            <a:bodyPr rtlCol="0" anchor="ctr"/>
+            <a:lstStyle/>
+            <a:p>
+              <a:pPr algn="ctr"/>
+              <a:endParaRPr lang="en-US"/>
+            </a:p>
+          </p:txBody>
+        </p:sp>
+        <p:sp>
+          <p:nvSpPr>
+            <p:cNvPr id="85" name="TextBox 84"/>
+            <p:cNvSpPr txBox="1"/>
+            <p:nvPr/>
+          </p:nvSpPr>
+          <p:spPr>
+            <a:xfrm>
+              <a:off x="2129239" y="698500"/>
+              <a:ext cx="1013978" cy="276999"/>
+            </a:xfrm>
+            <a:prstGeom prst="rect">
+              <a:avLst/>
+            </a:prstGeom>
+            <a:noFill/>
+          </p:spPr>
+          <p:txBody>
+            <a:bodyPr wrap="square" rtlCol="0">
+              <a:spAutoFit/>
+            </a:bodyPr>
+            <a:lstStyle/>
+            <a:p>
+              <a:pPr algn="ctr"/>
+              <a:r>
+                <a:rPr lang="en-US" sz="1200" dirty="0">
+                  <a:latin typeface="Raleway Medium" pitchFamily="34" charset="0"/>
+                </a:rPr>
+                <a:t>Dispatcher</a:t>
+              </a:r>
+              <a:endParaRPr lang="en-US" sz="1200" dirty="0">
+                <a:latin typeface="Raleway Medium" pitchFamily="34" charset="0"/>
+              </a:endParaRPr>
+            </a:p>
+          </p:txBody>
+        </p:sp>
+        <p:cxnSp>
+          <p:nvCxnSpPr>
+            <p:cNvPr id="82" name="Straight Connector 81"/>
+            <p:cNvCxnSpPr/>
+            <p:nvPr/>
+          </p:nvCxnSpPr>
+          <p:spPr>
+            <a:xfrm>
+              <a:off x="1936717" y="1447800"/>
+              <a:ext cx="673100" cy="0"/>
+            </a:xfrm>
+            <a:prstGeom prst="line">
+              <a:avLst/>
+            </a:prstGeom>
+            <a:ln>
+              <a:solidFill>
+                <a:schemeClr val="tx1"/>
+              </a:solidFill>
+              <a:headEnd type="none" w="med" len="med"/>
+              <a:tailEnd type="triangle" w="med" len="med"/>
+            </a:ln>
+          </p:spPr>
+          <p:style>
+            <a:lnRef idx="1">
+              <a:schemeClr val="accent1"/>
+            </a:lnRef>
+            <a:fillRef idx="0">
+              <a:schemeClr val="accent1"/>
+            </a:fillRef>
+            <a:effectRef idx="0">
+              <a:schemeClr val="accent1"/>
+            </a:effectRef>
+            <a:fontRef idx="minor">
+              <a:schemeClr val="tx1"/>
+            </a:fontRef>
+          </p:style>
+        </p:cxnSp>
+        <p:cxnSp>
+          <p:nvCxnSpPr>
+            <p:cNvPr id="89" name="Straight Connector 88"/>
+            <p:cNvCxnSpPr/>
+            <p:nvPr/>
+          </p:nvCxnSpPr>
+          <p:spPr>
+            <a:xfrm>
+              <a:off x="2273267" y="1752600"/>
+              <a:ext cx="336550" cy="0"/>
+            </a:xfrm>
+            <a:prstGeom prst="line">
+              <a:avLst/>
+            </a:prstGeom>
+            <a:ln>
+              <a:solidFill>
+                <a:schemeClr val="tx1"/>
+              </a:solidFill>
+              <a:headEnd type="none" w="med" len="med"/>
+              <a:tailEnd type="triangle" w="med" len="med"/>
+            </a:ln>
+          </p:spPr>
+          <p:style>
+            <a:lnRef idx="1">
+              <a:schemeClr val="accent1"/>
+            </a:lnRef>
+            <a:fillRef idx="0">
+              <a:schemeClr val="accent1"/>
+            </a:fillRef>
+            <a:effectRef idx="0">
+              <a:schemeClr val="accent1"/>
+            </a:effectRef>
+            <a:fontRef idx="minor">
+              <a:schemeClr val="tx1"/>
+            </a:fontRef>
+          </p:style>
+        </p:cxnSp>
+        <p:cxnSp>
+          <p:nvCxnSpPr>
+            <p:cNvPr id="91" name="Straight Connector 90"/>
+            <p:cNvCxnSpPr/>
+            <p:nvPr/>
+          </p:nvCxnSpPr>
+          <p:spPr>
+            <a:xfrm>
+              <a:off x="1944654" y="2371791"/>
+              <a:ext cx="336550" cy="0"/>
+            </a:xfrm>
+            <a:prstGeom prst="line">
+              <a:avLst/>
+            </a:prstGeom>
+            <a:ln>
+              <a:solidFill>
+                <a:schemeClr val="tx1"/>
+              </a:solidFill>
+              <a:headEnd type="none" w="med" len="med"/>
+              <a:tailEnd type="none" w="med" len="med"/>
+            </a:ln>
+          </p:spPr>
+          <p:style>
+            <a:lnRef idx="1">
+              <a:schemeClr val="accent1"/>
+            </a:lnRef>
+            <a:fillRef idx="0">
+              <a:schemeClr val="accent1"/>
+            </a:fillRef>
+            <a:effectRef idx="0">
+              <a:schemeClr val="accent1"/>
+            </a:effectRef>
+            <a:fontRef idx="minor">
+              <a:schemeClr val="tx1"/>
+            </a:fontRef>
+          </p:style>
+        </p:cxnSp>
+        <p:cxnSp>
+          <p:nvCxnSpPr>
+            <p:cNvPr id="93" name="Straight Connector 92"/>
+            <p:cNvCxnSpPr/>
+            <p:nvPr/>
+          </p:nvCxnSpPr>
+          <p:spPr>
+            <a:xfrm flipV="1">
+              <a:off x="2276442" y="1748434"/>
+              <a:ext cx="0" cy="623357"/>
+            </a:xfrm>
+            <a:prstGeom prst="line">
+              <a:avLst/>
+            </a:prstGeom>
+            <a:ln>
+              <a:solidFill>
+                <a:schemeClr val="tx1"/>
+              </a:solidFill>
+              <a:headEnd type="none" w="med" len="med"/>
+              <a:tailEnd type="none" w="med" len="med"/>
+            </a:ln>
+          </p:spPr>
+          <p:style>
+            <a:lnRef idx="1">
+              <a:schemeClr val="accent1"/>
+            </a:lnRef>
+            <a:fillRef idx="0">
+              <a:schemeClr val="accent1"/>
+            </a:fillRef>
+            <a:effectRef idx="0">
+              <a:schemeClr val="accent1"/>
+            </a:effectRef>
+            <a:fontRef idx="minor">
+              <a:schemeClr val="tx1"/>
+            </a:fontRef>
+          </p:style>
+        </p:cxnSp>
+        <p:sp>
+          <p:nvSpPr>
+            <p:cNvPr id="97" name="Rectangle 96"/>
+            <p:cNvSpPr/>
+            <p:nvPr/>
+          </p:nvSpPr>
+          <p:spPr>
+            <a:xfrm>
+              <a:off x="2305017" y="2530197"/>
+              <a:ext cx="541650" cy="313049"/>
+            </a:xfrm>
+            <a:prstGeom prst="rect">
+              <a:avLst/>
+            </a:prstGeom>
+            <a:solidFill>
+              <a:schemeClr val="bg1"/>
+            </a:solidFill>
+            <a:ln w="12700">
+              <a:solidFill>
+                <a:schemeClr val="tx1"/>
+              </a:solidFill>
+            </a:ln>
+          </p:spPr>
+          <p:style>
+            <a:lnRef idx="2">
+              <a:schemeClr val="accent1">
+                <a:shade val="50000"/>
+              </a:schemeClr>
+            </a:lnRef>
+            <a:fillRef idx="1">
+              <a:schemeClr val="accent1"/>
+            </a:fillRef>
+            <a:effectRef idx="0">
+              <a:schemeClr val="accent1"/>
+            </a:effectRef>
+            <a:fontRef idx="minor">
+              <a:schemeClr val="lt1"/>
+            </a:fontRef>
+          </p:style>
+          <p:txBody>
+            <a:bodyPr rtlCol="0" anchor="ctr"/>
+            <a:lstStyle/>
+            <a:p>
+              <a:pPr algn="ctr"/>
+              <a:r>
+                <a:rPr lang="en-US" sz="1200" dirty="0">
+                  <a:solidFill>
+                    <a:schemeClr val="tx1"/>
+                  </a:solidFill>
+                  <a:latin typeface="Raleway Medium" pitchFamily="34" charset="0"/>
+                </a:rPr>
+                <a:t>ID</a:t>
+              </a:r>
+              <a:endParaRPr lang="en-US" sz="1050" dirty="0">
+                <a:solidFill>
+                  <a:schemeClr val="tx1"/>
+                </a:solidFill>
+                <a:latin typeface="Raleway Medium" pitchFamily="34" charset="0"/>
+              </a:endParaRPr>
+            </a:p>
+          </p:txBody>
+        </p:sp>
+        <p:cxnSp>
+          <p:nvCxnSpPr>
+            <p:cNvPr id="98" name="Straight Connector 97"/>
+            <p:cNvCxnSpPr/>
+            <p:nvPr/>
+          </p:nvCxnSpPr>
+          <p:spPr>
+            <a:xfrm flipV="1">
+              <a:off x="2747292" y="1906840"/>
+              <a:ext cx="0" cy="623357"/>
+            </a:xfrm>
+            <a:prstGeom prst="line">
+              <a:avLst/>
+            </a:prstGeom>
+            <a:ln>
+              <a:solidFill>
+                <a:schemeClr val="tx1"/>
+              </a:solidFill>
+              <a:prstDash val="sysDash"/>
+              <a:headEnd type="none" w="med" len="med"/>
+              <a:tailEnd type="arrow" w="med" len="med"/>
+            </a:ln>
+          </p:spPr>
+          <p:style>
+            <a:lnRef idx="1">
+              <a:schemeClr val="accent1"/>
+            </a:lnRef>
+            <a:fillRef idx="0">
+              <a:schemeClr val="accent1"/>
+            </a:fillRef>
+            <a:effectRef idx="0">
+              <a:schemeClr val="accent1"/>
+            </a:effectRef>
+            <a:fontRef idx="minor">
+              <a:schemeClr val="tx1"/>
+            </a:fontRef>
+          </p:style>
+        </p:cxnSp>
+        <p:sp>
+          <p:nvSpPr>
+            <p:cNvPr id="94" name="Oval 93"/>
+            <p:cNvSpPr/>
+            <p:nvPr/>
+          </p:nvSpPr>
+          <p:spPr>
+            <a:xfrm>
+              <a:off x="2382803" y="1298549"/>
+              <a:ext cx="60325" cy="597325"/>
+            </a:xfrm>
+            <a:prstGeom prst="ellipse">
+              <a:avLst/>
+            </a:prstGeom>
+            <a:solidFill>
+              <a:schemeClr val="tx1">
+                <a:alpha val="34000"/>
+              </a:schemeClr>
+            </a:solidFill>
+            <a:ln w="12700">
+              <a:solidFill>
+                <a:schemeClr val="tx1"/>
+              </a:solidFill>
+            </a:ln>
+          </p:spPr>
+          <p:style>
+            <a:lnRef idx="2">
+              <a:schemeClr val="accent1">
+                <a:shade val="50000"/>
+              </a:schemeClr>
+            </a:lnRef>
+            <a:fillRef idx="1">
+              <a:schemeClr val="accent1"/>
+            </a:fillRef>
+            <a:effectRef idx="0">
+              <a:schemeClr val="accent1"/>
+            </a:effectRef>
+            <a:fontRef idx="minor">
+              <a:schemeClr val="lt1"/>
+            </a:fontRef>
+          </p:style>
+          <p:txBody>
+            <a:bodyPr rtlCol="0" anchor="ctr"/>
+            <a:lstStyle/>
+            <a:p>
+              <a:pPr algn="ctr"/>
+              <a:endParaRPr lang="en-US"/>
+            </a:p>
+          </p:txBody>
+        </p:sp>
+        <p:cxnSp>
+          <p:nvCxnSpPr>
+            <p:cNvPr id="100" name="Straight Connector 99"/>
+            <p:cNvCxnSpPr/>
+            <p:nvPr/>
+          </p:nvCxnSpPr>
+          <p:spPr>
+            <a:xfrm flipV="1">
+              <a:off x="2410742" y="1891243"/>
+              <a:ext cx="0" cy="623357"/>
+            </a:xfrm>
+            <a:prstGeom prst="line">
+              <a:avLst/>
+            </a:prstGeom>
+            <a:ln>
+              <a:solidFill>
+                <a:schemeClr val="tx1"/>
+              </a:solidFill>
+              <a:prstDash val="sysDash"/>
+              <a:headEnd type="arrow" w="med" len="med"/>
+              <a:tailEnd type="none" w="med" len="med"/>
+            </a:ln>
+          </p:spPr>
+          <p:style>
+            <a:lnRef idx="1">
+              <a:schemeClr val="accent1"/>
+            </a:lnRef>
+            <a:fillRef idx="0">
+              <a:schemeClr val="accent1"/>
+            </a:fillRef>
+            <a:effectRef idx="0">
+              <a:schemeClr val="accent1"/>
+            </a:effectRef>
+            <a:fontRef idx="minor">
+              <a:schemeClr val="tx1"/>
+            </a:fontRef>
+          </p:style>
+        </p:cxnSp>
+        <p:sp>
+          <p:nvSpPr>
+            <p:cNvPr id="105" name="Rectangle 104"/>
+            <p:cNvSpPr/>
+            <p:nvPr/>
+          </p:nvSpPr>
+          <p:spPr>
+            <a:xfrm>
+              <a:off x="3524217" y="975499"/>
+              <a:ext cx="1524000" cy="251647"/>
+            </a:xfrm>
+            <a:prstGeom prst="rect">
+              <a:avLst/>
+            </a:prstGeom>
+            <a:solidFill>
+              <a:schemeClr val="bg1"/>
+            </a:solidFill>
+            <a:ln w="12700">
+              <a:solidFill>
+                <a:schemeClr val="tx1"/>
+              </a:solidFill>
+            </a:ln>
+          </p:spPr>
+          <p:style>
+            <a:lnRef idx="2">
+              <a:schemeClr val="accent1">
+                <a:shade val="50000"/>
+              </a:schemeClr>
+            </a:lnRef>
+            <a:fillRef idx="1">
+              <a:schemeClr val="accent1"/>
+            </a:fillRef>
+            <a:effectRef idx="0">
+              <a:schemeClr val="accent1"/>
+            </a:effectRef>
+            <a:fontRef idx="minor">
+              <a:schemeClr val="lt1"/>
+            </a:fontRef>
+          </p:style>
+          <p:txBody>
+            <a:bodyPr rtlCol="0" anchor="ctr"/>
+            <a:lstStyle/>
+            <a:p>
+              <a:pPr algn="r"/>
+              <a:r>
+                <a:rPr lang="en-US" sz="1400" dirty="0">
+                  <a:solidFill>
+                    <a:schemeClr val="tx1"/>
+                  </a:solidFill>
+                  <a:latin typeface="Raleway Medium" pitchFamily="34" charset="0"/>
+                </a:rPr>
+                <a:t>Queue 0</a:t>
+              </a:r>
+              <a:endParaRPr lang="en-US" sz="1400" dirty="0">
+                <a:solidFill>
+                  <a:schemeClr val="tx1"/>
+                </a:solidFill>
+                <a:latin typeface="Raleway Medium" pitchFamily="34" charset="0"/>
+              </a:endParaRPr>
+            </a:p>
+          </p:txBody>
+        </p:sp>
+        <p:sp>
+          <p:nvSpPr>
+            <p:cNvPr id="106" name="Rectangle 105"/>
+            <p:cNvSpPr/>
+            <p:nvPr/>
+          </p:nvSpPr>
+          <p:spPr>
+            <a:xfrm>
+              <a:off x="3524217" y="1972007"/>
+              <a:ext cx="1524000" cy="251647"/>
+            </a:xfrm>
+            <a:prstGeom prst="rect">
+              <a:avLst/>
+            </a:prstGeom>
+            <a:solidFill>
+              <a:schemeClr val="bg1"/>
+            </a:solidFill>
+            <a:ln w="12700">
+              <a:solidFill>
+                <a:schemeClr val="tx1"/>
+              </a:solidFill>
+            </a:ln>
+          </p:spPr>
+          <p:style>
+            <a:lnRef idx="2">
+              <a:schemeClr val="accent1">
+                <a:shade val="50000"/>
+              </a:schemeClr>
+            </a:lnRef>
+            <a:fillRef idx="1">
+              <a:schemeClr val="accent1"/>
+            </a:fillRef>
+            <a:effectRef idx="0">
+              <a:schemeClr val="accent1"/>
+            </a:effectRef>
+            <a:fontRef idx="minor">
+              <a:schemeClr val="lt1"/>
+            </a:fontRef>
+          </p:style>
+          <p:txBody>
+            <a:bodyPr rtlCol="0" anchor="ctr"/>
+            <a:lstStyle/>
+            <a:p>
+              <a:pPr algn="r"/>
+              <a:r>
+                <a:rPr lang="en-US" sz="1400" dirty="0">
+                  <a:solidFill>
+                    <a:schemeClr val="tx1"/>
+                  </a:solidFill>
+                  <a:latin typeface="Raleway Medium" pitchFamily="34" charset="0"/>
+                </a:rPr>
+                <a:t>Queue 3</a:t>
+              </a:r>
+              <a:endParaRPr lang="en-US" sz="1400" dirty="0">
+                <a:solidFill>
+                  <a:schemeClr val="tx1"/>
+                </a:solidFill>
+                <a:latin typeface="Raleway Medium" pitchFamily="34" charset="0"/>
+              </a:endParaRPr>
+            </a:p>
+          </p:txBody>
+        </p:sp>
+        <p:sp>
+          <p:nvSpPr>
+            <p:cNvPr id="107" name="Rectangle 106"/>
+            <p:cNvSpPr/>
+            <p:nvPr/>
+          </p:nvSpPr>
+          <p:spPr>
+            <a:xfrm>
+              <a:off x="3524217" y="1313655"/>
+              <a:ext cx="1524000" cy="251647"/>
+            </a:xfrm>
+            <a:prstGeom prst="rect">
+              <a:avLst/>
+            </a:prstGeom>
+            <a:solidFill>
+              <a:schemeClr val="bg1"/>
+            </a:solidFill>
+            <a:ln w="12700">
+              <a:solidFill>
+                <a:schemeClr val="tx1"/>
+              </a:solidFill>
+            </a:ln>
+          </p:spPr>
+          <p:style>
+            <a:lnRef idx="2">
+              <a:schemeClr val="accent1">
+                <a:shade val="50000"/>
+              </a:schemeClr>
+            </a:lnRef>
+            <a:fillRef idx="1">
+              <a:schemeClr val="accent1"/>
+            </a:fillRef>
+            <a:effectRef idx="0">
+              <a:schemeClr val="accent1"/>
+            </a:effectRef>
+            <a:fontRef idx="minor">
+              <a:schemeClr val="lt1"/>
+            </a:fontRef>
+          </p:style>
+          <p:txBody>
+            <a:bodyPr rtlCol="0" anchor="ctr"/>
+            <a:lstStyle/>
+            <a:p>
+              <a:pPr algn="r"/>
+              <a:r>
+                <a:rPr lang="en-US" sz="1400" dirty="0">
+                  <a:solidFill>
+                    <a:schemeClr val="tx1"/>
+                  </a:solidFill>
+                  <a:latin typeface="Raleway Medium" pitchFamily="34" charset="0"/>
+                </a:rPr>
+                <a:t>Queue 1</a:t>
+              </a:r>
+              <a:endParaRPr lang="en-US" sz="1400" dirty="0">
+                <a:solidFill>
+                  <a:schemeClr val="tx1"/>
+                </a:solidFill>
+                <a:latin typeface="Raleway Medium" pitchFamily="34" charset="0"/>
+              </a:endParaRPr>
+            </a:p>
+          </p:txBody>
+        </p:sp>
+        <p:sp>
+          <p:nvSpPr>
+            <p:cNvPr id="108" name="Rectangle 107"/>
+            <p:cNvSpPr/>
+            <p:nvPr/>
+          </p:nvSpPr>
+          <p:spPr>
+            <a:xfrm>
+              <a:off x="3524217" y="1631989"/>
+              <a:ext cx="1524000" cy="251647"/>
+            </a:xfrm>
+            <a:prstGeom prst="rect">
+              <a:avLst/>
+            </a:prstGeom>
+            <a:solidFill>
+              <a:schemeClr val="bg1"/>
+            </a:solidFill>
+            <a:ln w="12700">
+              <a:solidFill>
+                <a:schemeClr val="tx1"/>
+              </a:solidFill>
+            </a:ln>
+          </p:spPr>
+          <p:style>
+            <a:lnRef idx="2">
+              <a:schemeClr val="accent1">
+                <a:shade val="50000"/>
+              </a:schemeClr>
+            </a:lnRef>
+            <a:fillRef idx="1">
+              <a:schemeClr val="accent1"/>
+            </a:fillRef>
+            <a:effectRef idx="0">
+              <a:schemeClr val="accent1"/>
+            </a:effectRef>
+            <a:fontRef idx="minor">
+              <a:schemeClr val="lt1"/>
+            </a:fontRef>
+          </p:style>
+          <p:txBody>
+            <a:bodyPr rtlCol="0" anchor="ctr"/>
+            <a:lstStyle/>
+            <a:p>
+              <a:pPr algn="r"/>
+              <a:r>
+                <a:rPr lang="en-US" sz="1400" dirty="0">
+                  <a:solidFill>
+                    <a:schemeClr val="tx1"/>
+                  </a:solidFill>
+                  <a:latin typeface="Raleway Medium" pitchFamily="34" charset="0"/>
+                </a:rPr>
+                <a:t>Queue 2</a:t>
+              </a:r>
+              <a:endParaRPr lang="en-US" sz="1400" dirty="0">
+                <a:solidFill>
+                  <a:schemeClr val="tx1"/>
+                </a:solidFill>
+                <a:latin typeface="Raleway Medium" pitchFamily="34" charset="0"/>
+              </a:endParaRPr>
+            </a:p>
+          </p:txBody>
+        </p:sp>
+        <p:grpSp>
+          <p:nvGrpSpPr>
+            <p:cNvPr id="109" name="Group 108"/>
+            <p:cNvGrpSpPr/>
+            <p:nvPr/>
+          </p:nvGrpSpPr>
+          <p:grpSpPr>
+            <a:xfrm>
+              <a:off x="2922867" y="1139422"/>
+              <a:ext cx="601350" cy="996508"/>
+              <a:chOff x="3361050" y="1139422"/>
+              <a:chExt cx="448950" cy="996508"/>
+            </a:xfrm>
+          </p:grpSpPr>
+          <p:cxnSp>
+            <p:nvCxnSpPr>
+              <p:cNvPr id="110" name="Straight Connector 109"/>
+              <p:cNvCxnSpPr/>
+              <p:nvPr/>
+            </p:nvCxnSpPr>
+            <p:spPr>
+              <a:xfrm>
+                <a:off x="3361050" y="1139422"/>
+                <a:ext cx="448950" cy="0"/>
+              </a:xfrm>
+              <a:prstGeom prst="line">
+                <a:avLst/>
+              </a:prstGeom>
+              <a:ln>
+                <a:solidFill>
+                  <a:schemeClr val="tx1"/>
+                </a:solidFill>
+                <a:headEnd type="none" w="med" len="med"/>
+                <a:tailEnd type="triangle" w="med" len="med"/>
+              </a:ln>
+            </p:spPr>
+            <p:style>
+              <a:lnRef idx="1">
+                <a:schemeClr val="accent1"/>
+              </a:lnRef>
+              <a:fillRef idx="0">
+                <a:schemeClr val="accent1"/>
+              </a:fillRef>
+              <a:effectRef idx="0">
+                <a:schemeClr val="accent1"/>
+              </a:effectRef>
+              <a:fontRef idx="minor">
+                <a:schemeClr val="tx1"/>
+              </a:fontRef>
+            </p:style>
+          </p:cxnSp>
+          <p:cxnSp>
+            <p:nvCxnSpPr>
+              <p:cNvPr id="112" name="Straight Connector 111"/>
+              <p:cNvCxnSpPr/>
+              <p:nvPr/>
+            </p:nvCxnSpPr>
+            <p:spPr>
+              <a:xfrm>
+                <a:off x="3361050" y="1477578"/>
+                <a:ext cx="448950" cy="0"/>
+              </a:xfrm>
+              <a:prstGeom prst="line">
+                <a:avLst/>
+              </a:prstGeom>
+              <a:ln>
+                <a:solidFill>
+                  <a:schemeClr val="tx1"/>
+                </a:solidFill>
+                <a:headEnd type="none" w="med" len="med"/>
+                <a:tailEnd type="triangle" w="med" len="med"/>
+              </a:ln>
+            </p:spPr>
+            <p:style>
+              <a:lnRef idx="1">
+                <a:schemeClr val="accent1"/>
+              </a:lnRef>
+              <a:fillRef idx="0">
+                <a:schemeClr val="accent1"/>
+              </a:fillRef>
+              <a:effectRef idx="0">
+                <a:schemeClr val="accent1"/>
+              </a:effectRef>
+              <a:fontRef idx="minor">
+                <a:schemeClr val="tx1"/>
+              </a:fontRef>
+            </p:style>
+          </p:cxnSp>
+          <p:cxnSp>
+            <p:nvCxnSpPr>
+              <p:cNvPr id="113" name="Straight Connector 112"/>
+              <p:cNvCxnSpPr/>
+              <p:nvPr/>
+            </p:nvCxnSpPr>
+            <p:spPr>
+              <a:xfrm>
+                <a:off x="3361050" y="1797114"/>
+                <a:ext cx="448950" cy="0"/>
+              </a:xfrm>
+              <a:prstGeom prst="line">
+                <a:avLst/>
+              </a:prstGeom>
+              <a:ln>
+                <a:solidFill>
+                  <a:schemeClr val="tx1"/>
+                </a:solidFill>
+                <a:headEnd type="none" w="med" len="med"/>
+                <a:tailEnd type="triangle" w="med" len="med"/>
+              </a:ln>
+            </p:spPr>
+            <p:style>
+              <a:lnRef idx="1">
+                <a:schemeClr val="accent1"/>
+              </a:lnRef>
+              <a:fillRef idx="0">
+                <a:schemeClr val="accent1"/>
+              </a:fillRef>
+              <a:effectRef idx="0">
+                <a:schemeClr val="accent1"/>
+              </a:effectRef>
+              <a:fontRef idx="minor">
+                <a:schemeClr val="tx1"/>
+              </a:fontRef>
+            </p:style>
+          </p:cxnSp>
+          <p:cxnSp>
+            <p:nvCxnSpPr>
+              <p:cNvPr id="114" name="Straight Connector 113"/>
+              <p:cNvCxnSpPr/>
+              <p:nvPr/>
+            </p:nvCxnSpPr>
+            <p:spPr>
+              <a:xfrm>
+                <a:off x="3361050" y="2135930"/>
+                <a:ext cx="448950" cy="0"/>
+              </a:xfrm>
+              <a:prstGeom prst="line">
+                <a:avLst/>
+              </a:prstGeom>
+              <a:ln>
+                <a:solidFill>
+                  <a:schemeClr val="tx1"/>
+                </a:solidFill>
+                <a:headEnd type="none" w="med" len="med"/>
+                <a:tailEnd type="triangle" w="med" len="med"/>
+              </a:ln>
+            </p:spPr>
+            <p:style>
+              <a:lnRef idx="1">
+                <a:schemeClr val="accent1"/>
+              </a:lnRef>
+              <a:fillRef idx="0">
+                <a:schemeClr val="accent1"/>
+              </a:fillRef>
+              <a:effectRef idx="0">
+                <a:schemeClr val="accent1"/>
+              </a:effectRef>
+              <a:fontRef idx="minor">
+                <a:schemeClr val="tx1"/>
+              </a:fontRef>
+            </p:style>
+          </p:cxnSp>
+        </p:grpSp>
+        <p:grpSp>
+          <p:nvGrpSpPr>
+            <p:cNvPr id="111" name="Group 110"/>
+            <p:cNvGrpSpPr/>
+            <p:nvPr/>
+          </p:nvGrpSpPr>
+          <p:grpSpPr>
+            <a:xfrm>
+              <a:off x="2910689" y="919833"/>
+              <a:ext cx="555414" cy="1242413"/>
+              <a:chOff x="3292148" y="919833"/>
+              <a:chExt cx="568910" cy="1242413"/>
+            </a:xfrm>
+          </p:grpSpPr>
+          <p:sp>
+            <p:nvSpPr>
+              <p:cNvPr id="104" name="Rectangle 103"/>
+              <p:cNvSpPr/>
+              <p:nvPr/>
+            </p:nvSpPr>
+            <p:spPr>
+              <a:xfrm>
+                <a:off x="3300823" y="919833"/>
+                <a:ext cx="560235" cy="253916"/>
+              </a:xfrm>
+              <a:prstGeom prst="rect">
+                <a:avLst/>
+              </a:prstGeom>
+            </p:spPr>
+            <p:txBody>
+              <a:bodyPr wrap="none">
+                <a:spAutoFit/>
+              </a:bodyPr>
+              <a:lstStyle/>
+              <a:p>
+                <a:pPr algn="ctr"/>
+                <a:r>
+                  <a:rPr lang="en-US" sz="1050" i="1" dirty="0">
+                    <a:latin typeface="Raleway Medium" pitchFamily="34" charset="0"/>
+                  </a:rPr>
+                  <a:t>ID = 0</a:t>
+                </a:r>
+                <a:endParaRPr lang="en-US" sz="900" i="1" dirty="0">
+                  <a:latin typeface="Raleway Medium" pitchFamily="34" charset="0"/>
+                </a:endParaRPr>
+              </a:p>
+            </p:txBody>
+          </p:sp>
+          <p:sp>
+            <p:nvSpPr>
+              <p:cNvPr id="117" name="Rectangle 116"/>
+              <p:cNvSpPr/>
+              <p:nvPr/>
+            </p:nvSpPr>
+            <p:spPr>
+              <a:xfrm>
+                <a:off x="3292149" y="1240113"/>
+                <a:ext cx="560235" cy="253916"/>
+              </a:xfrm>
+              <a:prstGeom prst="rect">
+                <a:avLst/>
+              </a:prstGeom>
+            </p:spPr>
+            <p:txBody>
+              <a:bodyPr wrap="none">
+                <a:spAutoFit/>
+              </a:bodyPr>
+              <a:lstStyle/>
+              <a:p>
+                <a:pPr algn="ctr"/>
+                <a:r>
+                  <a:rPr lang="en-US" sz="1050" i="1" dirty="0">
+                    <a:latin typeface="Raleway Medium" pitchFamily="34" charset="0"/>
+                  </a:rPr>
+                  <a:t>ID = 1</a:t>
+                </a:r>
+                <a:endParaRPr lang="en-US" sz="900" i="1" dirty="0">
+                  <a:latin typeface="Raleway Medium" pitchFamily="34" charset="0"/>
+                </a:endParaRPr>
+              </a:p>
+            </p:txBody>
+          </p:sp>
+          <p:sp>
+            <p:nvSpPr>
+              <p:cNvPr id="118" name="Rectangle 117"/>
+              <p:cNvSpPr/>
+              <p:nvPr/>
+            </p:nvSpPr>
+            <p:spPr>
+              <a:xfrm>
+                <a:off x="3292148" y="1566333"/>
+                <a:ext cx="560236" cy="253916"/>
+              </a:xfrm>
+              <a:prstGeom prst="rect">
+                <a:avLst/>
+              </a:prstGeom>
+            </p:spPr>
+            <p:txBody>
+              <a:bodyPr wrap="none">
+                <a:spAutoFit/>
+              </a:bodyPr>
+              <a:lstStyle/>
+              <a:p>
+                <a:pPr algn="ctr"/>
+                <a:r>
+                  <a:rPr lang="en-US" sz="1050" i="1" dirty="0">
+                    <a:latin typeface="Raleway Medium" pitchFamily="34" charset="0"/>
+                  </a:rPr>
+                  <a:t>ID = 2</a:t>
+                </a:r>
+                <a:endParaRPr lang="en-US" sz="900" i="1" dirty="0">
+                  <a:latin typeface="Raleway Medium" pitchFamily="34" charset="0"/>
+                </a:endParaRPr>
+              </a:p>
+            </p:txBody>
+          </p:sp>
+          <p:sp>
+            <p:nvSpPr>
+              <p:cNvPr id="119" name="Rectangle 118"/>
+              <p:cNvSpPr/>
+              <p:nvPr/>
+            </p:nvSpPr>
+            <p:spPr>
+              <a:xfrm>
+                <a:off x="3292149" y="1908330"/>
+                <a:ext cx="560235" cy="253916"/>
+              </a:xfrm>
+              <a:prstGeom prst="rect">
+                <a:avLst/>
+              </a:prstGeom>
+            </p:spPr>
+            <p:txBody>
+              <a:bodyPr wrap="none">
+                <a:spAutoFit/>
+              </a:bodyPr>
+              <a:lstStyle/>
+              <a:p>
+                <a:pPr algn="ctr"/>
+                <a:r>
+                  <a:rPr lang="en-US" sz="1050" i="1" dirty="0">
+                    <a:latin typeface="Raleway Medium" pitchFamily="34" charset="0"/>
+                  </a:rPr>
+                  <a:t>ID = 3</a:t>
+                </a:r>
+                <a:endParaRPr lang="en-US" sz="900" i="1" dirty="0">
+                  <a:latin typeface="Raleway Medium" pitchFamily="34" charset="0"/>
+                </a:endParaRPr>
+              </a:p>
+            </p:txBody>
+          </p:sp>
+        </p:grpSp>
+        <p:sp>
+          <p:nvSpPr>
+            <p:cNvPr id="121" name="TextBox 120"/>
+            <p:cNvSpPr txBox="1"/>
+            <p:nvPr/>
+          </p:nvSpPr>
+          <p:spPr>
+            <a:xfrm>
+              <a:off x="3143218" y="698500"/>
+              <a:ext cx="2133600" cy="276999"/>
+            </a:xfrm>
+            <a:prstGeom prst="rect">
+              <a:avLst/>
+            </a:prstGeom>
+            <a:noFill/>
+          </p:spPr>
+          <p:txBody>
+            <a:bodyPr wrap="square" rtlCol="0">
+              <a:spAutoFit/>
+            </a:bodyPr>
+            <a:lstStyle/>
+            <a:p>
+              <a:pPr algn="ctr"/>
+              <a:r>
+                <a:rPr lang="en-US" sz="1200" dirty="0">
+                  <a:latin typeface="Raleway Medium" pitchFamily="34" charset="0"/>
+                </a:rPr>
+                <a:t>Queues</a:t>
+              </a:r>
+              <a:endParaRPr lang="en-US" sz="1200" dirty="0">
+                <a:latin typeface="Raleway Medium" pitchFamily="34" charset="0"/>
+              </a:endParaRPr>
+            </a:p>
+          </p:txBody>
+        </p:sp>
+        <p:sp>
+          <p:nvSpPr>
+            <p:cNvPr id="122" name="Trapezoid 121"/>
+            <p:cNvSpPr/>
+            <p:nvPr/>
+          </p:nvSpPr>
+          <p:spPr>
+            <a:xfrm rot="5400000">
+              <a:off x="6028048" y="1443676"/>
+              <a:ext cx="1246909" cy="313049"/>
+            </a:xfrm>
+            <a:prstGeom prst="trapezoid">
+              <a:avLst>
+                <a:gd name="adj" fmla="val 73682"/>
+              </a:avLst>
+            </a:prstGeom>
+            <a:solidFill>
+              <a:schemeClr val="bg1"/>
+            </a:solidFill>
+            <a:ln w="12700">
+              <a:solidFill>
+                <a:schemeClr val="tx1"/>
+              </a:solidFill>
+            </a:ln>
+          </p:spPr>
+          <p:style>
+            <a:lnRef idx="2">
+              <a:schemeClr val="accent1">
+                <a:shade val="50000"/>
+              </a:schemeClr>
+            </a:lnRef>
+            <a:fillRef idx="1">
+              <a:schemeClr val="accent1"/>
+            </a:fillRef>
+            <a:effectRef idx="0">
+              <a:schemeClr val="accent1"/>
+            </a:effectRef>
+            <a:fontRef idx="minor">
+              <a:schemeClr val="lt1"/>
+            </a:fontRef>
+          </p:style>
+          <p:txBody>
+            <a:bodyPr rtlCol="0" anchor="ctr"/>
+            <a:lstStyle/>
+            <a:p>
+              <a:pPr algn="ctr"/>
+              <a:endParaRPr lang="en-US"/>
+            </a:p>
+          </p:txBody>
+        </p:sp>
+        <p:sp>
+          <p:nvSpPr>
+            <p:cNvPr id="123" name="TextBox 122"/>
+            <p:cNvSpPr txBox="1"/>
+            <p:nvPr/>
+          </p:nvSpPr>
+          <p:spPr>
+            <a:xfrm>
+              <a:off x="6032173" y="698500"/>
+              <a:ext cx="1066800" cy="276999"/>
+            </a:xfrm>
+            <a:prstGeom prst="rect">
+              <a:avLst/>
+            </a:prstGeom>
+            <a:noFill/>
+          </p:spPr>
+          <p:txBody>
+            <a:bodyPr wrap="square" rtlCol="0">
+              <a:spAutoFit/>
+            </a:bodyPr>
+            <a:lstStyle/>
+            <a:p>
+              <a:pPr algn="ctr"/>
+              <a:r>
+                <a:rPr lang="en-US" sz="1200" dirty="0">
+                  <a:latin typeface="Raleway Medium" pitchFamily="34" charset="0"/>
+                </a:rPr>
+                <a:t>Selector</a:t>
+              </a:r>
+              <a:endParaRPr lang="en-US" sz="1200" dirty="0">
+                <a:latin typeface="Raleway Medium" pitchFamily="34" charset="0"/>
+              </a:endParaRPr>
+            </a:p>
+          </p:txBody>
+        </p:sp>
+        <p:sp>
+          <p:nvSpPr>
+            <p:cNvPr id="127" name="Rectangle 126"/>
+            <p:cNvSpPr/>
+            <p:nvPr/>
+          </p:nvSpPr>
+          <p:spPr>
+            <a:xfrm>
+              <a:off x="3524217" y="2514600"/>
+              <a:ext cx="1524000" cy="313049"/>
+            </a:xfrm>
+            <a:prstGeom prst="rect">
+              <a:avLst/>
+            </a:prstGeom>
+            <a:solidFill>
+              <a:schemeClr val="bg1"/>
+            </a:solidFill>
+            <a:ln w="12700">
+              <a:solidFill>
+                <a:schemeClr val="tx1"/>
+              </a:solidFill>
+            </a:ln>
+          </p:spPr>
+          <p:style>
+            <a:lnRef idx="2">
+              <a:schemeClr val="accent1">
+                <a:shade val="50000"/>
+              </a:schemeClr>
+            </a:lnRef>
+            <a:fillRef idx="1">
+              <a:schemeClr val="accent1"/>
+            </a:fillRef>
+            <a:effectRef idx="0">
+              <a:schemeClr val="accent1"/>
+            </a:effectRef>
+            <a:fontRef idx="minor">
+              <a:schemeClr val="lt1"/>
+            </a:fontRef>
+          </p:style>
+          <p:txBody>
+            <a:bodyPr rtlCol="0" anchor="ctr"/>
+            <a:lstStyle/>
+            <a:p>
+              <a:pPr algn="ctr"/>
+              <a:r>
+                <a:rPr lang="en-US" sz="1100" dirty="0">
+                  <a:solidFill>
+                    <a:schemeClr val="tx1"/>
+                  </a:solidFill>
+                  <a:latin typeface="Raleway Medium" pitchFamily="34" charset="0"/>
+                </a:rPr>
+                <a:t>Threshold detection</a:t>
+              </a:r>
+              <a:endParaRPr lang="en-US" sz="1000" dirty="0">
+                <a:solidFill>
+                  <a:schemeClr val="tx1"/>
+                </a:solidFill>
+                <a:latin typeface="Raleway Medium" pitchFamily="34" charset="0"/>
+              </a:endParaRPr>
+            </a:p>
+          </p:txBody>
+        </p:sp>
+        <p:sp>
+          <p:nvSpPr>
+            <p:cNvPr id="87" name="Oval 86"/>
+            <p:cNvSpPr/>
+            <p:nvPr/>
+          </p:nvSpPr>
+          <p:spPr>
+            <a:xfrm>
+              <a:off x="3621846" y="937077"/>
+              <a:ext cx="60325" cy="337175"/>
+            </a:xfrm>
+            <a:prstGeom prst="ellipse">
+              <a:avLst/>
+            </a:prstGeom>
+            <a:solidFill>
+              <a:schemeClr val="tx1">
+                <a:alpha val="34000"/>
+              </a:schemeClr>
+            </a:solidFill>
+            <a:ln w="12700">
+              <a:solidFill>
+                <a:schemeClr val="tx1"/>
+              </a:solidFill>
+            </a:ln>
+          </p:spPr>
+          <p:style>
+            <a:lnRef idx="2">
+              <a:schemeClr val="accent1">
+                <a:shade val="50000"/>
+              </a:schemeClr>
+            </a:lnRef>
+            <a:fillRef idx="1">
+              <a:schemeClr val="accent1"/>
+            </a:fillRef>
+            <a:effectRef idx="0">
+              <a:schemeClr val="accent1"/>
+            </a:effectRef>
+            <a:fontRef idx="minor">
+              <a:schemeClr val="lt1"/>
+            </a:fontRef>
+          </p:style>
+          <p:txBody>
+            <a:bodyPr rtlCol="0" anchor="ctr"/>
+            <a:lstStyle/>
+            <a:p>
+              <a:pPr algn="ctr"/>
+              <a:endParaRPr lang="en-US"/>
+            </a:p>
+          </p:txBody>
+        </p:sp>
+        <p:sp>
+          <p:nvSpPr>
+            <p:cNvPr id="88" name="Oval 87"/>
+            <p:cNvSpPr/>
+            <p:nvPr/>
+          </p:nvSpPr>
+          <p:spPr>
+            <a:xfrm>
+              <a:off x="3698050" y="1279212"/>
+              <a:ext cx="60325" cy="337175"/>
+            </a:xfrm>
+            <a:prstGeom prst="ellipse">
+              <a:avLst/>
+            </a:prstGeom>
+            <a:solidFill>
+              <a:schemeClr val="tx1">
+                <a:alpha val="34000"/>
+              </a:schemeClr>
+            </a:solidFill>
+            <a:ln w="12700">
+              <a:solidFill>
+                <a:schemeClr val="tx1"/>
+              </a:solidFill>
+            </a:ln>
+          </p:spPr>
+          <p:style>
+            <a:lnRef idx="2">
+              <a:schemeClr val="accent1">
+                <a:shade val="50000"/>
+              </a:schemeClr>
+            </a:lnRef>
+            <a:fillRef idx="1">
+              <a:schemeClr val="accent1"/>
+            </a:fillRef>
+            <a:effectRef idx="0">
+              <a:schemeClr val="accent1"/>
+            </a:effectRef>
+            <a:fontRef idx="minor">
+              <a:schemeClr val="lt1"/>
+            </a:fontRef>
+          </p:style>
+          <p:txBody>
+            <a:bodyPr rtlCol="0" anchor="ctr"/>
+            <a:lstStyle/>
+            <a:p>
+              <a:pPr algn="ctr"/>
+              <a:endParaRPr lang="en-US"/>
+            </a:p>
+          </p:txBody>
+        </p:sp>
+        <p:sp>
+          <p:nvSpPr>
+            <p:cNvPr id="90" name="Oval 89"/>
+            <p:cNvSpPr/>
+            <p:nvPr/>
+          </p:nvSpPr>
+          <p:spPr>
+            <a:xfrm>
+              <a:off x="3768692" y="1587107"/>
+              <a:ext cx="60325" cy="337175"/>
+            </a:xfrm>
+            <a:prstGeom prst="ellipse">
+              <a:avLst/>
+            </a:prstGeom>
+            <a:solidFill>
+              <a:schemeClr val="tx1">
+                <a:alpha val="34000"/>
+              </a:schemeClr>
+            </a:solidFill>
+            <a:ln w="12700">
+              <a:solidFill>
+                <a:schemeClr val="tx1"/>
+              </a:solidFill>
+            </a:ln>
+          </p:spPr>
+          <p:style>
+            <a:lnRef idx="2">
+              <a:schemeClr val="accent1">
+                <a:shade val="50000"/>
+              </a:schemeClr>
+            </a:lnRef>
+            <a:fillRef idx="1">
+              <a:schemeClr val="accent1"/>
+            </a:fillRef>
+            <a:effectRef idx="0">
+              <a:schemeClr val="accent1"/>
+            </a:effectRef>
+            <a:fontRef idx="minor">
+              <a:schemeClr val="lt1"/>
+            </a:fontRef>
+          </p:style>
+          <p:txBody>
+            <a:bodyPr rtlCol="0" anchor="ctr"/>
+            <a:lstStyle/>
+            <a:p>
+              <a:pPr algn="ctr"/>
+              <a:endParaRPr lang="en-US"/>
+            </a:p>
+          </p:txBody>
+        </p:sp>
+        <p:sp>
+          <p:nvSpPr>
+            <p:cNvPr id="92" name="Oval 91"/>
+            <p:cNvSpPr/>
+            <p:nvPr/>
+          </p:nvSpPr>
+          <p:spPr>
+            <a:xfrm>
+              <a:off x="3844892" y="1929242"/>
+              <a:ext cx="60325" cy="337175"/>
+            </a:xfrm>
+            <a:prstGeom prst="ellipse">
+              <a:avLst/>
+            </a:prstGeom>
+            <a:solidFill>
+              <a:schemeClr val="tx1">
+                <a:alpha val="34000"/>
+              </a:schemeClr>
+            </a:solidFill>
+            <a:ln w="12700">
+              <a:solidFill>
+                <a:schemeClr val="tx1"/>
+              </a:solidFill>
+            </a:ln>
+          </p:spPr>
+          <p:style>
+            <a:lnRef idx="2">
+              <a:schemeClr val="accent1">
+                <a:shade val="50000"/>
+              </a:schemeClr>
+            </a:lnRef>
+            <a:fillRef idx="1">
+              <a:schemeClr val="accent1"/>
+            </a:fillRef>
+            <a:effectRef idx="0">
+              <a:schemeClr val="accent1"/>
+            </a:effectRef>
+            <a:fontRef idx="minor">
+              <a:schemeClr val="lt1"/>
+            </a:fontRef>
+          </p:style>
+          <p:txBody>
+            <a:bodyPr rtlCol="0" anchor="ctr"/>
+            <a:lstStyle/>
+            <a:p>
+              <a:pPr algn="ctr"/>
+              <a:endParaRPr lang="en-US"/>
+            </a:p>
+          </p:txBody>
+        </p:sp>
+        <p:cxnSp>
+          <p:nvCxnSpPr>
+            <p:cNvPr id="99" name="Straight Connector 98"/>
+            <p:cNvCxnSpPr/>
+            <p:nvPr/>
+          </p:nvCxnSpPr>
+          <p:spPr>
+            <a:xfrm flipV="1">
+              <a:off x="3874417" y="2266417"/>
+              <a:ext cx="0" cy="248184"/>
+            </a:xfrm>
+            <a:prstGeom prst="line">
+              <a:avLst/>
+            </a:prstGeom>
+            <a:ln>
+              <a:solidFill>
+                <a:schemeClr val="tx1"/>
+              </a:solidFill>
+              <a:prstDash val="sysDash"/>
+              <a:headEnd type="arrow" w="sm" len="sm"/>
+              <a:tailEnd type="none" w="sm" len="sm"/>
+            </a:ln>
+          </p:spPr>
+          <p:style>
+            <a:lnRef idx="1">
+              <a:schemeClr val="accent1"/>
+            </a:lnRef>
+            <a:fillRef idx="0">
+              <a:schemeClr val="accent1"/>
+            </a:fillRef>
+            <a:effectRef idx="0">
+              <a:schemeClr val="accent1"/>
+            </a:effectRef>
+            <a:fontRef idx="minor">
+              <a:schemeClr val="tx1"/>
+            </a:fontRef>
+          </p:style>
+        </p:cxnSp>
+        <p:cxnSp>
+          <p:nvCxnSpPr>
+            <p:cNvPr id="101" name="Straight Connector 100"/>
+            <p:cNvCxnSpPr/>
+            <p:nvPr/>
+          </p:nvCxnSpPr>
+          <p:spPr>
+            <a:xfrm flipV="1">
+              <a:off x="3798854" y="1924282"/>
+              <a:ext cx="0" cy="590319"/>
+            </a:xfrm>
+            <a:prstGeom prst="line">
+              <a:avLst/>
+            </a:prstGeom>
+            <a:ln>
+              <a:solidFill>
+                <a:schemeClr val="tx1"/>
+              </a:solidFill>
+              <a:prstDash val="sysDash"/>
+              <a:headEnd type="arrow" w="sm" len="sm"/>
+              <a:tailEnd type="none" w="sm" len="sm"/>
+            </a:ln>
+          </p:spPr>
+          <p:style>
+            <a:lnRef idx="1">
+              <a:schemeClr val="accent1"/>
+            </a:lnRef>
+            <a:fillRef idx="0">
+              <a:schemeClr val="accent1"/>
+            </a:fillRef>
+            <a:effectRef idx="0">
+              <a:schemeClr val="accent1"/>
+            </a:effectRef>
+            <a:fontRef idx="minor">
+              <a:schemeClr val="tx1"/>
+            </a:fontRef>
+          </p:style>
+        </p:cxnSp>
+        <p:cxnSp>
+          <p:nvCxnSpPr>
+            <p:cNvPr id="102" name="Straight Connector 101"/>
+            <p:cNvCxnSpPr/>
+            <p:nvPr/>
+          </p:nvCxnSpPr>
+          <p:spPr>
+            <a:xfrm flipV="1">
+              <a:off x="3725831" y="1631989"/>
+              <a:ext cx="0" cy="882614"/>
+            </a:xfrm>
+            <a:prstGeom prst="line">
+              <a:avLst/>
+            </a:prstGeom>
+            <a:ln>
+              <a:solidFill>
+                <a:schemeClr val="tx1"/>
+              </a:solidFill>
+              <a:prstDash val="sysDash"/>
+              <a:headEnd type="arrow" w="sm" len="sm"/>
+              <a:tailEnd type="none" w="sm" len="sm"/>
+            </a:ln>
+          </p:spPr>
+          <p:style>
+            <a:lnRef idx="1">
+              <a:schemeClr val="accent1"/>
+            </a:lnRef>
+            <a:fillRef idx="0">
+              <a:schemeClr val="accent1"/>
+            </a:fillRef>
+            <a:effectRef idx="0">
+              <a:schemeClr val="accent1"/>
+            </a:effectRef>
+            <a:fontRef idx="minor">
+              <a:schemeClr val="tx1"/>
+            </a:fontRef>
+          </p:style>
+        </p:cxnSp>
+        <p:cxnSp>
+          <p:nvCxnSpPr>
+            <p:cNvPr id="115" name="Straight Connector 114"/>
+            <p:cNvCxnSpPr/>
+            <p:nvPr/>
+          </p:nvCxnSpPr>
+          <p:spPr>
+            <a:xfrm flipV="1">
+              <a:off x="3649631" y="1274252"/>
+              <a:ext cx="0" cy="1240351"/>
+            </a:xfrm>
+            <a:prstGeom prst="line">
+              <a:avLst/>
+            </a:prstGeom>
+            <a:ln>
+              <a:solidFill>
+                <a:schemeClr val="tx1"/>
+              </a:solidFill>
+              <a:prstDash val="sysDash"/>
+              <a:headEnd type="arrow" w="sm" len="sm"/>
+              <a:tailEnd type="none" w="sm" len="sm"/>
+            </a:ln>
+          </p:spPr>
+          <p:style>
+            <a:lnRef idx="1">
+              <a:schemeClr val="accent1"/>
+            </a:lnRef>
+            <a:fillRef idx="0">
+              <a:schemeClr val="accent1"/>
+            </a:fillRef>
+            <a:effectRef idx="0">
+              <a:schemeClr val="accent1"/>
+            </a:effectRef>
+            <a:fontRef idx="minor">
+              <a:schemeClr val="tx1"/>
+            </a:fontRef>
+          </p:style>
+        </p:cxnSp>
+        <p:cxnSp>
+          <p:nvCxnSpPr>
+            <p:cNvPr id="116" name="Straight Arrow Connector 115"/>
+            <p:cNvCxnSpPr/>
+            <p:nvPr/>
+          </p:nvCxnSpPr>
+          <p:spPr>
+            <a:xfrm flipH="1">
+              <a:off x="95217" y="3200400"/>
+              <a:ext cx="3675060" cy="0"/>
+            </a:xfrm>
+            <a:prstGeom prst="straightConnector1">
+              <a:avLst/>
+            </a:prstGeom>
+            <a:ln>
+              <a:solidFill>
+                <a:srgbClr val="C00000"/>
+              </a:solidFill>
+              <a:prstDash val="sysDash"/>
+              <a:headEnd type="none" w="med" len="med"/>
+              <a:tailEnd type="triangle" w="med" len="med"/>
+            </a:ln>
+          </p:spPr>
+          <p:style>
+            <a:lnRef idx="1">
+              <a:schemeClr val="accent1"/>
+            </a:lnRef>
+            <a:fillRef idx="0">
+              <a:schemeClr val="accent1"/>
+            </a:fillRef>
+            <a:effectRef idx="0">
+              <a:schemeClr val="accent1"/>
+            </a:effectRef>
+            <a:fontRef idx="minor">
+              <a:schemeClr val="tx1"/>
+            </a:fontRef>
+          </p:style>
+        </p:cxnSp>
+        <p:cxnSp>
+          <p:nvCxnSpPr>
+            <p:cNvPr id="124" name="Straight Connector 123"/>
+            <p:cNvCxnSpPr/>
+            <p:nvPr/>
+          </p:nvCxnSpPr>
+          <p:spPr>
+            <a:xfrm flipV="1">
+              <a:off x="3763138" y="2827175"/>
+              <a:ext cx="0" cy="373225"/>
+            </a:xfrm>
+            <a:prstGeom prst="line">
+              <a:avLst/>
+            </a:prstGeom>
+            <a:ln>
+              <a:solidFill>
+                <a:srgbClr val="C00000"/>
+              </a:solidFill>
+              <a:prstDash val="sysDash"/>
+              <a:headEnd type="none" w="med" len="med"/>
+              <a:tailEnd type="none" w="med" len="med"/>
+            </a:ln>
+          </p:spPr>
+          <p:style>
+            <a:lnRef idx="1">
+              <a:schemeClr val="accent1"/>
+            </a:lnRef>
+            <a:fillRef idx="0">
+              <a:schemeClr val="accent1"/>
+            </a:fillRef>
+            <a:effectRef idx="0">
+              <a:schemeClr val="accent1"/>
+            </a:effectRef>
+            <a:fontRef idx="minor">
+              <a:schemeClr val="tx1"/>
+            </a:fontRef>
+          </p:style>
+        </p:cxnSp>
+        <p:sp>
+          <p:nvSpPr>
+            <p:cNvPr id="125" name="Rectangle 124"/>
+            <p:cNvSpPr/>
+            <p:nvPr/>
+          </p:nvSpPr>
+          <p:spPr>
+            <a:xfrm>
+              <a:off x="-27309" y="2938790"/>
+              <a:ext cx="483625" cy="415498"/>
+            </a:xfrm>
+            <a:prstGeom prst="rect">
+              <a:avLst/>
+            </a:prstGeom>
+          </p:spPr>
+          <p:txBody>
+            <a:bodyPr wrap="square">
+              <a:spAutoFit/>
+            </a:bodyPr>
+            <a:lstStyle/>
+            <a:p>
+              <a:pPr algn="ctr"/>
+              <a:r>
+                <a:rPr lang="en-US" sz="1050" dirty="0">
+                  <a:solidFill>
+                    <a:srgbClr val="C00000"/>
+                  </a:solidFill>
+                  <a:latin typeface="Raleway Medium" pitchFamily="34" charset="0"/>
+                </a:rPr>
+                <a:t>IRQs</a:t>
+              </a:r>
+              <a:endParaRPr lang="en-US" sz="1050" dirty="0">
+                <a:solidFill>
+                  <a:srgbClr val="C00000"/>
+                </a:solidFill>
+                <a:latin typeface="Raleway Medium" pitchFamily="34" charset="0"/>
+              </a:endParaRPr>
+            </a:p>
+          </p:txBody>
+        </p:sp>
+        <p:sp>
+          <p:nvSpPr>
+            <p:cNvPr id="126" name="Rectangle 125"/>
+            <p:cNvSpPr/>
+            <p:nvPr/>
+          </p:nvSpPr>
+          <p:spPr>
+            <a:xfrm>
+              <a:off x="844330" y="3298197"/>
+              <a:ext cx="8292050" cy="435603"/>
+            </a:xfrm>
+            <a:prstGeom prst="rect">
+              <a:avLst/>
+            </a:prstGeom>
+            <a:solidFill>
+              <a:schemeClr val="bg1">
+                <a:lumMod val="50000"/>
+                <a:alpha val="16000"/>
+              </a:schemeClr>
+            </a:solidFill>
+            <a:ln>
+              <a:noFill/>
+            </a:ln>
+          </p:spPr>
+          <p:style>
+            <a:lnRef idx="2">
+              <a:schemeClr val="accent1">
+                <a:shade val="50000"/>
+              </a:schemeClr>
+            </a:lnRef>
+            <a:fillRef idx="1">
+              <a:schemeClr val="accent1"/>
+            </a:fillRef>
+            <a:effectRef idx="0">
+              <a:schemeClr val="accent1"/>
+            </a:effectRef>
+            <a:fontRef idx="minor">
+              <a:schemeClr val="lt1"/>
+            </a:fontRef>
+          </p:style>
+          <p:txBody>
+            <a:bodyPr rtlCol="0" anchor="ctr"/>
+            <a:lstStyle/>
+            <a:p>
+              <a:pPr algn="ctr"/>
+              <a:endParaRPr lang="en-US"/>
+            </a:p>
+          </p:txBody>
+        </p:sp>
+        <p:sp>
+          <p:nvSpPr>
+            <p:cNvPr id="128" name="TextBox 127"/>
+            <p:cNvSpPr txBox="1"/>
+            <p:nvPr/>
+          </p:nvSpPr>
+          <p:spPr>
+            <a:xfrm>
+              <a:off x="933417" y="3378200"/>
+              <a:ext cx="2133600" cy="276999"/>
+            </a:xfrm>
+            <a:prstGeom prst="rect">
+              <a:avLst/>
+            </a:prstGeom>
+            <a:noFill/>
+          </p:spPr>
+          <p:txBody>
+            <a:bodyPr wrap="square" rtlCol="0">
+              <a:spAutoFit/>
+            </a:bodyPr>
+            <a:lstStyle/>
+            <a:p>
+              <a:r>
+                <a:rPr lang="en-US" sz="1200" dirty="0">
+                  <a:latin typeface="Raleway Medium" pitchFamily="34" charset="0"/>
+                </a:rPr>
+                <a:t>Configuration</a:t>
+              </a:r>
+              <a:endParaRPr lang="en-US" sz="1200" dirty="0">
+                <a:latin typeface="Raleway Medium" pitchFamily="34" charset="0"/>
+              </a:endParaRPr>
+            </a:p>
+          </p:txBody>
+        </p:sp>
+        <p:sp>
+          <p:nvSpPr>
+            <p:cNvPr id="129" name="Trapezoid 128"/>
+            <p:cNvSpPr/>
+            <p:nvPr/>
+          </p:nvSpPr>
+          <p:spPr>
+            <a:xfrm>
+              <a:off x="5715000" y="2286000"/>
+              <a:ext cx="1885983" cy="313049"/>
+            </a:xfrm>
+            <a:prstGeom prst="trapezoid">
+              <a:avLst>
+                <a:gd name="adj" fmla="val 73682"/>
+              </a:avLst>
+            </a:prstGeom>
+            <a:solidFill>
+              <a:schemeClr val="bg1"/>
+            </a:solidFill>
+            <a:ln w="12700">
+              <a:solidFill>
+                <a:schemeClr val="tx1"/>
+              </a:solidFill>
+            </a:ln>
+          </p:spPr>
+          <p:style>
+            <a:lnRef idx="2">
+              <a:schemeClr val="accent1">
+                <a:shade val="50000"/>
+              </a:schemeClr>
+            </a:lnRef>
+            <a:fillRef idx="1">
+              <a:schemeClr val="accent1"/>
+            </a:fillRef>
+            <a:effectRef idx="0">
+              <a:schemeClr val="accent1"/>
+            </a:effectRef>
+            <a:fontRef idx="minor">
+              <a:schemeClr val="lt1"/>
+            </a:fontRef>
+          </p:style>
+          <p:txBody>
+            <a:bodyPr rtlCol="0" anchor="ctr"/>
+            <a:lstStyle/>
+            <a:p>
+              <a:pPr algn="ctr"/>
+              <a:endParaRPr lang="en-US"/>
+            </a:p>
+          </p:txBody>
+        </p:sp>
+        <p:cxnSp>
+          <p:nvCxnSpPr>
+            <p:cNvPr id="130" name="Straight Connector 129"/>
+            <p:cNvCxnSpPr/>
+            <p:nvPr/>
+          </p:nvCxnSpPr>
+          <p:spPr>
+            <a:xfrm flipV="1">
+              <a:off x="6651502" y="1906841"/>
+              <a:ext cx="0" cy="359576"/>
+            </a:xfrm>
+            <a:prstGeom prst="line">
+              <a:avLst/>
+            </a:prstGeom>
+            <a:ln>
+              <a:solidFill>
+                <a:schemeClr val="tx1"/>
+              </a:solidFill>
+              <a:prstDash val="sysDash"/>
+              <a:headEnd type="none" w="med" len="med"/>
+              <a:tailEnd type="arrow" w="med" len="med"/>
+            </a:ln>
+          </p:spPr>
+          <p:style>
+            <a:lnRef idx="1">
+              <a:schemeClr val="accent1"/>
+            </a:lnRef>
+            <a:fillRef idx="0">
+              <a:schemeClr val="accent1"/>
+            </a:fillRef>
+            <a:effectRef idx="0">
+              <a:schemeClr val="accent1"/>
+            </a:effectRef>
+            <a:fontRef idx="minor">
+              <a:schemeClr val="tx1"/>
+            </a:fontRef>
+          </p:style>
+        </p:cxnSp>
+        <p:grpSp>
+          <p:nvGrpSpPr>
+            <p:cNvPr id="131" name="Group 130"/>
+            <p:cNvGrpSpPr/>
+            <p:nvPr/>
+          </p:nvGrpSpPr>
+          <p:grpSpPr>
+            <a:xfrm>
+              <a:off x="5048216" y="1105342"/>
+              <a:ext cx="1446761" cy="996508"/>
+              <a:chOff x="3361050" y="1139422"/>
+              <a:chExt cx="448950" cy="996508"/>
+            </a:xfrm>
+          </p:grpSpPr>
+          <p:cxnSp>
+            <p:nvCxnSpPr>
+              <p:cNvPr id="132" name="Straight Connector 131"/>
+              <p:cNvCxnSpPr/>
+              <p:nvPr/>
+            </p:nvCxnSpPr>
+            <p:spPr>
+              <a:xfrm>
+                <a:off x="3361050" y="1139422"/>
+                <a:ext cx="448950" cy="0"/>
+              </a:xfrm>
+              <a:prstGeom prst="line">
+                <a:avLst/>
+              </a:prstGeom>
+              <a:ln>
+                <a:solidFill>
+                  <a:schemeClr val="tx1"/>
+                </a:solidFill>
+                <a:headEnd type="none" w="med" len="med"/>
+                <a:tailEnd type="triangle" w="med" len="med"/>
+              </a:ln>
+            </p:spPr>
+            <p:style>
+              <a:lnRef idx="1">
+                <a:schemeClr val="accent1"/>
+              </a:lnRef>
+              <a:fillRef idx="0">
+                <a:schemeClr val="accent1"/>
+              </a:fillRef>
+              <a:effectRef idx="0">
+                <a:schemeClr val="accent1"/>
+              </a:effectRef>
+              <a:fontRef idx="minor">
+                <a:schemeClr val="tx1"/>
+              </a:fontRef>
+            </p:style>
+          </p:cxnSp>
+          <p:cxnSp>
+            <p:nvCxnSpPr>
+              <p:cNvPr id="133" name="Straight Connector 132"/>
+              <p:cNvCxnSpPr/>
+              <p:nvPr/>
+            </p:nvCxnSpPr>
+            <p:spPr>
+              <a:xfrm>
+                <a:off x="3361050" y="1477578"/>
+                <a:ext cx="448950" cy="0"/>
+              </a:xfrm>
+              <a:prstGeom prst="line">
+                <a:avLst/>
+              </a:prstGeom>
+              <a:ln>
+                <a:solidFill>
+                  <a:schemeClr val="tx1"/>
+                </a:solidFill>
+                <a:headEnd type="none" w="med" len="med"/>
+                <a:tailEnd type="triangle" w="med" len="med"/>
+              </a:ln>
+            </p:spPr>
+            <p:style>
+              <a:lnRef idx="1">
+                <a:schemeClr val="accent1"/>
+              </a:lnRef>
+              <a:fillRef idx="0">
+                <a:schemeClr val="accent1"/>
+              </a:fillRef>
+              <a:effectRef idx="0">
+                <a:schemeClr val="accent1"/>
+              </a:effectRef>
+              <a:fontRef idx="minor">
+                <a:schemeClr val="tx1"/>
+              </a:fontRef>
+            </p:style>
+          </p:cxnSp>
+          <p:cxnSp>
+            <p:nvCxnSpPr>
+              <p:cNvPr id="134" name="Straight Connector 133"/>
+              <p:cNvCxnSpPr/>
+              <p:nvPr/>
+            </p:nvCxnSpPr>
+            <p:spPr>
+              <a:xfrm>
+                <a:off x="3361050" y="1797114"/>
+                <a:ext cx="448950" cy="0"/>
+              </a:xfrm>
+              <a:prstGeom prst="line">
+                <a:avLst/>
+              </a:prstGeom>
+              <a:ln>
+                <a:solidFill>
+                  <a:schemeClr val="tx1"/>
+                </a:solidFill>
+                <a:headEnd type="none" w="med" len="med"/>
+                <a:tailEnd type="triangle" w="med" len="med"/>
+              </a:ln>
+            </p:spPr>
+            <p:style>
+              <a:lnRef idx="1">
+                <a:schemeClr val="accent1"/>
+              </a:lnRef>
+              <a:fillRef idx="0">
+                <a:schemeClr val="accent1"/>
+              </a:fillRef>
+              <a:effectRef idx="0">
+                <a:schemeClr val="accent1"/>
+              </a:effectRef>
+              <a:fontRef idx="minor">
+                <a:schemeClr val="tx1"/>
+              </a:fontRef>
+            </p:style>
+          </p:cxnSp>
+          <p:cxnSp>
+            <p:nvCxnSpPr>
+              <p:cNvPr id="135" name="Straight Connector 134"/>
+              <p:cNvCxnSpPr/>
+              <p:nvPr/>
+            </p:nvCxnSpPr>
+            <p:spPr>
+              <a:xfrm>
+                <a:off x="3361050" y="2135930"/>
+                <a:ext cx="448950" cy="0"/>
+              </a:xfrm>
+              <a:prstGeom prst="line">
+                <a:avLst/>
+              </a:prstGeom>
+              <a:ln>
+                <a:solidFill>
+                  <a:schemeClr val="tx1"/>
+                </a:solidFill>
+                <a:headEnd type="none" w="med" len="med"/>
+                <a:tailEnd type="triangle" w="med" len="med"/>
+              </a:ln>
+            </p:spPr>
+            <p:style>
+              <a:lnRef idx="1">
+                <a:schemeClr val="accent1"/>
+              </a:lnRef>
+              <a:fillRef idx="0">
+                <a:schemeClr val="accent1"/>
+              </a:fillRef>
+              <a:effectRef idx="0">
+                <a:schemeClr val="accent1"/>
+              </a:effectRef>
+              <a:fontRef idx="minor">
+                <a:schemeClr val="tx1"/>
+              </a:fontRef>
+            </p:style>
+          </p:cxnSp>
+        </p:grpSp>
+        <p:sp>
+          <p:nvSpPr>
+            <p:cNvPr id="139" name="Rectangle 138"/>
+            <p:cNvSpPr/>
+            <p:nvPr/>
+          </p:nvSpPr>
+          <p:spPr>
+            <a:xfrm>
+              <a:off x="3656465" y="3359473"/>
+              <a:ext cx="1259505" cy="313049"/>
+            </a:xfrm>
+            <a:prstGeom prst="rect">
+              <a:avLst/>
+            </a:prstGeom>
+            <a:solidFill>
+              <a:schemeClr val="accent4"/>
+            </a:solidFill>
+            <a:ln w="12700">
+              <a:noFill/>
+            </a:ln>
+          </p:spPr>
+          <p:style>
+            <a:lnRef idx="2">
+              <a:schemeClr val="accent1">
+                <a:shade val="50000"/>
+              </a:schemeClr>
+            </a:lnRef>
+            <a:fillRef idx="1">
+              <a:schemeClr val="accent1"/>
+            </a:fillRef>
+            <a:effectRef idx="0">
+              <a:schemeClr val="accent1"/>
+            </a:effectRef>
+            <a:fontRef idx="minor">
+              <a:schemeClr val="lt1"/>
+            </a:fontRef>
+          </p:style>
+          <p:txBody>
+            <a:bodyPr rtlCol="0" anchor="ctr"/>
+            <a:lstStyle/>
+            <a:p>
+              <a:pPr algn="ctr"/>
+              <a:r>
+                <a:rPr lang="en-US" sz="1100" dirty="0">
+                  <a:solidFill>
+                    <a:schemeClr val="tx1"/>
+                  </a:solidFill>
+                  <a:latin typeface="Raleway Medium" pitchFamily="34" charset="0"/>
+                </a:rPr>
+                <a:t>User Thresholds</a:t>
+              </a:r>
+              <a:endParaRPr lang="en-US" sz="1000" dirty="0">
+                <a:solidFill>
+                  <a:schemeClr val="tx1"/>
+                </a:solidFill>
+                <a:latin typeface="Raleway Medium" pitchFamily="34" charset="0"/>
+              </a:endParaRPr>
+            </a:p>
+          </p:txBody>
+        </p:sp>
+        <p:sp>
+          <p:nvSpPr>
+            <p:cNvPr id="140" name="Rectangle 139"/>
+            <p:cNvSpPr/>
+            <p:nvPr/>
+          </p:nvSpPr>
+          <p:spPr>
+            <a:xfrm>
+              <a:off x="5204297" y="3359473"/>
+              <a:ext cx="583221" cy="313049"/>
+            </a:xfrm>
+            <a:prstGeom prst="rect">
+              <a:avLst/>
+            </a:prstGeom>
+            <a:solidFill>
+              <a:schemeClr val="accent4"/>
+            </a:solidFill>
+            <a:ln w="12700">
+              <a:noFill/>
+            </a:ln>
+          </p:spPr>
+          <p:style>
+            <a:lnRef idx="2">
+              <a:schemeClr val="accent1">
+                <a:shade val="50000"/>
+              </a:schemeClr>
+            </a:lnRef>
+            <a:fillRef idx="1">
+              <a:schemeClr val="accent1"/>
+            </a:fillRef>
+            <a:effectRef idx="0">
+              <a:schemeClr val="accent1"/>
+            </a:effectRef>
+            <a:fontRef idx="minor">
+              <a:schemeClr val="lt1"/>
+            </a:fontRef>
+          </p:style>
+          <p:txBody>
+            <a:bodyPr rtlCol="0" anchor="ctr"/>
+            <a:lstStyle/>
+            <a:p>
+              <a:pPr algn="ctr"/>
+              <a:r>
+                <a:rPr lang="en-US" sz="1100" dirty="0">
+                  <a:solidFill>
+                    <a:schemeClr val="tx1"/>
+                  </a:solidFill>
+                  <a:latin typeface="Raleway Medium" pitchFamily="34" charset="0"/>
+                </a:rPr>
+                <a:t>Mode</a:t>
+              </a:r>
+              <a:endParaRPr lang="en-US" sz="1000" dirty="0">
+                <a:solidFill>
+                  <a:schemeClr val="tx1"/>
+                </a:solidFill>
+                <a:latin typeface="Raleway Medium" pitchFamily="34" charset="0"/>
+              </a:endParaRPr>
+            </a:p>
+          </p:txBody>
+        </p:sp>
+        <p:sp>
+          <p:nvSpPr>
+            <p:cNvPr id="141" name="Rectangle 140"/>
+            <p:cNvSpPr/>
+            <p:nvPr/>
+          </p:nvSpPr>
+          <p:spPr>
+            <a:xfrm>
+              <a:off x="5881172" y="3359473"/>
+              <a:ext cx="1555255" cy="313049"/>
+            </a:xfrm>
+            <a:prstGeom prst="rect">
+              <a:avLst/>
+            </a:prstGeom>
+            <a:solidFill>
+              <a:schemeClr val="accent4"/>
+            </a:solidFill>
+            <a:ln w="12700">
+              <a:noFill/>
+            </a:ln>
+          </p:spPr>
+          <p:style>
+            <a:lnRef idx="2">
+              <a:schemeClr val="accent1">
+                <a:shade val="50000"/>
+              </a:schemeClr>
+            </a:lnRef>
+            <a:fillRef idx="1">
+              <a:schemeClr val="accent1"/>
+            </a:fillRef>
+            <a:effectRef idx="0">
+              <a:schemeClr val="accent1"/>
+            </a:effectRef>
+            <a:fontRef idx="minor">
+              <a:schemeClr val="lt1"/>
+            </a:fontRef>
+          </p:style>
+          <p:txBody>
+            <a:bodyPr rtlCol="0" anchor="ctr"/>
+            <a:lstStyle/>
+            <a:p>
+              <a:pPr algn="ctr"/>
+              <a:r>
+                <a:rPr lang="en-US" sz="1100" dirty="0" err="1">
+                  <a:solidFill>
+                    <a:schemeClr val="tx1"/>
+                  </a:solidFill>
+                  <a:latin typeface="Raleway Medium" pitchFamily="34" charset="0"/>
+                </a:rPr>
+                <a:t>Sched</a:t>
+              </a:r>
+              <a:r>
+                <a:rPr lang="en-US" sz="1100" dirty="0">
+                  <a:solidFill>
+                    <a:schemeClr val="tx1"/>
+                  </a:solidFill>
+                  <a:latin typeface="Raleway Medium" pitchFamily="34" charset="0"/>
+                </a:rPr>
+                <a:t>. Parameters</a:t>
+              </a:r>
+              <a:endParaRPr lang="en-US" sz="1000" dirty="0">
+                <a:solidFill>
+                  <a:schemeClr val="tx1"/>
+                </a:solidFill>
+                <a:latin typeface="Raleway Medium" pitchFamily="34" charset="0"/>
+              </a:endParaRPr>
+            </a:p>
+          </p:txBody>
+        </p:sp>
+        <p:cxnSp>
+          <p:nvCxnSpPr>
+            <p:cNvPr id="142" name="Straight Connector 141"/>
+            <p:cNvCxnSpPr>
+              <a:stCxn id="139" idx="0"/>
+            </p:cNvCxnSpPr>
+            <p:nvPr/>
+          </p:nvCxnSpPr>
+          <p:spPr>
+            <a:xfrm flipH="1" flipV="1">
+              <a:off x="4286215" y="2824196"/>
+              <a:ext cx="3" cy="535277"/>
+            </a:xfrm>
+            <a:prstGeom prst="line">
+              <a:avLst/>
+            </a:prstGeom>
+            <a:ln>
+              <a:solidFill>
+                <a:schemeClr val="tx1"/>
+              </a:solidFill>
+              <a:prstDash val="sysDash"/>
+              <a:headEnd type="none" w="med" len="med"/>
+              <a:tailEnd type="arrow" w="med" len="med"/>
+            </a:ln>
+          </p:spPr>
+          <p:style>
+            <a:lnRef idx="1">
+              <a:schemeClr val="accent1"/>
+            </a:lnRef>
+            <a:fillRef idx="0">
+              <a:schemeClr val="accent1"/>
+            </a:fillRef>
+            <a:effectRef idx="0">
+              <a:schemeClr val="accent1"/>
+            </a:effectRef>
+            <a:fontRef idx="minor">
+              <a:schemeClr val="tx1"/>
+            </a:fontRef>
+          </p:style>
+        </p:cxnSp>
+        <p:cxnSp>
+          <p:nvCxnSpPr>
+            <p:cNvPr id="143" name="Straight Connector 142"/>
+            <p:cNvCxnSpPr/>
+            <p:nvPr/>
+          </p:nvCxnSpPr>
+          <p:spPr>
+            <a:xfrm flipH="1" flipV="1">
+              <a:off x="6324636" y="3107011"/>
+              <a:ext cx="1" cy="243309"/>
+            </a:xfrm>
+            <a:prstGeom prst="line">
+              <a:avLst/>
+            </a:prstGeom>
+            <a:ln>
+              <a:solidFill>
+                <a:schemeClr val="tx1"/>
+              </a:solidFill>
+              <a:prstDash val="sysDash"/>
+              <a:headEnd type="none" w="med" len="med"/>
+              <a:tailEnd type="arrow" w="med" len="med"/>
+            </a:ln>
+          </p:spPr>
+          <p:style>
+            <a:lnRef idx="1">
+              <a:schemeClr val="accent1"/>
+            </a:lnRef>
+            <a:fillRef idx="0">
+              <a:schemeClr val="accent1"/>
+            </a:fillRef>
+            <a:effectRef idx="0">
+              <a:schemeClr val="accent1"/>
+            </a:effectRef>
+            <a:fontRef idx="minor">
+              <a:schemeClr val="tx1"/>
+            </a:fontRef>
+          </p:style>
+        </p:cxnSp>
+        <p:cxnSp>
+          <p:nvCxnSpPr>
+            <p:cNvPr id="144" name="Straight Connector 143"/>
+            <p:cNvCxnSpPr/>
+            <p:nvPr/>
+          </p:nvCxnSpPr>
+          <p:spPr>
+            <a:xfrm flipH="1" flipV="1">
+              <a:off x="6977589" y="3107011"/>
+              <a:ext cx="1" cy="243309"/>
+            </a:xfrm>
+            <a:prstGeom prst="line">
+              <a:avLst/>
+            </a:prstGeom>
+            <a:ln>
+              <a:solidFill>
+                <a:schemeClr val="tx1"/>
+              </a:solidFill>
+              <a:prstDash val="sysDash"/>
+              <a:headEnd type="none" w="med" len="med"/>
+              <a:tailEnd type="arrow" w="med" len="med"/>
+            </a:ln>
+          </p:spPr>
+          <p:style>
+            <a:lnRef idx="1">
+              <a:schemeClr val="accent1"/>
+            </a:lnRef>
+            <a:fillRef idx="0">
+              <a:schemeClr val="accent1"/>
+            </a:fillRef>
+            <a:effectRef idx="0">
+              <a:schemeClr val="accent1"/>
+            </a:effectRef>
+            <a:fontRef idx="minor">
+              <a:schemeClr val="tx1"/>
+            </a:fontRef>
+          </p:style>
+        </p:cxnSp>
+        <p:sp>
+          <p:nvSpPr>
+            <p:cNvPr id="136" name="Rectangle 135"/>
+            <p:cNvSpPr/>
+            <p:nvPr/>
+          </p:nvSpPr>
+          <p:spPr>
+            <a:xfrm>
+              <a:off x="6029345" y="2727957"/>
+              <a:ext cx="590583" cy="313049"/>
+            </a:xfrm>
+            <a:prstGeom prst="rect">
+              <a:avLst/>
+            </a:prstGeom>
+            <a:solidFill>
+              <a:schemeClr val="bg1"/>
+            </a:solidFill>
+            <a:ln w="12700">
+              <a:solidFill>
+                <a:schemeClr val="tx1"/>
+              </a:solidFill>
+            </a:ln>
+          </p:spPr>
+          <p:style>
+            <a:lnRef idx="2">
+              <a:schemeClr val="accent1">
+                <a:shade val="50000"/>
+              </a:schemeClr>
+            </a:lnRef>
+            <a:fillRef idx="1">
+              <a:schemeClr val="accent1"/>
+            </a:fillRef>
+            <a:effectRef idx="0">
+              <a:schemeClr val="accent1"/>
+            </a:effectRef>
+            <a:fontRef idx="minor">
+              <a:schemeClr val="lt1"/>
+            </a:fontRef>
+          </p:style>
+          <p:txBody>
+            <a:bodyPr rtlCol="0" anchor="ctr"/>
+            <a:lstStyle/>
+            <a:p>
+              <a:pPr algn="ctr"/>
+              <a:r>
+                <a:rPr lang="en-US" sz="1100" dirty="0">
+                  <a:solidFill>
+                    <a:schemeClr val="tx1"/>
+                  </a:solidFill>
+                  <a:latin typeface="Raleway Medium" pitchFamily="34" charset="0"/>
+                </a:rPr>
+                <a:t>TDMA</a:t>
+              </a:r>
+              <a:endParaRPr lang="en-US" sz="1000" dirty="0">
+                <a:solidFill>
+                  <a:schemeClr val="tx1"/>
+                </a:solidFill>
+                <a:latin typeface="Raleway Medium" pitchFamily="34" charset="0"/>
+              </a:endParaRPr>
+            </a:p>
+          </p:txBody>
+        </p:sp>
+        <p:sp>
+          <p:nvSpPr>
+            <p:cNvPr id="137" name="Rectangle 136"/>
+            <p:cNvSpPr/>
+            <p:nvPr/>
+          </p:nvSpPr>
+          <p:spPr>
+            <a:xfrm>
+              <a:off x="6681547" y="2727957"/>
+              <a:ext cx="590583" cy="313049"/>
+            </a:xfrm>
+            <a:prstGeom prst="rect">
+              <a:avLst/>
+            </a:prstGeom>
+            <a:solidFill>
+              <a:schemeClr val="bg1"/>
+            </a:solidFill>
+            <a:ln w="12700">
+              <a:solidFill>
+                <a:schemeClr val="tx1"/>
+              </a:solidFill>
+            </a:ln>
+          </p:spPr>
+          <p:style>
+            <a:lnRef idx="2">
+              <a:schemeClr val="accent1">
+                <a:shade val="50000"/>
+              </a:schemeClr>
+            </a:lnRef>
+            <a:fillRef idx="1">
+              <a:schemeClr val="accent1"/>
+            </a:fillRef>
+            <a:effectRef idx="0">
+              <a:schemeClr val="accent1"/>
+            </a:effectRef>
+            <a:fontRef idx="minor">
+              <a:schemeClr val="lt1"/>
+            </a:fontRef>
+          </p:style>
+          <p:txBody>
+            <a:bodyPr rtlCol="0" anchor="ctr"/>
+            <a:lstStyle/>
+            <a:p>
+              <a:pPr algn="ctr"/>
+              <a:r>
+                <a:rPr lang="en-US" sz="1100" dirty="0">
+                  <a:solidFill>
+                    <a:schemeClr val="tx1"/>
+                  </a:solidFill>
+                  <a:latin typeface="Raleway Medium" pitchFamily="34" charset="0"/>
+                </a:rPr>
+                <a:t>FP</a:t>
+              </a:r>
+              <a:endParaRPr lang="en-US" sz="1000" dirty="0">
+                <a:solidFill>
+                  <a:schemeClr val="tx1"/>
+                </a:solidFill>
+                <a:latin typeface="Raleway Medium" pitchFamily="34" charset="0"/>
+              </a:endParaRPr>
+            </a:p>
+          </p:txBody>
+        </p:sp>
+        <p:cxnSp>
+          <p:nvCxnSpPr>
+            <p:cNvPr id="146" name="Straight Connector 145"/>
+            <p:cNvCxnSpPr/>
+            <p:nvPr/>
+          </p:nvCxnSpPr>
+          <p:spPr>
+            <a:xfrm>
+              <a:off x="5495907" y="2493166"/>
+              <a:ext cx="533404" cy="0"/>
+            </a:xfrm>
+            <a:prstGeom prst="line">
+              <a:avLst/>
+            </a:prstGeom>
+            <a:ln>
+              <a:solidFill>
+                <a:schemeClr val="tx1"/>
+              </a:solidFill>
+              <a:prstDash val="sysDash"/>
+              <a:headEnd type="none" w="med" len="med"/>
+              <a:tailEnd type="arrow" w="med" len="med"/>
+            </a:ln>
+          </p:spPr>
+          <p:style>
+            <a:lnRef idx="1">
+              <a:schemeClr val="accent1"/>
+            </a:lnRef>
+            <a:fillRef idx="0">
+              <a:schemeClr val="accent1"/>
+            </a:fillRef>
+            <a:effectRef idx="0">
+              <a:schemeClr val="accent1"/>
+            </a:effectRef>
+            <a:fontRef idx="minor">
+              <a:schemeClr val="tx1"/>
+            </a:fontRef>
+          </p:style>
+        </p:cxnSp>
+        <p:cxnSp>
+          <p:nvCxnSpPr>
+            <p:cNvPr id="150" name="Straight Connector 149"/>
+            <p:cNvCxnSpPr/>
+            <p:nvPr/>
+          </p:nvCxnSpPr>
+          <p:spPr>
+            <a:xfrm flipV="1">
+              <a:off x="5495907" y="2489291"/>
+              <a:ext cx="0" cy="870182"/>
+            </a:xfrm>
+            <a:prstGeom prst="line">
+              <a:avLst/>
+            </a:prstGeom>
+            <a:ln>
+              <a:solidFill>
+                <a:schemeClr val="tx1"/>
+              </a:solidFill>
+              <a:prstDash val="sysDash"/>
+              <a:headEnd type="none" w="med" len="med"/>
+              <a:tailEnd type="none" w="med" len="med"/>
+            </a:ln>
+          </p:spPr>
+          <p:style>
+            <a:lnRef idx="1">
+              <a:schemeClr val="accent1"/>
+            </a:lnRef>
+            <a:fillRef idx="0">
+              <a:schemeClr val="accent1"/>
+            </a:fillRef>
+            <a:effectRef idx="0">
+              <a:schemeClr val="accent1"/>
+            </a:effectRef>
+            <a:fontRef idx="minor">
+              <a:schemeClr val="tx1"/>
+            </a:fontRef>
+          </p:style>
+        </p:cxnSp>
+        <p:sp>
+          <p:nvSpPr>
+            <p:cNvPr id="151" name="TextBox 150"/>
+            <p:cNvSpPr txBox="1"/>
+            <p:nvPr/>
+          </p:nvSpPr>
+          <p:spPr>
+            <a:xfrm>
+              <a:off x="6118102" y="2308152"/>
+              <a:ext cx="1066800" cy="276999"/>
+            </a:xfrm>
+            <a:prstGeom prst="rect">
+              <a:avLst/>
+            </a:prstGeom>
+            <a:noFill/>
+          </p:spPr>
+          <p:txBody>
+            <a:bodyPr wrap="square" rtlCol="0">
+              <a:spAutoFit/>
+            </a:bodyPr>
+            <a:lstStyle/>
+            <a:p>
+              <a:pPr algn="ctr"/>
+              <a:r>
+                <a:rPr lang="en-US" sz="1200" dirty="0">
+                  <a:latin typeface="Raleway Medium" pitchFamily="34" charset="0"/>
+                </a:rPr>
+                <a:t>Scheduler</a:t>
+              </a:r>
+              <a:endParaRPr lang="en-US" sz="1200" dirty="0">
+                <a:latin typeface="Raleway Medium" pitchFamily="34" charset="0"/>
+              </a:endParaRPr>
+            </a:p>
+          </p:txBody>
+        </p:sp>
+        <p:sp>
+          <p:nvSpPr>
+            <p:cNvPr id="153" name="Rectangle 152"/>
+            <p:cNvSpPr/>
+            <p:nvPr/>
+          </p:nvSpPr>
+          <p:spPr>
+            <a:xfrm>
+              <a:off x="7851471" y="698501"/>
+              <a:ext cx="1284909" cy="2425700"/>
+            </a:xfrm>
+            <a:prstGeom prst="rect">
+              <a:avLst/>
+            </a:prstGeom>
+            <a:solidFill>
+              <a:srgbClr val="C00000">
+                <a:alpha val="16000"/>
+              </a:srgbClr>
+            </a:solidFill>
+            <a:ln>
+              <a:noFill/>
+            </a:ln>
+          </p:spPr>
+          <p:style>
+            <a:lnRef idx="2">
+              <a:schemeClr val="accent1">
+                <a:shade val="50000"/>
+              </a:schemeClr>
+            </a:lnRef>
+            <a:fillRef idx="1">
+              <a:schemeClr val="accent1"/>
+            </a:fillRef>
+            <a:effectRef idx="0">
+              <a:schemeClr val="accent1"/>
+            </a:effectRef>
+            <a:fontRef idx="minor">
+              <a:schemeClr val="lt1"/>
+            </a:fontRef>
+          </p:style>
+          <p:txBody>
+            <a:bodyPr rtlCol="0" anchor="ctr"/>
+            <a:lstStyle/>
+            <a:p>
+              <a:pPr algn="ctr"/>
+              <a:endParaRPr lang="en-US"/>
+            </a:p>
+          </p:txBody>
+        </p:sp>
+        <p:sp>
+          <p:nvSpPr>
+            <p:cNvPr id="171" name="TextBox 170"/>
+            <p:cNvSpPr txBox="1"/>
+            <p:nvPr/>
+          </p:nvSpPr>
+          <p:spPr>
+            <a:xfrm>
+              <a:off x="7851471" y="698500"/>
+              <a:ext cx="1284909" cy="276999"/>
+            </a:xfrm>
+            <a:prstGeom prst="rect">
+              <a:avLst/>
+            </a:prstGeom>
+            <a:noFill/>
+          </p:spPr>
+          <p:txBody>
+            <a:bodyPr wrap="square" rtlCol="0">
+              <a:spAutoFit/>
+            </a:bodyPr>
+            <a:lstStyle/>
+            <a:p>
+              <a:pPr algn="ctr"/>
+              <a:r>
+                <a:rPr lang="en-US" sz="1200" dirty="0" err="1">
+                  <a:latin typeface="Raleway Medium" pitchFamily="34" charset="0"/>
+                </a:rPr>
+                <a:t>Serializer</a:t>
+              </a:r>
+              <a:endParaRPr lang="en-US" sz="1200" dirty="0">
+                <a:latin typeface="Raleway Medium" pitchFamily="34" charset="0"/>
+              </a:endParaRPr>
+            </a:p>
+          </p:txBody>
+        </p:sp>
+        <p:grpSp>
+          <p:nvGrpSpPr>
+            <p:cNvPr id="156" name="Group 155"/>
+            <p:cNvGrpSpPr/>
+            <p:nvPr/>
+          </p:nvGrpSpPr>
+          <p:grpSpPr>
+            <a:xfrm>
+              <a:off x="8442986" y="1272742"/>
+              <a:ext cx="569925" cy="628214"/>
+              <a:chOff x="1925701" y="1034751"/>
+              <a:chExt cx="758849" cy="760138"/>
+            </a:xfrm>
+          </p:grpSpPr>
+          <p:sp>
+            <p:nvSpPr>
+              <p:cNvPr id="162" name="Rectangle 161"/>
+              <p:cNvSpPr/>
+              <p:nvPr/>
+            </p:nvSpPr>
+            <p:spPr>
+              <a:xfrm>
+                <a:off x="1925701" y="1034751"/>
+                <a:ext cx="188925" cy="188926"/>
+              </a:xfrm>
+              <a:prstGeom prst="rect">
+                <a:avLst/>
+              </a:prstGeom>
+              <a:solidFill>
+                <a:schemeClr val="bg1"/>
+              </a:solidFill>
+              <a:ln w="12700">
+                <a:solidFill>
+                  <a:schemeClr val="tx1"/>
+                </a:solidFill>
+              </a:ln>
+            </p:spPr>
+            <p:style>
+              <a:lnRef idx="2">
+                <a:schemeClr val="accent1">
+                  <a:shade val="50000"/>
+                </a:schemeClr>
+              </a:lnRef>
+              <a:fillRef idx="1">
+                <a:schemeClr val="accent1"/>
+              </a:fillRef>
+              <a:effectRef idx="0">
+                <a:schemeClr val="accent1"/>
+              </a:effectRef>
+              <a:fontRef idx="minor">
+                <a:schemeClr val="lt1"/>
+              </a:fontRef>
+            </p:style>
+            <p:txBody>
+              <a:bodyPr rtlCol="0" anchor="ctr"/>
+              <a:lstStyle/>
+              <a:p>
+                <a:pPr algn="ctr"/>
+                <a:r>
+                  <a:rPr lang="en-US" sz="1050" dirty="0">
+                    <a:solidFill>
+                      <a:schemeClr val="tx1"/>
+                    </a:solidFill>
+                  </a:rPr>
+                  <a:t>0</a:t>
+                </a:r>
+                <a:endParaRPr lang="en-US" dirty="0">
+                  <a:solidFill>
+                    <a:schemeClr val="tx1"/>
+                  </a:solidFill>
+                </a:endParaRPr>
+              </a:p>
+            </p:txBody>
+          </p:sp>
+          <p:sp>
+            <p:nvSpPr>
+              <p:cNvPr id="163" name="Rectangle 162"/>
+              <p:cNvSpPr/>
+              <p:nvPr/>
+            </p:nvSpPr>
+            <p:spPr>
+              <a:xfrm>
+                <a:off x="2114626" y="1224897"/>
+                <a:ext cx="188925" cy="188926"/>
+              </a:xfrm>
+              <a:prstGeom prst="rect">
+                <a:avLst/>
+              </a:prstGeom>
+              <a:solidFill>
+                <a:schemeClr val="bg1"/>
+              </a:solidFill>
+              <a:ln w="12700">
+                <a:solidFill>
+                  <a:schemeClr val="tx1"/>
+                </a:solidFill>
+              </a:ln>
+            </p:spPr>
+            <p:style>
+              <a:lnRef idx="2">
+                <a:schemeClr val="accent1">
+                  <a:shade val="50000"/>
+                </a:schemeClr>
+              </a:lnRef>
+              <a:fillRef idx="1">
+                <a:schemeClr val="accent1"/>
+              </a:fillRef>
+              <a:effectRef idx="0">
+                <a:schemeClr val="accent1"/>
+              </a:effectRef>
+              <a:fontRef idx="minor">
+                <a:schemeClr val="lt1"/>
+              </a:fontRef>
+            </p:style>
+            <p:txBody>
+              <a:bodyPr rtlCol="0" anchor="ctr"/>
+              <a:lstStyle/>
+              <a:p>
+                <a:pPr algn="ctr"/>
+                <a:r>
+                  <a:rPr lang="en-US" sz="1050" dirty="0">
+                    <a:solidFill>
+                      <a:schemeClr val="tx1"/>
+                    </a:solidFill>
+                  </a:rPr>
+                  <a:t>1</a:t>
+                </a:r>
+                <a:endParaRPr lang="en-US" dirty="0">
+                  <a:solidFill>
+                    <a:schemeClr val="tx1"/>
+                  </a:solidFill>
+                </a:endParaRPr>
+              </a:p>
+            </p:txBody>
+          </p:sp>
+          <p:sp>
+            <p:nvSpPr>
+              <p:cNvPr id="164" name="Rectangle 163"/>
+              <p:cNvSpPr/>
+              <p:nvPr/>
+            </p:nvSpPr>
+            <p:spPr>
+              <a:xfrm>
+                <a:off x="2306700" y="1415817"/>
+                <a:ext cx="188925" cy="188926"/>
+              </a:xfrm>
+              <a:prstGeom prst="rect">
+                <a:avLst/>
+              </a:prstGeom>
+              <a:solidFill>
+                <a:schemeClr val="bg1"/>
+              </a:solidFill>
+              <a:ln w="12700">
+                <a:solidFill>
+                  <a:schemeClr val="tx1"/>
+                </a:solidFill>
+              </a:ln>
+            </p:spPr>
+            <p:style>
+              <a:lnRef idx="2">
+                <a:schemeClr val="accent1">
+                  <a:shade val="50000"/>
+                </a:schemeClr>
+              </a:lnRef>
+              <a:fillRef idx="1">
+                <a:schemeClr val="accent1"/>
+              </a:fillRef>
+              <a:effectRef idx="0">
+                <a:schemeClr val="accent1"/>
+              </a:effectRef>
+              <a:fontRef idx="minor">
+                <a:schemeClr val="lt1"/>
+              </a:fontRef>
+            </p:style>
+            <p:txBody>
+              <a:bodyPr rtlCol="0" anchor="ctr"/>
+              <a:lstStyle/>
+              <a:p>
+                <a:pPr algn="ctr"/>
+                <a:r>
+                  <a:rPr lang="en-US" sz="1050" dirty="0">
+                    <a:solidFill>
+                      <a:schemeClr val="tx1"/>
+                    </a:solidFill>
+                  </a:rPr>
+                  <a:t>2</a:t>
+                </a:r>
+                <a:endParaRPr lang="en-US" dirty="0">
+                  <a:solidFill>
+                    <a:schemeClr val="tx1"/>
+                  </a:solidFill>
+                </a:endParaRPr>
+              </a:p>
+            </p:txBody>
+          </p:sp>
+          <p:sp>
+            <p:nvSpPr>
+              <p:cNvPr id="165" name="Rectangle 164"/>
+              <p:cNvSpPr/>
+              <p:nvPr/>
+            </p:nvSpPr>
+            <p:spPr>
+              <a:xfrm>
+                <a:off x="2495625" y="1605963"/>
+                <a:ext cx="188925" cy="188926"/>
+              </a:xfrm>
+              <a:prstGeom prst="rect">
+                <a:avLst/>
+              </a:prstGeom>
+              <a:solidFill>
+                <a:schemeClr val="bg1"/>
+              </a:solidFill>
+              <a:ln w="12700">
+                <a:solidFill>
+                  <a:schemeClr val="tx1"/>
+                </a:solidFill>
+              </a:ln>
+            </p:spPr>
+            <p:style>
+              <a:lnRef idx="2">
+                <a:schemeClr val="accent1">
+                  <a:shade val="50000"/>
+                </a:schemeClr>
+              </a:lnRef>
+              <a:fillRef idx="1">
+                <a:schemeClr val="accent1"/>
+              </a:fillRef>
+              <a:effectRef idx="0">
+                <a:schemeClr val="accent1"/>
+              </a:effectRef>
+              <a:fontRef idx="minor">
+                <a:schemeClr val="lt1"/>
+              </a:fontRef>
+            </p:style>
+            <p:txBody>
+              <a:bodyPr rtlCol="0" anchor="ctr"/>
+              <a:lstStyle/>
+              <a:p>
+                <a:pPr algn="ctr"/>
+                <a:r>
+                  <a:rPr lang="en-US" sz="1050" dirty="0">
+                    <a:solidFill>
+                      <a:schemeClr val="tx1"/>
+                    </a:solidFill>
+                  </a:rPr>
+                  <a:t>3</a:t>
+                </a:r>
+                <a:endParaRPr lang="en-US" dirty="0">
+                  <a:solidFill>
+                    <a:schemeClr val="tx1"/>
+                  </a:solidFill>
+                </a:endParaRPr>
+              </a:p>
+            </p:txBody>
+          </p:sp>
+        </p:grpSp>
+        <p:grpSp>
+          <p:nvGrpSpPr>
+            <p:cNvPr id="157" name="Group 156"/>
+            <p:cNvGrpSpPr/>
+            <p:nvPr/>
+          </p:nvGrpSpPr>
+          <p:grpSpPr>
+            <a:xfrm>
+              <a:off x="8108954" y="1272742"/>
+              <a:ext cx="141890" cy="628214"/>
+              <a:chOff x="421945" y="1034751"/>
+              <a:chExt cx="188925" cy="760138"/>
+            </a:xfrm>
+          </p:grpSpPr>
+          <p:sp>
+            <p:nvSpPr>
+              <p:cNvPr id="158" name="Rectangle 157"/>
+              <p:cNvSpPr/>
+              <p:nvPr/>
+            </p:nvSpPr>
+            <p:spPr>
+              <a:xfrm>
+                <a:off x="421945" y="1034751"/>
+                <a:ext cx="188925" cy="188926"/>
+              </a:xfrm>
+              <a:prstGeom prst="rect">
+                <a:avLst/>
+              </a:prstGeom>
+              <a:solidFill>
+                <a:schemeClr val="bg1"/>
+              </a:solidFill>
+              <a:ln w="12700">
+                <a:solidFill>
+                  <a:schemeClr val="tx1"/>
+                </a:solidFill>
+              </a:ln>
+            </p:spPr>
+            <p:style>
+              <a:lnRef idx="2">
+                <a:schemeClr val="accent1">
+                  <a:shade val="50000"/>
+                </a:schemeClr>
+              </a:lnRef>
+              <a:fillRef idx="1">
+                <a:schemeClr val="accent1"/>
+              </a:fillRef>
+              <a:effectRef idx="0">
+                <a:schemeClr val="accent1"/>
+              </a:effectRef>
+              <a:fontRef idx="minor">
+                <a:schemeClr val="lt1"/>
+              </a:fontRef>
+            </p:style>
+            <p:txBody>
+              <a:bodyPr rtlCol="0" anchor="ctr"/>
+              <a:lstStyle/>
+              <a:p>
+                <a:pPr algn="ctr"/>
+                <a:r>
+                  <a:rPr lang="en-US" sz="1050" dirty="0">
+                    <a:solidFill>
+                      <a:schemeClr val="tx1"/>
+                    </a:solidFill>
+                  </a:rPr>
+                  <a:t>0</a:t>
+                </a:r>
+                <a:endParaRPr lang="en-US" dirty="0">
+                  <a:solidFill>
+                    <a:schemeClr val="tx1"/>
+                  </a:solidFill>
+                </a:endParaRPr>
+              </a:p>
+            </p:txBody>
+          </p:sp>
+          <p:sp>
+            <p:nvSpPr>
+              <p:cNvPr id="159" name="Rectangle 158"/>
+              <p:cNvSpPr/>
+              <p:nvPr/>
+            </p:nvSpPr>
+            <p:spPr>
+              <a:xfrm>
+                <a:off x="421945" y="1224897"/>
+                <a:ext cx="188925" cy="188926"/>
+              </a:xfrm>
+              <a:prstGeom prst="rect">
+                <a:avLst/>
+              </a:prstGeom>
+              <a:solidFill>
+                <a:schemeClr val="bg1"/>
+              </a:solidFill>
+              <a:ln w="12700">
+                <a:solidFill>
+                  <a:schemeClr val="tx1"/>
+                </a:solidFill>
+              </a:ln>
+            </p:spPr>
+            <p:style>
+              <a:lnRef idx="2">
+                <a:schemeClr val="accent1">
+                  <a:shade val="50000"/>
+                </a:schemeClr>
+              </a:lnRef>
+              <a:fillRef idx="1">
+                <a:schemeClr val="accent1"/>
+              </a:fillRef>
+              <a:effectRef idx="0">
+                <a:schemeClr val="accent1"/>
+              </a:effectRef>
+              <a:fontRef idx="minor">
+                <a:schemeClr val="lt1"/>
+              </a:fontRef>
+            </p:style>
+            <p:txBody>
+              <a:bodyPr rtlCol="0" anchor="ctr"/>
+              <a:lstStyle/>
+              <a:p>
+                <a:pPr algn="ctr"/>
+                <a:r>
+                  <a:rPr lang="en-US" sz="1050" dirty="0">
+                    <a:solidFill>
+                      <a:schemeClr val="tx1"/>
+                    </a:solidFill>
+                  </a:rPr>
+                  <a:t>1</a:t>
+                </a:r>
+                <a:endParaRPr lang="en-US" dirty="0">
+                  <a:solidFill>
+                    <a:schemeClr val="tx1"/>
+                  </a:solidFill>
+                </a:endParaRPr>
+              </a:p>
+            </p:txBody>
+          </p:sp>
+          <p:sp>
+            <p:nvSpPr>
+              <p:cNvPr id="160" name="Rectangle 159"/>
+              <p:cNvSpPr/>
+              <p:nvPr/>
+            </p:nvSpPr>
+            <p:spPr>
+              <a:xfrm>
+                <a:off x="421945" y="1415817"/>
+                <a:ext cx="188925" cy="188926"/>
+              </a:xfrm>
+              <a:prstGeom prst="rect">
+                <a:avLst/>
+              </a:prstGeom>
+              <a:solidFill>
+                <a:schemeClr val="bg1"/>
+              </a:solidFill>
+              <a:ln w="12700">
+                <a:solidFill>
+                  <a:schemeClr val="tx1"/>
+                </a:solidFill>
+              </a:ln>
+            </p:spPr>
+            <p:style>
+              <a:lnRef idx="2">
+                <a:schemeClr val="accent1">
+                  <a:shade val="50000"/>
+                </a:schemeClr>
+              </a:lnRef>
+              <a:fillRef idx="1">
+                <a:schemeClr val="accent1"/>
+              </a:fillRef>
+              <a:effectRef idx="0">
+                <a:schemeClr val="accent1"/>
+              </a:effectRef>
+              <a:fontRef idx="minor">
+                <a:schemeClr val="lt1"/>
+              </a:fontRef>
+            </p:style>
+            <p:txBody>
+              <a:bodyPr rtlCol="0" anchor="ctr"/>
+              <a:lstStyle/>
+              <a:p>
+                <a:pPr algn="ctr"/>
+                <a:r>
+                  <a:rPr lang="en-US" sz="1050" dirty="0">
+                    <a:solidFill>
+                      <a:schemeClr val="tx1"/>
+                    </a:solidFill>
+                  </a:rPr>
+                  <a:t>2</a:t>
+                </a:r>
+                <a:endParaRPr lang="en-US" dirty="0">
+                  <a:solidFill>
+                    <a:schemeClr val="tx1"/>
+                  </a:solidFill>
+                </a:endParaRPr>
+              </a:p>
+            </p:txBody>
+          </p:sp>
+          <p:sp>
+            <p:nvSpPr>
+              <p:cNvPr id="161" name="Rectangle 160"/>
+              <p:cNvSpPr/>
+              <p:nvPr/>
+            </p:nvSpPr>
+            <p:spPr>
+              <a:xfrm>
+                <a:off x="421945" y="1605963"/>
+                <a:ext cx="188925" cy="188926"/>
+              </a:xfrm>
+              <a:prstGeom prst="rect">
+                <a:avLst/>
+              </a:prstGeom>
+              <a:solidFill>
+                <a:schemeClr val="bg1"/>
+              </a:solidFill>
+              <a:ln w="12700">
+                <a:solidFill>
+                  <a:schemeClr val="tx1"/>
+                </a:solidFill>
+              </a:ln>
+            </p:spPr>
+            <p:style>
+              <a:lnRef idx="2">
+                <a:schemeClr val="accent1">
+                  <a:shade val="50000"/>
+                </a:schemeClr>
+              </a:lnRef>
+              <a:fillRef idx="1">
+                <a:schemeClr val="accent1"/>
+              </a:fillRef>
+              <a:effectRef idx="0">
+                <a:schemeClr val="accent1"/>
+              </a:effectRef>
+              <a:fontRef idx="minor">
+                <a:schemeClr val="lt1"/>
+              </a:fontRef>
+            </p:style>
+            <p:txBody>
+              <a:bodyPr rtlCol="0" anchor="ctr"/>
+              <a:lstStyle/>
+              <a:p>
+                <a:pPr algn="ctr"/>
+                <a:r>
+                  <a:rPr lang="en-US" sz="1050" dirty="0">
+                    <a:solidFill>
+                      <a:schemeClr val="tx1"/>
+                    </a:solidFill>
+                  </a:rPr>
+                  <a:t>3</a:t>
+                </a:r>
+                <a:endParaRPr lang="en-US" dirty="0">
+                  <a:solidFill>
+                    <a:schemeClr val="tx1"/>
+                  </a:solidFill>
+                </a:endParaRPr>
+              </a:p>
+            </p:txBody>
+          </p:sp>
+        </p:grpSp>
+        <p:cxnSp>
+          <p:nvCxnSpPr>
+            <p:cNvPr id="177" name="Straight Connector 176"/>
+            <p:cNvCxnSpPr/>
+            <p:nvPr/>
+          </p:nvCxnSpPr>
+          <p:spPr>
+            <a:xfrm>
+              <a:off x="8302625" y="1507956"/>
+              <a:ext cx="222311" cy="0"/>
+            </a:xfrm>
+            <a:prstGeom prst="line">
+              <a:avLst/>
+            </a:prstGeom>
+            <a:ln>
+              <a:prstDash val="sysDash"/>
+              <a:headEnd type="oval" w="sm" len="sm"/>
+              <a:tailEnd type="oval" w="sm" len="sm"/>
+            </a:ln>
+          </p:spPr>
+          <p:style>
+            <a:lnRef idx="1">
+              <a:schemeClr val="accent1"/>
+            </a:lnRef>
+            <a:fillRef idx="0">
+              <a:schemeClr val="accent1"/>
+            </a:fillRef>
+            <a:effectRef idx="0">
+              <a:schemeClr val="accent1"/>
+            </a:effectRef>
+            <a:fontRef idx="minor">
+              <a:schemeClr val="tx1"/>
+            </a:fontRef>
+          </p:style>
+        </p:cxnSp>
+        <p:cxnSp>
+          <p:nvCxnSpPr>
+            <p:cNvPr id="179" name="Straight Connector 178"/>
+            <p:cNvCxnSpPr/>
+            <p:nvPr/>
+          </p:nvCxnSpPr>
+          <p:spPr>
+            <a:xfrm>
+              <a:off x="8301841" y="1350810"/>
+              <a:ext cx="86641" cy="0"/>
+            </a:xfrm>
+            <a:prstGeom prst="line">
+              <a:avLst/>
+            </a:prstGeom>
+            <a:ln>
+              <a:prstDash val="sysDash"/>
+              <a:headEnd type="oval" w="sm" len="sm"/>
+              <a:tailEnd type="oval" w="sm" len="sm"/>
+            </a:ln>
+          </p:spPr>
+          <p:style>
+            <a:lnRef idx="1">
+              <a:schemeClr val="accent1"/>
+            </a:lnRef>
+            <a:fillRef idx="0">
+              <a:schemeClr val="accent1"/>
+            </a:fillRef>
+            <a:effectRef idx="0">
+              <a:schemeClr val="accent1"/>
+            </a:effectRef>
+            <a:fontRef idx="minor">
+              <a:schemeClr val="tx1"/>
+            </a:fontRef>
+          </p:style>
+        </p:cxnSp>
+        <p:cxnSp>
+          <p:nvCxnSpPr>
+            <p:cNvPr id="180" name="Straight Connector 179"/>
+            <p:cNvCxnSpPr/>
+            <p:nvPr/>
+          </p:nvCxnSpPr>
+          <p:spPr>
+            <a:xfrm>
+              <a:off x="8301841" y="1819608"/>
+              <a:ext cx="510706" cy="0"/>
+            </a:xfrm>
+            <a:prstGeom prst="line">
+              <a:avLst/>
+            </a:prstGeom>
+            <a:ln>
+              <a:prstDash val="sysDash"/>
+              <a:headEnd type="oval" w="sm" len="sm"/>
+              <a:tailEnd type="oval" w="sm" len="sm"/>
+            </a:ln>
+          </p:spPr>
+          <p:style>
+            <a:lnRef idx="1">
+              <a:schemeClr val="accent1"/>
+            </a:lnRef>
+            <a:fillRef idx="0">
+              <a:schemeClr val="accent1"/>
+            </a:fillRef>
+            <a:effectRef idx="0">
+              <a:schemeClr val="accent1"/>
+            </a:effectRef>
+            <a:fontRef idx="minor">
+              <a:schemeClr val="tx1"/>
+            </a:fontRef>
+          </p:style>
+        </p:cxnSp>
+        <p:sp>
+          <p:nvSpPr>
+            <p:cNvPr id="172" name="Right Bracket 171"/>
+            <p:cNvSpPr/>
+            <p:nvPr/>
+          </p:nvSpPr>
+          <p:spPr>
+            <a:xfrm rot="10800000">
+              <a:off x="8048625" y="1203960"/>
+              <a:ext cx="152400" cy="770479"/>
+            </a:xfrm>
+            <a:prstGeom prst="rightBracket">
+              <a:avLst>
+                <a:gd name="adj" fmla="val 0"/>
+              </a:avLst>
+            </a:prstGeom>
+            <a:ln>
+              <a:solidFill>
+                <a:schemeClr val="tx1"/>
+              </a:solidFill>
+            </a:ln>
+          </p:spPr>
+          <p:style>
+            <a:lnRef idx="1">
+              <a:schemeClr val="accent1"/>
+            </a:lnRef>
+            <a:fillRef idx="0">
+              <a:schemeClr val="accent1"/>
+            </a:fillRef>
+            <a:effectRef idx="0">
+              <a:schemeClr val="accent1"/>
+            </a:effectRef>
+            <a:fontRef idx="minor">
+              <a:schemeClr val="tx1"/>
+            </a:fontRef>
+          </p:style>
+          <p:txBody>
+            <a:bodyPr rtlCol="0" anchor="ctr"/>
+            <a:lstStyle/>
+            <a:p>
+              <a:pPr algn="ctr"/>
+              <a:endParaRPr lang="en-US"/>
+            </a:p>
+          </p:txBody>
+        </p:sp>
+        <p:cxnSp>
+          <p:nvCxnSpPr>
+            <p:cNvPr id="174" name="Straight Connector 173"/>
+            <p:cNvCxnSpPr/>
+            <p:nvPr/>
+          </p:nvCxnSpPr>
+          <p:spPr>
+            <a:xfrm>
+              <a:off x="6797040" y="1595898"/>
+              <a:ext cx="1251585" cy="0"/>
+            </a:xfrm>
+            <a:prstGeom prst="line">
+              <a:avLst/>
+            </a:prstGeom>
+            <a:ln>
+              <a:solidFill>
+                <a:schemeClr val="tx1"/>
+              </a:solidFill>
+              <a:headEnd type="none" w="med" len="med"/>
+              <a:tailEnd type="triangle" w="med" len="med"/>
+            </a:ln>
+          </p:spPr>
+          <p:style>
+            <a:lnRef idx="1">
+              <a:schemeClr val="accent1"/>
+            </a:lnRef>
+            <a:fillRef idx="0">
+              <a:schemeClr val="accent1"/>
+            </a:fillRef>
+            <a:effectRef idx="0">
+              <a:schemeClr val="accent1"/>
+            </a:effectRef>
+            <a:fontRef idx="minor">
+              <a:schemeClr val="tx1"/>
+            </a:fontRef>
+          </p:style>
+        </p:cxnSp>
+        <p:cxnSp>
+          <p:nvCxnSpPr>
+            <p:cNvPr id="181" name="Straight Connector 180"/>
+            <p:cNvCxnSpPr/>
+            <p:nvPr/>
+          </p:nvCxnSpPr>
+          <p:spPr>
+            <a:xfrm>
+              <a:off x="8302625" y="1665741"/>
+              <a:ext cx="358836" cy="0"/>
+            </a:xfrm>
+            <a:prstGeom prst="line">
+              <a:avLst/>
+            </a:prstGeom>
+            <a:ln>
+              <a:prstDash val="sysDash"/>
+              <a:headEnd type="oval" w="sm" len="sm"/>
+              <a:tailEnd type="oval" w="sm" len="sm"/>
+            </a:ln>
+          </p:spPr>
+          <p:style>
+            <a:lnRef idx="1">
+              <a:schemeClr val="accent1"/>
+            </a:lnRef>
+            <a:fillRef idx="0">
+              <a:schemeClr val="accent1"/>
+            </a:fillRef>
+            <a:effectRef idx="0">
+              <a:schemeClr val="accent1"/>
+            </a:effectRef>
+            <a:fontRef idx="minor">
+              <a:schemeClr val="tx1"/>
+            </a:fontRef>
+          </p:style>
+        </p:cxnSp>
+        <p:cxnSp>
+          <p:nvCxnSpPr>
+            <p:cNvPr id="182" name="Straight Connector 181"/>
+            <p:cNvCxnSpPr/>
+            <p:nvPr/>
+          </p:nvCxnSpPr>
+          <p:spPr>
+            <a:xfrm>
+              <a:off x="9505948" y="698500"/>
+              <a:ext cx="0" cy="3035300"/>
+            </a:xfrm>
+            <a:prstGeom prst="line">
+              <a:avLst/>
+            </a:prstGeom>
+            <a:ln w="57150">
+              <a:solidFill>
+                <a:schemeClr val="accent2"/>
+              </a:solidFill>
+            </a:ln>
+          </p:spPr>
+          <p:style>
+            <a:lnRef idx="1">
+              <a:schemeClr val="accent1"/>
+            </a:lnRef>
+            <a:fillRef idx="0">
+              <a:schemeClr val="accent1"/>
+            </a:fillRef>
+            <a:effectRef idx="0">
+              <a:schemeClr val="accent1"/>
+            </a:effectRef>
+            <a:fontRef idx="minor">
+              <a:schemeClr val="tx1"/>
+            </a:fontRef>
+          </p:style>
+        </p:cxnSp>
+        <p:cxnSp>
+          <p:nvCxnSpPr>
+            <p:cNvPr id="183" name="Straight Connector 182"/>
+            <p:cNvCxnSpPr/>
+            <p:nvPr/>
+          </p:nvCxnSpPr>
+          <p:spPr>
+            <a:xfrm>
+              <a:off x="9136380" y="1219200"/>
+              <a:ext cx="0" cy="699555"/>
+            </a:xfrm>
+            <a:prstGeom prst="line">
+              <a:avLst/>
+            </a:prstGeom>
+            <a:ln>
+              <a:solidFill>
+                <a:schemeClr val="tx1"/>
+              </a:solidFill>
+            </a:ln>
+          </p:spPr>
+          <p:style>
+            <a:lnRef idx="1">
+              <a:schemeClr val="accent1"/>
+            </a:lnRef>
+            <a:fillRef idx="0">
+              <a:schemeClr val="accent1"/>
+            </a:fillRef>
+            <a:effectRef idx="0">
+              <a:schemeClr val="accent1"/>
+            </a:effectRef>
+            <a:fontRef idx="minor">
+              <a:schemeClr val="tx1"/>
+            </a:fontRef>
+          </p:style>
+        </p:cxnSp>
+        <p:sp>
+          <p:nvSpPr>
+            <p:cNvPr id="184" name="Oval 183"/>
+            <p:cNvSpPr/>
+            <p:nvPr/>
+          </p:nvSpPr>
+          <p:spPr>
+            <a:xfrm>
+              <a:off x="9098280" y="1551099"/>
+              <a:ext cx="76200" cy="76200"/>
+            </a:xfrm>
+            <a:prstGeom prst="ellipse">
+              <a:avLst/>
+            </a:prstGeom>
+            <a:solidFill>
+              <a:schemeClr val="tx1"/>
+            </a:solidFill>
+            <a:ln>
+              <a:solidFill>
+                <a:schemeClr val="tx1"/>
+              </a:solidFill>
+            </a:ln>
+          </p:spPr>
+          <p:style>
+            <a:lnRef idx="2">
+              <a:schemeClr val="accent1">
+                <a:shade val="50000"/>
+              </a:schemeClr>
+            </a:lnRef>
+            <a:fillRef idx="1">
+              <a:schemeClr val="accent1"/>
+            </a:fillRef>
+            <a:effectRef idx="0">
+              <a:schemeClr val="accent1"/>
+            </a:effectRef>
+            <a:fontRef idx="minor">
+              <a:schemeClr val="lt1"/>
+            </a:fontRef>
+          </p:style>
+          <p:txBody>
+            <a:bodyPr rtlCol="0" anchor="ctr"/>
+            <a:lstStyle/>
+            <a:p>
+              <a:pPr algn="ctr"/>
+              <a:endParaRPr lang="en-US"/>
+            </a:p>
+          </p:txBody>
+        </p:sp>
+        <p:sp>
+          <p:nvSpPr>
+            <p:cNvPr id="185" name="Rectangle 184"/>
+            <p:cNvSpPr/>
+            <p:nvPr/>
+          </p:nvSpPr>
+          <p:spPr>
+            <a:xfrm>
+              <a:off x="9465248" y="1461775"/>
+              <a:ext cx="476413" cy="261610"/>
+            </a:xfrm>
+            <a:prstGeom prst="rect">
+              <a:avLst/>
+            </a:prstGeom>
+          </p:spPr>
+          <p:txBody>
+            <a:bodyPr wrap="none">
+              <a:spAutoFit/>
+            </a:bodyPr>
+            <a:lstStyle/>
+            <a:p>
+              <a:pPr algn="ctr"/>
+              <a:r>
+                <a:rPr lang="en-US" sz="1100" dirty="0">
+                  <a:latin typeface="Raleway Medium" pitchFamily="34" charset="0"/>
+                </a:rPr>
+                <a:t>HPS</a:t>
+              </a:r>
+              <a:endParaRPr lang="en-US" sz="1100" dirty="0">
+                <a:latin typeface="Raleway Medium" pitchFamily="34" charset="0"/>
+              </a:endParaRPr>
+            </a:p>
+          </p:txBody>
+        </p:sp>
+        <p:sp>
+          <p:nvSpPr>
+            <p:cNvPr id="186" name="Cross 185"/>
+            <p:cNvSpPr/>
+            <p:nvPr/>
+          </p:nvSpPr>
+          <p:spPr>
+            <a:xfrm rot="2700000">
+              <a:off x="9462905" y="1559112"/>
+              <a:ext cx="76200" cy="76200"/>
+            </a:xfrm>
+            <a:prstGeom prst="plus">
+              <a:avLst>
+                <a:gd name="adj" fmla="val 49999"/>
+              </a:avLst>
+            </a:prstGeom>
+            <a:solidFill>
+              <a:schemeClr val="tx1"/>
+            </a:solidFill>
+            <a:ln>
+              <a:solidFill>
+                <a:schemeClr val="tx1"/>
+              </a:solidFill>
+            </a:ln>
+          </p:spPr>
+          <p:style>
+            <a:lnRef idx="2">
+              <a:schemeClr val="accent1">
+                <a:shade val="50000"/>
+              </a:schemeClr>
+            </a:lnRef>
+            <a:fillRef idx="1">
+              <a:schemeClr val="accent1"/>
+            </a:fillRef>
+            <a:effectRef idx="0">
+              <a:schemeClr val="accent1"/>
+            </a:effectRef>
+            <a:fontRef idx="minor">
+              <a:schemeClr val="lt1"/>
+            </a:fontRef>
+          </p:style>
+          <p:txBody>
+            <a:bodyPr rtlCol="0" anchor="ctr"/>
+            <a:lstStyle/>
+            <a:p>
+              <a:pPr algn="ctr"/>
+              <a:endParaRPr lang="en-US"/>
+            </a:p>
+          </p:txBody>
+        </p:sp>
+        <p:cxnSp>
+          <p:nvCxnSpPr>
+            <p:cNvPr id="187" name="Straight Arrow Connector 186"/>
+            <p:cNvCxnSpPr/>
+            <p:nvPr/>
+          </p:nvCxnSpPr>
+          <p:spPr>
+            <a:xfrm flipH="1" flipV="1">
+              <a:off x="9101141" y="1597210"/>
+              <a:ext cx="342900" cy="1"/>
+            </a:xfrm>
+            <a:prstGeom prst="straightConnector1">
+              <a:avLst/>
+            </a:prstGeom>
+            <a:ln>
+              <a:solidFill>
+                <a:schemeClr val="tx1"/>
+              </a:solidFill>
+              <a:headEnd type="triangle" w="med" len="med"/>
+              <a:tailEnd type="none" w="med" len="med"/>
+            </a:ln>
+          </p:spPr>
+          <p:style>
+            <a:lnRef idx="1">
+              <a:schemeClr val="accent1"/>
+            </a:lnRef>
+            <a:fillRef idx="0">
+              <a:schemeClr val="accent1"/>
+            </a:fillRef>
+            <a:effectRef idx="0">
+              <a:schemeClr val="accent1"/>
+            </a:effectRef>
+            <a:fontRef idx="minor">
+              <a:schemeClr val="tx1"/>
+            </a:fontRef>
+          </p:style>
+        </p:cxnSp>
+        <p:cxnSp>
+          <p:nvCxnSpPr>
+            <p:cNvPr id="188" name="Straight Connector 187"/>
+            <p:cNvCxnSpPr/>
+            <p:nvPr/>
+          </p:nvCxnSpPr>
+          <p:spPr>
+            <a:xfrm>
+              <a:off x="8081471" y="3048000"/>
+              <a:ext cx="797602" cy="0"/>
+            </a:xfrm>
+            <a:prstGeom prst="line">
+              <a:avLst/>
+            </a:prstGeom>
+            <a:ln>
+              <a:prstDash val="sysDash"/>
+              <a:headEnd type="oval" w="sm" len="sm"/>
+              <a:tailEnd type="oval" w="sm" len="sm"/>
+            </a:ln>
+          </p:spPr>
+          <p:style>
+            <a:lnRef idx="1">
+              <a:schemeClr val="accent1"/>
+            </a:lnRef>
+            <a:fillRef idx="0">
+              <a:schemeClr val="accent1"/>
+            </a:fillRef>
+            <a:effectRef idx="0">
+              <a:schemeClr val="accent1"/>
+            </a:effectRef>
+            <a:fontRef idx="minor">
+              <a:schemeClr val="tx1"/>
+            </a:fontRef>
+          </p:style>
+        </p:cxnSp>
+        <p:sp>
+          <p:nvSpPr>
+            <p:cNvPr id="189" name="TextBox 188"/>
+            <p:cNvSpPr txBox="1"/>
+            <p:nvPr/>
+          </p:nvSpPr>
+          <p:spPr>
+            <a:xfrm>
+              <a:off x="7851471" y="2827175"/>
+              <a:ext cx="463521" cy="261610"/>
+            </a:xfrm>
+            <a:prstGeom prst="rect">
+              <a:avLst/>
+            </a:prstGeom>
+            <a:noFill/>
+          </p:spPr>
+          <p:txBody>
+            <a:bodyPr wrap="square" rtlCol="0">
+              <a:spAutoFit/>
+            </a:bodyPr>
+            <a:lstStyle/>
+            <a:p>
+              <a:pPr algn="ctr"/>
+              <a:r>
+                <a:rPr lang="en-US" sz="1050" dirty="0">
+                  <a:latin typeface="Raleway Medium" pitchFamily="34" charset="0"/>
+                </a:rPr>
+                <a:t>Pkt.</a:t>
+              </a:r>
+              <a:endParaRPr lang="en-US" sz="1050" dirty="0">
+                <a:latin typeface="Raleway Medium" pitchFamily="34" charset="0"/>
+              </a:endParaRPr>
+            </a:p>
+          </p:txBody>
+        </p:sp>
+        <p:sp>
+          <p:nvSpPr>
+            <p:cNvPr id="190" name="TextBox 189"/>
+            <p:cNvSpPr txBox="1"/>
+            <p:nvPr/>
+          </p:nvSpPr>
+          <p:spPr>
+            <a:xfrm>
+              <a:off x="8575128" y="2827175"/>
+              <a:ext cx="616946" cy="253916"/>
+            </a:xfrm>
+            <a:prstGeom prst="rect">
+              <a:avLst/>
+            </a:prstGeom>
+            <a:noFill/>
+          </p:spPr>
+          <p:txBody>
+            <a:bodyPr wrap="square" rtlCol="0">
+              <a:spAutoFit/>
+            </a:bodyPr>
+            <a:lstStyle/>
+            <a:p>
+              <a:pPr algn="ctr"/>
+              <a:r>
+                <a:rPr lang="en-US" sz="1050" dirty="0">
+                  <a:latin typeface="Raleway Medium" pitchFamily="34" charset="0"/>
+                </a:rPr>
+                <a:t>AXI</a:t>
+              </a:r>
+              <a:endParaRPr lang="en-US" sz="1050" dirty="0">
+                <a:latin typeface="Raleway Medium" pitchFamily="34" charset="0"/>
+              </a:endParaRPr>
+            </a:p>
+          </p:txBody>
+        </p:sp>
+      </p:grpSp>
+    </p:spTree>
+    <p:extLst>
+      <p:ext uri="{BB962C8B-B14F-4D97-AF65-F5344CB8AC3E}">
+        <p14:creationId xmlns:p14="http://schemas.microsoft.com/office/powerpoint/2010/main" val="2958586448"/>
       </p:ext>
     </p:extLst>
   </p:cSld>
